--- a/Presentation/Presentazione.pptx
+++ b/Presentation/Presentazione.pptx
@@ -5,7 +5,7 @@
     <p:sldMasterId id="2147483701" r:id="rId1"/>
   </p:sldMasterIdLst>
   <p:notesMasterIdLst>
-    <p:notesMasterId r:id="rId24"/>
+    <p:notesMasterId r:id="rId36"/>
   </p:notesMasterIdLst>
   <p:sldIdLst>
     <p:sldId id="256" r:id="rId2"/>
@@ -29,7 +29,19 @@
     <p:sldId id="274" r:id="rId20"/>
     <p:sldId id="275" r:id="rId21"/>
     <p:sldId id="276" r:id="rId22"/>
-    <p:sldId id="277" r:id="rId23"/>
+    <p:sldId id="279" r:id="rId23"/>
+    <p:sldId id="278" r:id="rId24"/>
+    <p:sldId id="277" r:id="rId25"/>
+    <p:sldId id="280" r:id="rId26"/>
+    <p:sldId id="281" r:id="rId27"/>
+    <p:sldId id="282" r:id="rId28"/>
+    <p:sldId id="283" r:id="rId29"/>
+    <p:sldId id="284" r:id="rId30"/>
+    <p:sldId id="285" r:id="rId31"/>
+    <p:sldId id="286" r:id="rId32"/>
+    <p:sldId id="287" r:id="rId33"/>
+    <p:sldId id="288" r:id="rId34"/>
+    <p:sldId id="289" r:id="rId35"/>
   </p:sldIdLst>
   <p:sldSz cx="9144000" cy="6858000" type="screen4x3"/>
   <p:notesSz cx="6858000" cy="9144000"/>
@@ -5678,8 +5690,8 @@
           <a:chExt cx="0" cy="0"/>
         </a:xfrm>
       </p:grpSpPr>
-      <mc:AlternateContent xmlns:mc="http://schemas.openxmlformats.org/markup-compatibility/2006">
-        <mc:Choice xmlns:a14="http://schemas.microsoft.com/office/drawing/2010/main" Requires="a14">
+      <mc:AlternateContent xmlns:mc="http://schemas.openxmlformats.org/markup-compatibility/2006" xmlns:a14="http://schemas.microsoft.com/office/drawing/2010/main">
+        <mc:Choice Requires="a14">
           <p:sp>
             <p:nvSpPr>
               <p:cNvPr id="3" name="Segnaposto contenuto 2">
@@ -6030,7 +6042,7 @@
             </p:txBody>
           </p:sp>
         </mc:Choice>
-        <mc:Fallback>
+        <mc:Fallback xmlns="">
           <p:sp>
             <p:nvSpPr>
               <p:cNvPr id="3" name="Segnaposto contenuto 2">
@@ -7220,7 +7232,9 @@
         </p:nvSpPr>
         <p:spPr/>
         <p:txBody>
-          <a:bodyPr/>
+          <a:bodyPr>
+            <a:normAutofit fontScale="92500"/>
+          </a:bodyPr>
           <a:lstStyle/>
           <a:p>
             <a:pPr marL="0" indent="0">
@@ -7259,6 +7273,18 @@
             <a:pPr marL="0" indent="0">
               <a:buNone/>
             </a:pPr>
+            <a:r>
+              <a:rPr lang="it-IT" sz="2400" dirty="0">
+                <a:latin typeface="Times New Roman" panose="02020603050405020304" pitchFamily="18" charset="0"/>
+                <a:cs typeface="Times New Roman" panose="02020603050405020304" pitchFamily="18" charset="0"/>
+              </a:rPr>
+              <a:t>Può portare a buoni risultati, ma molte pubblicazioni sono state criticate per aver portato risultati empirici senza una motivazione teorica di fondo più complessa di una semplice imitazione della natura.</a:t>
+            </a:r>
+          </a:p>
+          <a:p>
+            <a:pPr marL="0" indent="0">
+              <a:buNone/>
+            </a:pPr>
             <a:endParaRPr lang="it-IT" sz="2400" dirty="0">
               <a:latin typeface="Times New Roman" panose="02020603050405020304" pitchFamily="18" charset="0"/>
               <a:cs typeface="Times New Roman" panose="02020603050405020304" pitchFamily="18" charset="0"/>
@@ -7273,7 +7299,35 @@
                 <a:latin typeface="Times New Roman" panose="02020603050405020304" pitchFamily="18" charset="0"/>
                 <a:cs typeface="Times New Roman" panose="02020603050405020304" pitchFamily="18" charset="0"/>
               </a:rPr>
-              <a:t>Può portare a buoni risultati, ma molte pubblicazioni sono state criticate per aver portato risultati empirici senza una motivazione teorica di fondo più complessa di una semplice imitazione della natura.</a:t>
+              <a:t>Si espone di seguito un algoritmo di questo tipo, </a:t>
+            </a:r>
+            <a:r>
+              <a:rPr lang="it-IT" sz="2400" dirty="0" err="1">
+                <a:latin typeface="Times New Roman" panose="02020603050405020304" pitchFamily="18" charset="0"/>
+                <a:cs typeface="Times New Roman" panose="02020603050405020304" pitchFamily="18" charset="0"/>
+              </a:rPr>
+              <a:t>Particle</a:t>
+            </a:r>
+            <a:r>
+              <a:rPr lang="it-IT" sz="2400" dirty="0">
+                <a:latin typeface="Times New Roman" panose="02020603050405020304" pitchFamily="18" charset="0"/>
+                <a:cs typeface="Times New Roman" panose="02020603050405020304" pitchFamily="18" charset="0"/>
+              </a:rPr>
+              <a:t> </a:t>
+            </a:r>
+            <a:r>
+              <a:rPr lang="it-IT" sz="2400" dirty="0" err="1">
+                <a:latin typeface="Times New Roman" panose="02020603050405020304" pitchFamily="18" charset="0"/>
+                <a:cs typeface="Times New Roman" panose="02020603050405020304" pitchFamily="18" charset="0"/>
+              </a:rPr>
+              <a:t>Swarm</a:t>
+            </a:r>
+            <a:r>
+              <a:rPr lang="it-IT" sz="2400" dirty="0">
+                <a:latin typeface="Times New Roman" panose="02020603050405020304" pitchFamily="18" charset="0"/>
+                <a:cs typeface="Times New Roman" panose="02020603050405020304" pitchFamily="18" charset="0"/>
+              </a:rPr>
+              <a:t> Optimization.	</a:t>
             </a:r>
           </a:p>
           <a:p>
@@ -7316,7 +7370,7 @@
           <p:cNvPr id="2" name="Titolo 1">
             <a:extLst>
               <a:ext uri="{FF2B5EF4-FFF2-40B4-BE49-F238E27FC236}">
-                <a16:creationId xmlns:a16="http://schemas.microsoft.com/office/drawing/2014/main" id="{32F43CA4-0838-43F5-9D1B-1C77C0B86A13}"/>
+                <a16:creationId xmlns:a16="http://schemas.microsoft.com/office/drawing/2014/main" id="{7898340E-F24D-4531-A7DF-819F176DFBC4}"/>
               </a:ext>
             </a:extLst>
           </p:cNvPr>
@@ -7327,26 +7381,44 @@
             <p:ph type="title"/>
           </p:nvPr>
         </p:nvSpPr>
-        <p:spPr/>
+        <p:spPr>
+          <a:xfrm>
+            <a:off x="628650" y="325370"/>
+            <a:ext cx="7886700" cy="1325563"/>
+          </a:xfrm>
+        </p:spPr>
         <p:txBody>
           <a:bodyPr/>
           <a:lstStyle/>
           <a:p>
-            <a:r>
-              <a:rPr lang="it-IT" dirty="0" err="1"/>
+            <a:pPr algn="ctr"/>
+            <a:r>
+              <a:rPr lang="it-IT" dirty="0" err="1">
+                <a:latin typeface="Times New Roman" panose="02020603050405020304" pitchFamily="18" charset="0"/>
+                <a:cs typeface="Times New Roman" panose="02020603050405020304" pitchFamily="18" charset="0"/>
+              </a:rPr>
               <a:t>Particle</a:t>
             </a:r>
             <a:r>
-              <a:rPr lang="it-IT" dirty="0"/>
+              <a:rPr lang="it-IT" dirty="0">
+                <a:latin typeface="Times New Roman" panose="02020603050405020304" pitchFamily="18" charset="0"/>
+                <a:cs typeface="Times New Roman" panose="02020603050405020304" pitchFamily="18" charset="0"/>
+              </a:rPr>
               <a:t> </a:t>
             </a:r>
             <a:r>
-              <a:rPr lang="it-IT" dirty="0" err="1"/>
+              <a:rPr lang="it-IT" dirty="0" err="1">
+                <a:latin typeface="Times New Roman" panose="02020603050405020304" pitchFamily="18" charset="0"/>
+                <a:cs typeface="Times New Roman" panose="02020603050405020304" pitchFamily="18" charset="0"/>
+              </a:rPr>
               <a:t>Swarm</a:t>
             </a:r>
             <a:r>
-              <a:rPr lang="it-IT" dirty="0"/>
-              <a:t> Optimization</a:t>
+              <a:rPr lang="it-IT" dirty="0">
+                <a:latin typeface="Times New Roman" panose="02020603050405020304" pitchFamily="18" charset="0"/>
+                <a:cs typeface="Times New Roman" panose="02020603050405020304" pitchFamily="18" charset="0"/>
+              </a:rPr>
+              <a:t> Intelligence: in breve</a:t>
             </a:r>
           </a:p>
         </p:txBody>
@@ -7356,7 +7428,7 @@
           <p:cNvPr id="3" name="Segnaposto contenuto 2">
             <a:extLst>
               <a:ext uri="{FF2B5EF4-FFF2-40B4-BE49-F238E27FC236}">
-                <a16:creationId xmlns:a16="http://schemas.microsoft.com/office/drawing/2014/main" id="{142FFC75-2C1E-496A-92B0-1A0CD339C4A6}"/>
+                <a16:creationId xmlns:a16="http://schemas.microsoft.com/office/drawing/2014/main" id="{15A06093-C164-49CB-AEEE-629DBC40AA4E}"/>
               </a:ext>
             </a:extLst>
           </p:cNvPr>
@@ -7369,10 +7441,583 @@
         </p:nvSpPr>
         <p:spPr/>
         <p:txBody>
+          <a:bodyPr>
+            <a:normAutofit/>
+          </a:bodyPr>
+          <a:lstStyle/>
+          <a:p>
+            <a:pPr marL="0" indent="0">
+              <a:buNone/>
+            </a:pPr>
+            <a:r>
+              <a:rPr lang="it-IT" sz="2400" dirty="0">
+                <a:latin typeface="Times New Roman" panose="02020603050405020304" pitchFamily="18" charset="0"/>
+                <a:cs typeface="Times New Roman" panose="02020603050405020304" pitchFamily="18" charset="0"/>
+              </a:rPr>
+              <a:t>Algoritmo di </a:t>
+            </a:r>
+            <a:r>
+              <a:rPr lang="it-IT" sz="2400" dirty="0" err="1">
+                <a:latin typeface="Times New Roman" panose="02020603050405020304" pitchFamily="18" charset="0"/>
+                <a:cs typeface="Times New Roman" panose="02020603050405020304" pitchFamily="18" charset="0"/>
+              </a:rPr>
+              <a:t>swarm</a:t>
+            </a:r>
+            <a:r>
+              <a:rPr lang="it-IT" sz="2400" dirty="0">
+                <a:latin typeface="Times New Roman" panose="02020603050405020304" pitchFamily="18" charset="0"/>
+                <a:cs typeface="Times New Roman" panose="02020603050405020304" pitchFamily="18" charset="0"/>
+              </a:rPr>
+              <a:t> intelligence basato sul movimento di uno sciame di particelle.</a:t>
+            </a:r>
+          </a:p>
+          <a:p>
+            <a:pPr marL="0" indent="0">
+              <a:buNone/>
+            </a:pPr>
+            <a:endParaRPr lang="it-IT" sz="2400" dirty="0">
+              <a:latin typeface="Times New Roman" panose="02020603050405020304" pitchFamily="18" charset="0"/>
+              <a:cs typeface="Times New Roman" panose="02020603050405020304" pitchFamily="18" charset="0"/>
+            </a:endParaRPr>
+          </a:p>
+          <a:p>
+            <a:pPr marL="0" indent="0">
+              <a:buNone/>
+            </a:pPr>
+            <a:r>
+              <a:rPr lang="it-IT" sz="2400" dirty="0">
+                <a:latin typeface="Times New Roman" panose="02020603050405020304" pitchFamily="18" charset="0"/>
+                <a:cs typeface="Times New Roman" panose="02020603050405020304" pitchFamily="18" charset="0"/>
+              </a:rPr>
+              <a:t>Ogni particella mantiene la migliore posizione da essa attraversata, a ogni iterazione modifica la propria velocità in funzione di tale posizione e della migliore tra le posizioni migliori di tutte le particelle.</a:t>
+            </a:r>
+          </a:p>
+          <a:p>
+            <a:pPr marL="0" indent="0">
+              <a:buNone/>
+            </a:pPr>
+            <a:endParaRPr lang="it-IT" sz="2400" dirty="0">
+              <a:latin typeface="Times New Roman" panose="02020603050405020304" pitchFamily="18" charset="0"/>
+              <a:cs typeface="Times New Roman" panose="02020603050405020304" pitchFamily="18" charset="0"/>
+            </a:endParaRPr>
+          </a:p>
+          <a:p>
+            <a:pPr marL="0" indent="0">
+              <a:buNone/>
+            </a:pPr>
+            <a:r>
+              <a:rPr lang="it-IT" sz="2400" dirty="0">
+                <a:latin typeface="Times New Roman" panose="02020603050405020304" pitchFamily="18" charset="0"/>
+                <a:cs typeface="Times New Roman" panose="02020603050405020304" pitchFamily="18" charset="0"/>
+              </a:rPr>
+              <a:t>Una volta trovata una buona soluzione, lo sciame tende a spostarsi nelle sue vicinanze: in questo modo si ottiene esplorazione a livello sia globale che locale.</a:t>
+            </a:r>
+          </a:p>
+          <a:p>
+            <a:endParaRPr lang="it-IT" dirty="0"/>
+          </a:p>
+        </p:txBody>
+      </p:sp>
+    </p:spTree>
+    <p:extLst>
+      <p:ext uri="{BB962C8B-B14F-4D97-AF65-F5344CB8AC3E}">
+        <p14:creationId xmlns:p14="http://schemas.microsoft.com/office/powerpoint/2010/main" val="78352572"/>
+      </p:ext>
+    </p:extLst>
+  </p:cSld>
+  <p:clrMapOvr>
+    <a:masterClrMapping/>
+  </p:clrMapOvr>
+</p:sld>
+</file>
+
+<file path=ppt/slides/slide23.xml><?xml version="1.0" encoding="utf-8"?>
+<p:sld xmlns:a="http://schemas.openxmlformats.org/drawingml/2006/main" xmlns:r="http://schemas.openxmlformats.org/officeDocument/2006/relationships" xmlns:p="http://schemas.openxmlformats.org/presentationml/2006/main">
+  <p:cSld>
+    <p:spTree>
+      <p:nvGrpSpPr>
+        <p:cNvPr id="1" name=""/>
+        <p:cNvGrpSpPr/>
+        <p:nvPr/>
+      </p:nvGrpSpPr>
+      <p:grpSpPr>
+        <a:xfrm>
+          <a:off x="0" y="0"/>
+          <a:ext cx="0" cy="0"/>
+          <a:chOff x="0" y="0"/>
+          <a:chExt cx="0" cy="0"/>
+        </a:xfrm>
+      </p:grpSpPr>
+      <p:sp>
+        <p:nvSpPr>
+          <p:cNvPr id="2" name="Titolo 1">
+            <a:extLst>
+              <a:ext uri="{FF2B5EF4-FFF2-40B4-BE49-F238E27FC236}">
+                <a16:creationId xmlns:a16="http://schemas.microsoft.com/office/drawing/2014/main" id="{32F43CA4-0838-43F5-9D1B-1C77C0B86A13}"/>
+              </a:ext>
+            </a:extLst>
+          </p:cNvPr>
+          <p:cNvSpPr>
+            <a:spLocks noGrp="1"/>
+          </p:cNvSpPr>
+          <p:nvPr>
+            <p:ph type="title"/>
+          </p:nvPr>
+        </p:nvSpPr>
+        <p:spPr/>
+        <p:txBody>
           <a:bodyPr/>
           <a:lstStyle/>
           <a:p>
-            <a:endParaRPr lang="it-IT"/>
+            <a:pPr algn="ctr"/>
+            <a:r>
+              <a:rPr lang="it-IT" dirty="0">
+                <a:latin typeface="Times New Roman" panose="02020603050405020304" pitchFamily="18" charset="0"/>
+                <a:cs typeface="Times New Roman" panose="02020603050405020304" pitchFamily="18" charset="0"/>
+              </a:rPr>
+              <a:t>Algoritmo PSO (1)</a:t>
+            </a:r>
+          </a:p>
+        </p:txBody>
+      </p:sp>
+      <p:sp>
+        <p:nvSpPr>
+          <p:cNvPr id="3" name="Segnaposto contenuto 2">
+            <a:extLst>
+              <a:ext uri="{FF2B5EF4-FFF2-40B4-BE49-F238E27FC236}">
+                <a16:creationId xmlns:a16="http://schemas.microsoft.com/office/drawing/2014/main" id="{142FFC75-2C1E-496A-92B0-1A0CD339C4A6}"/>
+              </a:ext>
+            </a:extLst>
+          </p:cNvPr>
+          <p:cNvSpPr>
+            <a:spLocks noGrp="1"/>
+          </p:cNvSpPr>
+          <p:nvPr>
+            <p:ph idx="1"/>
+          </p:nvPr>
+        </p:nvSpPr>
+        <p:spPr/>
+        <p:txBody>
+          <a:bodyPr/>
+          <a:lstStyle/>
+          <a:p>
+            <a:pPr marL="0" indent="0">
+              <a:buNone/>
+            </a:pPr>
+            <a:r>
+              <a:rPr lang="it-IT" dirty="0">
+                <a:latin typeface="Times New Roman" panose="02020603050405020304" pitchFamily="18" charset="0"/>
+                <a:cs typeface="Times New Roman" panose="02020603050405020304" pitchFamily="18" charset="0"/>
+              </a:rPr>
+              <a:t>Input:</a:t>
+            </a:r>
+          </a:p>
+          <a:p>
+            <a:r>
+              <a:rPr lang="it-IT" dirty="0" err="1">
+                <a:latin typeface="Times New Roman" panose="02020603050405020304" pitchFamily="18" charset="0"/>
+                <a:cs typeface="Times New Roman" panose="02020603050405020304" pitchFamily="18" charset="0"/>
+              </a:rPr>
+              <a:t>x</a:t>
+            </a:r>
+            <a:r>
+              <a:rPr lang="it-IT" baseline="-25000" dirty="0" err="1">
+                <a:latin typeface="Times New Roman" panose="02020603050405020304" pitchFamily="18" charset="0"/>
+                <a:cs typeface="Times New Roman" panose="02020603050405020304" pitchFamily="18" charset="0"/>
+              </a:rPr>
+              <a:t>min</a:t>
+            </a:r>
+            <a:r>
+              <a:rPr lang="it-IT" dirty="0">
+                <a:latin typeface="Times New Roman" panose="02020603050405020304" pitchFamily="18" charset="0"/>
+                <a:cs typeface="Times New Roman" panose="02020603050405020304" pitchFamily="18" charset="0"/>
+              </a:rPr>
+              <a:t>, </a:t>
+            </a:r>
+            <a:r>
+              <a:rPr lang="it-IT" dirty="0" err="1">
+                <a:latin typeface="Times New Roman" panose="02020603050405020304" pitchFamily="18" charset="0"/>
+                <a:cs typeface="Times New Roman" panose="02020603050405020304" pitchFamily="18" charset="0"/>
+              </a:rPr>
+              <a:t>x</a:t>
+            </a:r>
+            <a:r>
+              <a:rPr lang="it-IT" baseline="-25000" dirty="0" err="1">
+                <a:latin typeface="Times New Roman" panose="02020603050405020304" pitchFamily="18" charset="0"/>
+                <a:cs typeface="Times New Roman" panose="02020603050405020304" pitchFamily="18" charset="0"/>
+              </a:rPr>
+              <a:t>max</a:t>
+            </a:r>
+            <a:r>
+              <a:rPr lang="it-IT" dirty="0">
+                <a:latin typeface="Times New Roman" panose="02020603050405020304" pitchFamily="18" charset="0"/>
+                <a:cs typeface="Times New Roman" panose="02020603050405020304" pitchFamily="18" charset="0"/>
+              </a:rPr>
+              <a:t> : </a:t>
+            </a:r>
+            <a:r>
+              <a:rPr lang="it-IT" dirty="0" err="1">
+                <a:latin typeface="Times New Roman" panose="02020603050405020304" pitchFamily="18" charset="0"/>
+                <a:cs typeface="Times New Roman" panose="02020603050405020304" pitchFamily="18" charset="0"/>
+              </a:rPr>
+              <a:t>bound</a:t>
+            </a:r>
+            <a:r>
+              <a:rPr lang="it-IT" dirty="0">
+                <a:latin typeface="Times New Roman" panose="02020603050405020304" pitchFamily="18" charset="0"/>
+                <a:cs typeface="Times New Roman" panose="02020603050405020304" pitchFamily="18" charset="0"/>
+              </a:rPr>
+              <a:t> per i parametri </a:t>
+            </a:r>
+          </a:p>
+          <a:p>
+            <a:r>
+              <a:rPr lang="it-IT" dirty="0">
+                <a:latin typeface="Times New Roman" panose="02020603050405020304" pitchFamily="18" charset="0"/>
+                <a:cs typeface="Times New Roman" panose="02020603050405020304" pitchFamily="18" charset="0"/>
+              </a:rPr>
+              <a:t>N: numero di particelle </a:t>
+            </a:r>
+          </a:p>
+          <a:p>
+            <a:r>
+              <a:rPr lang="it-IT" dirty="0">
+                <a:latin typeface="Times New Roman" panose="02020603050405020304" pitchFamily="18" charset="0"/>
+                <a:cs typeface="Times New Roman" panose="02020603050405020304" pitchFamily="18" charset="0"/>
+              </a:rPr>
+              <a:t>ω: fattore di inerzia </a:t>
+            </a:r>
+          </a:p>
+          <a:p>
+            <a:r>
+              <a:rPr lang="it-IT" dirty="0" err="1">
+                <a:latin typeface="Times New Roman" panose="02020603050405020304" pitchFamily="18" charset="0"/>
+                <a:cs typeface="Times New Roman" panose="02020603050405020304" pitchFamily="18" charset="0"/>
+              </a:rPr>
+              <a:t>ϕ</a:t>
+            </a:r>
+            <a:r>
+              <a:rPr lang="it-IT" baseline="-25000" dirty="0" err="1">
+                <a:latin typeface="Times New Roman" panose="02020603050405020304" pitchFamily="18" charset="0"/>
+                <a:cs typeface="Times New Roman" panose="02020603050405020304" pitchFamily="18" charset="0"/>
+              </a:rPr>
+              <a:t>i</a:t>
+            </a:r>
+            <a:r>
+              <a:rPr lang="it-IT" dirty="0">
+                <a:latin typeface="Times New Roman" panose="02020603050405020304" pitchFamily="18" charset="0"/>
+                <a:cs typeface="Times New Roman" panose="02020603050405020304" pitchFamily="18" charset="0"/>
+              </a:rPr>
+              <a:t>: fattore cognitivo </a:t>
+            </a:r>
+          </a:p>
+          <a:p>
+            <a:r>
+              <a:rPr lang="it-IT" dirty="0" err="1">
+                <a:latin typeface="Times New Roman" panose="02020603050405020304" pitchFamily="18" charset="0"/>
+                <a:cs typeface="Times New Roman" panose="02020603050405020304" pitchFamily="18" charset="0"/>
+              </a:rPr>
+              <a:t>ϕ</a:t>
+            </a:r>
+            <a:r>
+              <a:rPr lang="it-IT" baseline="-25000" dirty="0" err="1">
+                <a:latin typeface="Times New Roman" panose="02020603050405020304" pitchFamily="18" charset="0"/>
+                <a:cs typeface="Times New Roman" panose="02020603050405020304" pitchFamily="18" charset="0"/>
+              </a:rPr>
+              <a:t>s</a:t>
+            </a:r>
+            <a:r>
+              <a:rPr lang="it-IT" dirty="0">
+                <a:latin typeface="Times New Roman" panose="02020603050405020304" pitchFamily="18" charset="0"/>
+                <a:cs typeface="Times New Roman" panose="02020603050405020304" pitchFamily="18" charset="0"/>
+              </a:rPr>
+              <a:t>: fattore sociale </a:t>
+            </a:r>
+          </a:p>
+          <a:p>
+            <a:r>
+              <a:rPr lang="it-IT" dirty="0">
+                <a:latin typeface="Times New Roman" panose="02020603050405020304" pitchFamily="18" charset="0"/>
+                <a:cs typeface="Times New Roman" panose="02020603050405020304" pitchFamily="18" charset="0"/>
+              </a:rPr>
+              <a:t>I: numero di iterazioni </a:t>
+            </a:r>
+          </a:p>
+          <a:p>
+            <a:pPr marL="0" indent="0">
+              <a:buNone/>
+            </a:pPr>
+            <a:endParaRPr lang="it-IT" dirty="0">
+              <a:latin typeface="Times New Roman" panose="02020603050405020304" pitchFamily="18" charset="0"/>
+              <a:cs typeface="Times New Roman" panose="02020603050405020304" pitchFamily="18" charset="0"/>
+            </a:endParaRPr>
+          </a:p>
+          <a:p>
+            <a:pPr marL="0" indent="0">
+              <a:buNone/>
+            </a:pPr>
+            <a:r>
+              <a:rPr lang="it-IT" dirty="0">
+                <a:latin typeface="Times New Roman" panose="02020603050405020304" pitchFamily="18" charset="0"/>
+                <a:cs typeface="Times New Roman" panose="02020603050405020304" pitchFamily="18" charset="0"/>
+              </a:rPr>
+              <a:t>Output: </a:t>
+            </a:r>
+          </a:p>
+          <a:p>
+            <a:r>
+              <a:rPr lang="it-IT" dirty="0">
+                <a:latin typeface="Times New Roman" panose="02020603050405020304" pitchFamily="18" charset="0"/>
+                <a:cs typeface="Times New Roman" panose="02020603050405020304" pitchFamily="18" charset="0"/>
+              </a:rPr>
+              <a:t>S: la migliore soluzione trovata</a:t>
+            </a:r>
+          </a:p>
+        </p:txBody>
+      </p:sp>
+    </p:spTree>
+    <p:extLst>
+      <p:ext uri="{BB962C8B-B14F-4D97-AF65-F5344CB8AC3E}">
+        <p14:creationId xmlns:p14="http://schemas.microsoft.com/office/powerpoint/2010/main" val="928714614"/>
+      </p:ext>
+    </p:extLst>
+  </p:cSld>
+  <p:clrMapOvr>
+    <a:masterClrMapping/>
+  </p:clrMapOvr>
+</p:sld>
+</file>
+
+<file path=ppt/slides/slide24.xml><?xml version="1.0" encoding="utf-8"?>
+<p:sld xmlns:a="http://schemas.openxmlformats.org/drawingml/2006/main" xmlns:r="http://schemas.openxmlformats.org/officeDocument/2006/relationships" xmlns:p="http://schemas.openxmlformats.org/presentationml/2006/main">
+  <p:cSld>
+    <p:spTree>
+      <p:nvGrpSpPr>
+        <p:cNvPr id="1" name=""/>
+        <p:cNvGrpSpPr/>
+        <p:nvPr/>
+      </p:nvGrpSpPr>
+      <p:grpSpPr>
+        <a:xfrm>
+          <a:off x="0" y="0"/>
+          <a:ext cx="0" cy="0"/>
+          <a:chOff x="0" y="0"/>
+          <a:chExt cx="0" cy="0"/>
+        </a:xfrm>
+      </p:grpSpPr>
+      <p:sp>
+        <p:nvSpPr>
+          <p:cNvPr id="2" name="Titolo 1">
+            <a:extLst>
+              <a:ext uri="{FF2B5EF4-FFF2-40B4-BE49-F238E27FC236}">
+                <a16:creationId xmlns:a16="http://schemas.microsoft.com/office/drawing/2014/main" id="{32F43CA4-0838-43F5-9D1B-1C77C0B86A13}"/>
+              </a:ext>
+            </a:extLst>
+          </p:cNvPr>
+          <p:cNvSpPr>
+            <a:spLocks noGrp="1"/>
+          </p:cNvSpPr>
+          <p:nvPr>
+            <p:ph type="title"/>
+          </p:nvPr>
+        </p:nvSpPr>
+        <p:spPr/>
+        <p:txBody>
+          <a:bodyPr/>
+          <a:lstStyle/>
+          <a:p>
+            <a:pPr algn="ctr"/>
+            <a:r>
+              <a:rPr lang="it-IT" dirty="0">
+                <a:latin typeface="Times New Roman" panose="02020603050405020304" pitchFamily="18" charset="0"/>
+                <a:cs typeface="Times New Roman" panose="02020603050405020304" pitchFamily="18" charset="0"/>
+              </a:rPr>
+              <a:t>Algoritmo PSO (2)</a:t>
+            </a:r>
+          </a:p>
+        </p:txBody>
+      </p:sp>
+      <p:sp>
+        <p:nvSpPr>
+          <p:cNvPr id="3" name="Segnaposto contenuto 2">
+            <a:extLst>
+              <a:ext uri="{FF2B5EF4-FFF2-40B4-BE49-F238E27FC236}">
+                <a16:creationId xmlns:a16="http://schemas.microsoft.com/office/drawing/2014/main" id="{142FFC75-2C1E-496A-92B0-1A0CD339C4A6}"/>
+              </a:ext>
+            </a:extLst>
+          </p:cNvPr>
+          <p:cNvSpPr>
+            <a:spLocks noGrp="1"/>
+          </p:cNvSpPr>
+          <p:nvPr>
+            <p:ph idx="1"/>
+          </p:nvPr>
+        </p:nvSpPr>
+        <p:spPr/>
+        <p:txBody>
+          <a:bodyPr/>
+          <a:lstStyle/>
+          <a:p>
+            <a:pPr marL="0" indent="0">
+              <a:buNone/>
+            </a:pPr>
+            <a:r>
+              <a:rPr lang="it-IT" dirty="0">
+                <a:latin typeface="Times New Roman" panose="02020603050405020304" pitchFamily="18" charset="0"/>
+                <a:cs typeface="Times New Roman" panose="02020603050405020304" pitchFamily="18" charset="0"/>
+              </a:rPr>
+              <a:t>Passo 1:</a:t>
+            </a:r>
+          </a:p>
+          <a:p>
+            <a:pPr marL="0" indent="0">
+              <a:buNone/>
+            </a:pPr>
+            <a:r>
+              <a:rPr lang="it-IT" dirty="0">
+                <a:latin typeface="Times New Roman" panose="02020603050405020304" pitchFamily="18" charset="0"/>
+                <a:cs typeface="Times New Roman" panose="02020603050405020304" pitchFamily="18" charset="0"/>
+              </a:rPr>
+              <a:t>Inizializza le N particelle in posizioni (assegnamenti di parametri) casuali. Per ognuna, imposta il valore migliore attraversato alla posizione corrente. Imposta il valore del massimo globale </a:t>
+            </a:r>
+            <a:r>
+              <a:rPr lang="it-IT" dirty="0" err="1">
+                <a:latin typeface="Times New Roman" panose="02020603050405020304" pitchFamily="18" charset="0"/>
+                <a:cs typeface="Times New Roman" panose="02020603050405020304" pitchFamily="18" charset="0"/>
+              </a:rPr>
+              <a:t>best_pos</a:t>
+            </a:r>
+            <a:r>
+              <a:rPr lang="it-IT" dirty="0">
+                <a:latin typeface="Times New Roman" panose="02020603050405020304" pitchFamily="18" charset="0"/>
+                <a:cs typeface="Times New Roman" panose="02020603050405020304" pitchFamily="18" charset="0"/>
+              </a:rPr>
+              <a:t> alla posizione della particella a fitness maggiore. </a:t>
+            </a:r>
+          </a:p>
+          <a:p>
+            <a:pPr marL="457200" indent="-457200">
+              <a:buAutoNum type="arabicParenR"/>
+            </a:pPr>
+            <a:endParaRPr lang="it-IT" dirty="0">
+              <a:latin typeface="Times New Roman" panose="02020603050405020304" pitchFamily="18" charset="0"/>
+              <a:cs typeface="Times New Roman" panose="02020603050405020304" pitchFamily="18" charset="0"/>
+            </a:endParaRPr>
+          </a:p>
+          <a:p>
+            <a:pPr marL="0" indent="0">
+              <a:buNone/>
+            </a:pPr>
+            <a:r>
+              <a:rPr lang="it-IT" dirty="0">
+                <a:latin typeface="Times New Roman" panose="02020603050405020304" pitchFamily="18" charset="0"/>
+                <a:cs typeface="Times New Roman" panose="02020603050405020304" pitchFamily="18" charset="0"/>
+              </a:rPr>
+              <a:t>Passo 2:</a:t>
+            </a:r>
+          </a:p>
+          <a:p>
+            <a:pPr marL="0" indent="0">
+              <a:buNone/>
+            </a:pPr>
+            <a:r>
+              <a:rPr lang="it-IT" dirty="0">
+                <a:latin typeface="Times New Roman" panose="02020603050405020304" pitchFamily="18" charset="0"/>
+                <a:cs typeface="Times New Roman" panose="02020603050405020304" pitchFamily="18" charset="0"/>
+              </a:rPr>
+              <a:t>Per ogni particella, imposta la velocità corrente a un vettore di valori casuali uniformi compresi tra −|</a:t>
+            </a:r>
+            <a:r>
+              <a:rPr lang="it-IT" dirty="0" err="1">
+                <a:latin typeface="Times New Roman" panose="02020603050405020304" pitchFamily="18" charset="0"/>
+                <a:cs typeface="Times New Roman" panose="02020603050405020304" pitchFamily="18" charset="0"/>
+              </a:rPr>
+              <a:t>x</a:t>
+            </a:r>
+            <a:r>
+              <a:rPr lang="it-IT" baseline="-25000" dirty="0" err="1">
+                <a:latin typeface="Times New Roman" panose="02020603050405020304" pitchFamily="18" charset="0"/>
+                <a:cs typeface="Times New Roman" panose="02020603050405020304" pitchFamily="18" charset="0"/>
+              </a:rPr>
+              <a:t>max</a:t>
+            </a:r>
+            <a:r>
+              <a:rPr lang="it-IT" baseline="-25000" dirty="0">
+                <a:latin typeface="Times New Roman" panose="02020603050405020304" pitchFamily="18" charset="0"/>
+                <a:cs typeface="Times New Roman" panose="02020603050405020304" pitchFamily="18" charset="0"/>
+              </a:rPr>
+              <a:t> </a:t>
+            </a:r>
+            <a:r>
+              <a:rPr lang="it-IT" dirty="0">
+                <a:latin typeface="Times New Roman" panose="02020603050405020304" pitchFamily="18" charset="0"/>
+                <a:cs typeface="Times New Roman" panose="02020603050405020304" pitchFamily="18" charset="0"/>
+              </a:rPr>
+              <a:t>− </a:t>
+            </a:r>
+            <a:r>
+              <a:rPr lang="it-IT" dirty="0" err="1">
+                <a:latin typeface="Times New Roman" panose="02020603050405020304" pitchFamily="18" charset="0"/>
+                <a:cs typeface="Times New Roman" panose="02020603050405020304" pitchFamily="18" charset="0"/>
+              </a:rPr>
+              <a:t>x</a:t>
+            </a:r>
+            <a:r>
+              <a:rPr lang="it-IT" baseline="-25000" dirty="0" err="1">
+                <a:latin typeface="Times New Roman" panose="02020603050405020304" pitchFamily="18" charset="0"/>
+                <a:cs typeface="Times New Roman" panose="02020603050405020304" pitchFamily="18" charset="0"/>
+              </a:rPr>
+              <a:t>min</a:t>
+            </a:r>
+            <a:r>
+              <a:rPr lang="it-IT" dirty="0">
+                <a:latin typeface="Times New Roman" panose="02020603050405020304" pitchFamily="18" charset="0"/>
+                <a:cs typeface="Times New Roman" panose="02020603050405020304" pitchFamily="18" charset="0"/>
+              </a:rPr>
+              <a:t>| e |</a:t>
+            </a:r>
+            <a:r>
+              <a:rPr lang="it-IT" dirty="0" err="1">
+                <a:latin typeface="Times New Roman" panose="02020603050405020304" pitchFamily="18" charset="0"/>
+                <a:cs typeface="Times New Roman" panose="02020603050405020304" pitchFamily="18" charset="0"/>
+              </a:rPr>
+              <a:t>x</a:t>
+            </a:r>
+            <a:r>
+              <a:rPr lang="it-IT" baseline="-25000" dirty="0" err="1">
+                <a:latin typeface="Times New Roman" panose="02020603050405020304" pitchFamily="18" charset="0"/>
+                <a:cs typeface="Times New Roman" panose="02020603050405020304" pitchFamily="18" charset="0"/>
+              </a:rPr>
+              <a:t>max</a:t>
+            </a:r>
+            <a:r>
+              <a:rPr lang="it-IT" dirty="0">
+                <a:latin typeface="Times New Roman" panose="02020603050405020304" pitchFamily="18" charset="0"/>
+                <a:cs typeface="Times New Roman" panose="02020603050405020304" pitchFamily="18" charset="0"/>
+              </a:rPr>
+              <a:t> − </a:t>
+            </a:r>
+            <a:r>
+              <a:rPr lang="it-IT" dirty="0" err="1">
+                <a:latin typeface="Times New Roman" panose="02020603050405020304" pitchFamily="18" charset="0"/>
+                <a:cs typeface="Times New Roman" panose="02020603050405020304" pitchFamily="18" charset="0"/>
+              </a:rPr>
+              <a:t>x</a:t>
+            </a:r>
+            <a:r>
+              <a:rPr lang="it-IT" baseline="-25000" dirty="0" err="1">
+                <a:latin typeface="Times New Roman" panose="02020603050405020304" pitchFamily="18" charset="0"/>
+                <a:cs typeface="Times New Roman" panose="02020603050405020304" pitchFamily="18" charset="0"/>
+              </a:rPr>
+              <a:t>min</a:t>
+            </a:r>
+            <a:r>
+              <a:rPr lang="it-IT" dirty="0">
+                <a:latin typeface="Times New Roman" panose="02020603050405020304" pitchFamily="18" charset="0"/>
+                <a:cs typeface="Times New Roman" panose="02020603050405020304" pitchFamily="18" charset="0"/>
+              </a:rPr>
+              <a:t>|. La velocità di una particella lungo una dimensione è quindi al più, in valore assoluto, l’intera ampiezza dell’intervallo ammissibile per la coordinata corrispondente.</a:t>
+            </a:r>
           </a:p>
         </p:txBody>
       </p:sp>
@@ -7380,6 +8025,1427 @@
     <p:extLst>
       <p:ext uri="{BB962C8B-B14F-4D97-AF65-F5344CB8AC3E}">
         <p14:creationId xmlns:p14="http://schemas.microsoft.com/office/powerpoint/2010/main" val="193088972"/>
+      </p:ext>
+    </p:extLst>
+  </p:cSld>
+  <p:clrMapOvr>
+    <a:masterClrMapping/>
+  </p:clrMapOvr>
+</p:sld>
+</file>
+
+<file path=ppt/slides/slide25.xml><?xml version="1.0" encoding="utf-8"?>
+<p:sld xmlns:a="http://schemas.openxmlformats.org/drawingml/2006/main" xmlns:r="http://schemas.openxmlformats.org/officeDocument/2006/relationships" xmlns:p="http://schemas.openxmlformats.org/presentationml/2006/main">
+  <p:cSld>
+    <p:spTree>
+      <p:nvGrpSpPr>
+        <p:cNvPr id="1" name=""/>
+        <p:cNvGrpSpPr/>
+        <p:nvPr/>
+      </p:nvGrpSpPr>
+      <p:grpSpPr>
+        <a:xfrm>
+          <a:off x="0" y="0"/>
+          <a:ext cx="0" cy="0"/>
+          <a:chOff x="0" y="0"/>
+          <a:chExt cx="0" cy="0"/>
+        </a:xfrm>
+      </p:grpSpPr>
+      <p:sp>
+        <p:nvSpPr>
+          <p:cNvPr id="2" name="Titolo 1">
+            <a:extLst>
+              <a:ext uri="{FF2B5EF4-FFF2-40B4-BE49-F238E27FC236}">
+                <a16:creationId xmlns:a16="http://schemas.microsoft.com/office/drawing/2014/main" id="{32F43CA4-0838-43F5-9D1B-1C77C0B86A13}"/>
+              </a:ext>
+            </a:extLst>
+          </p:cNvPr>
+          <p:cNvSpPr>
+            <a:spLocks noGrp="1"/>
+          </p:cNvSpPr>
+          <p:nvPr>
+            <p:ph type="title"/>
+          </p:nvPr>
+        </p:nvSpPr>
+        <p:spPr/>
+        <p:txBody>
+          <a:bodyPr/>
+          <a:lstStyle/>
+          <a:p>
+            <a:pPr algn="ctr"/>
+            <a:r>
+              <a:rPr lang="it-IT" dirty="0">
+                <a:latin typeface="Times New Roman" panose="02020603050405020304" pitchFamily="18" charset="0"/>
+                <a:cs typeface="Times New Roman" panose="02020603050405020304" pitchFamily="18" charset="0"/>
+              </a:rPr>
+              <a:t>Algoritmo PSO (3)</a:t>
+            </a:r>
+          </a:p>
+        </p:txBody>
+      </p:sp>
+      <p:sp>
+        <p:nvSpPr>
+          <p:cNvPr id="3" name="Segnaposto contenuto 2">
+            <a:extLst>
+              <a:ext uri="{FF2B5EF4-FFF2-40B4-BE49-F238E27FC236}">
+                <a16:creationId xmlns:a16="http://schemas.microsoft.com/office/drawing/2014/main" id="{142FFC75-2C1E-496A-92B0-1A0CD339C4A6}"/>
+              </a:ext>
+            </a:extLst>
+          </p:cNvPr>
+          <p:cNvSpPr>
+            <a:spLocks noGrp="1"/>
+          </p:cNvSpPr>
+          <p:nvPr>
+            <p:ph idx="1"/>
+          </p:nvPr>
+        </p:nvSpPr>
+        <p:spPr/>
+        <p:txBody>
+          <a:bodyPr/>
+          <a:lstStyle/>
+          <a:p>
+            <a:pPr marL="0" indent="0">
+              <a:buNone/>
+            </a:pPr>
+            <a:r>
+              <a:rPr lang="it-IT" dirty="0">
+                <a:latin typeface="Times New Roman" panose="02020603050405020304" pitchFamily="18" charset="0"/>
+                <a:cs typeface="Times New Roman" panose="02020603050405020304" pitchFamily="18" charset="0"/>
+              </a:rPr>
+              <a:t>Passo 3:</a:t>
+            </a:r>
+          </a:p>
+          <a:p>
+            <a:pPr marL="0" indent="0">
+              <a:buNone/>
+            </a:pPr>
+            <a:r>
+              <a:rPr lang="it-IT" dirty="0">
+                <a:latin typeface="Times New Roman" panose="02020603050405020304" pitchFamily="18" charset="0"/>
+                <a:cs typeface="Times New Roman" panose="02020603050405020304" pitchFamily="18" charset="0"/>
+              </a:rPr>
+              <a:t>Per ogni particella p, aggiorna il valore della velocità </a:t>
+            </a:r>
+            <a:r>
+              <a:rPr lang="it-IT" dirty="0" err="1">
+                <a:latin typeface="Times New Roman" panose="02020603050405020304" pitchFamily="18" charset="0"/>
+                <a:cs typeface="Times New Roman" panose="02020603050405020304" pitchFamily="18" charset="0"/>
+              </a:rPr>
+              <a:t>p</a:t>
+            </a:r>
+            <a:r>
+              <a:rPr lang="it-IT" baseline="-25000" dirty="0" err="1">
+                <a:latin typeface="Times New Roman" panose="02020603050405020304" pitchFamily="18" charset="0"/>
+                <a:cs typeface="Times New Roman" panose="02020603050405020304" pitchFamily="18" charset="0"/>
+              </a:rPr>
+              <a:t>velocity</a:t>
+            </a:r>
+            <a:r>
+              <a:rPr lang="it-IT" dirty="0">
+                <a:latin typeface="Times New Roman" panose="02020603050405020304" pitchFamily="18" charset="0"/>
+                <a:cs typeface="Times New Roman" panose="02020603050405020304" pitchFamily="18" charset="0"/>
+              </a:rPr>
+              <a:t> secondo la formula </a:t>
+            </a:r>
+          </a:p>
+          <a:p>
+            <a:pPr marL="0" indent="0">
+              <a:buNone/>
+            </a:pPr>
+            <a:endParaRPr lang="it-IT" dirty="0">
+              <a:latin typeface="Times New Roman" panose="02020603050405020304" pitchFamily="18" charset="0"/>
+              <a:cs typeface="Times New Roman" panose="02020603050405020304" pitchFamily="18" charset="0"/>
+            </a:endParaRPr>
+          </a:p>
+          <a:p>
+            <a:pPr marL="0" indent="0">
+              <a:buNone/>
+            </a:pPr>
+            <a:endParaRPr lang="it-IT" dirty="0">
+              <a:latin typeface="Times New Roman" panose="02020603050405020304" pitchFamily="18" charset="0"/>
+              <a:cs typeface="Times New Roman" panose="02020603050405020304" pitchFamily="18" charset="0"/>
+            </a:endParaRPr>
+          </a:p>
+          <a:p>
+            <a:pPr marL="0" indent="0">
+              <a:buNone/>
+            </a:pPr>
+            <a:r>
+              <a:rPr lang="it-IT" dirty="0">
+                <a:latin typeface="Times New Roman" panose="02020603050405020304" pitchFamily="18" charset="0"/>
+                <a:cs typeface="Times New Roman" panose="02020603050405020304" pitchFamily="18" charset="0"/>
+              </a:rPr>
+              <a:t>dove </a:t>
+            </a:r>
+            <a:r>
+              <a:rPr lang="it-IT" dirty="0" err="1">
+                <a:latin typeface="Times New Roman" panose="02020603050405020304" pitchFamily="18" charset="0"/>
+                <a:cs typeface="Times New Roman" panose="02020603050405020304" pitchFamily="18" charset="0"/>
+              </a:rPr>
+              <a:t>r</a:t>
+            </a:r>
+            <a:r>
+              <a:rPr lang="it-IT" baseline="-25000" dirty="0" err="1">
+                <a:latin typeface="Times New Roman" panose="02020603050405020304" pitchFamily="18" charset="0"/>
+                <a:cs typeface="Times New Roman" panose="02020603050405020304" pitchFamily="18" charset="0"/>
+              </a:rPr>
+              <a:t>i</a:t>
+            </a:r>
+            <a:r>
+              <a:rPr lang="it-IT" dirty="0">
+                <a:latin typeface="Times New Roman" panose="02020603050405020304" pitchFamily="18" charset="0"/>
+                <a:cs typeface="Times New Roman" panose="02020603050405020304" pitchFamily="18" charset="0"/>
+              </a:rPr>
+              <a:t> e </a:t>
+            </a:r>
+            <a:r>
+              <a:rPr lang="it-IT" dirty="0" err="1">
+                <a:latin typeface="Times New Roman" panose="02020603050405020304" pitchFamily="18" charset="0"/>
+                <a:cs typeface="Times New Roman" panose="02020603050405020304" pitchFamily="18" charset="0"/>
+              </a:rPr>
+              <a:t>r</a:t>
+            </a:r>
+            <a:r>
+              <a:rPr lang="it-IT" baseline="-25000" dirty="0" err="1">
+                <a:latin typeface="Times New Roman" panose="02020603050405020304" pitchFamily="18" charset="0"/>
+                <a:cs typeface="Times New Roman" panose="02020603050405020304" pitchFamily="18" charset="0"/>
+              </a:rPr>
+              <a:t>s</a:t>
+            </a:r>
+            <a:r>
+              <a:rPr lang="it-IT" dirty="0">
+                <a:latin typeface="Times New Roman" panose="02020603050405020304" pitchFamily="18" charset="0"/>
+                <a:cs typeface="Times New Roman" panose="02020603050405020304" pitchFamily="18" charset="0"/>
+              </a:rPr>
+              <a:t> sono vettori di reali con distribuzione uniforme in (0, 1), campionati per ogni particella. </a:t>
+            </a:r>
+          </a:p>
+          <a:p>
+            <a:pPr marL="0" indent="0">
+              <a:buNone/>
+            </a:pPr>
+            <a:endParaRPr lang="it-IT" dirty="0">
+              <a:latin typeface="Times New Roman" panose="02020603050405020304" pitchFamily="18" charset="0"/>
+              <a:cs typeface="Times New Roman" panose="02020603050405020304" pitchFamily="18" charset="0"/>
+            </a:endParaRPr>
+          </a:p>
+          <a:p>
+            <a:pPr marL="0" indent="0">
+              <a:buNone/>
+            </a:pPr>
+            <a:endParaRPr lang="it-IT" dirty="0">
+              <a:latin typeface="Times New Roman" panose="02020603050405020304" pitchFamily="18" charset="0"/>
+              <a:cs typeface="Times New Roman" panose="02020603050405020304" pitchFamily="18" charset="0"/>
+            </a:endParaRPr>
+          </a:p>
+          <a:p>
+            <a:pPr marL="0" indent="0">
+              <a:buNone/>
+            </a:pPr>
+            <a:r>
+              <a:rPr lang="it-IT" dirty="0">
+                <a:latin typeface="Times New Roman" panose="02020603050405020304" pitchFamily="18" charset="0"/>
+                <a:cs typeface="Times New Roman" panose="02020603050405020304" pitchFamily="18" charset="0"/>
+              </a:rPr>
+              <a:t>È una combinazione lineare della precedente velocità e delle distanze dalle posizioni migliori individuale e globale, con aggiunta di un elemento di casualità nei vettori </a:t>
+            </a:r>
+            <a:r>
+              <a:rPr lang="it-IT" dirty="0" err="1">
+                <a:latin typeface="Times New Roman" panose="02020603050405020304" pitchFamily="18" charset="0"/>
+                <a:cs typeface="Times New Roman" panose="02020603050405020304" pitchFamily="18" charset="0"/>
+              </a:rPr>
+              <a:t>r</a:t>
+            </a:r>
+            <a:r>
+              <a:rPr lang="it-IT" baseline="-25000" dirty="0" err="1">
+                <a:latin typeface="Times New Roman" panose="02020603050405020304" pitchFamily="18" charset="0"/>
+                <a:cs typeface="Times New Roman" panose="02020603050405020304" pitchFamily="18" charset="0"/>
+              </a:rPr>
+              <a:t>i</a:t>
+            </a:r>
+            <a:r>
+              <a:rPr lang="it-IT" dirty="0">
+                <a:latin typeface="Times New Roman" panose="02020603050405020304" pitchFamily="18" charset="0"/>
+                <a:cs typeface="Times New Roman" panose="02020603050405020304" pitchFamily="18" charset="0"/>
+              </a:rPr>
+              <a:t> e </a:t>
+            </a:r>
+            <a:r>
+              <a:rPr lang="it-IT" dirty="0" err="1">
+                <a:latin typeface="Times New Roman" panose="02020603050405020304" pitchFamily="18" charset="0"/>
+                <a:cs typeface="Times New Roman" panose="02020603050405020304" pitchFamily="18" charset="0"/>
+              </a:rPr>
+              <a:t>r</a:t>
+            </a:r>
+            <a:r>
+              <a:rPr lang="it-IT" baseline="-25000" dirty="0" err="1">
+                <a:latin typeface="Times New Roman" panose="02020603050405020304" pitchFamily="18" charset="0"/>
+                <a:cs typeface="Times New Roman" panose="02020603050405020304" pitchFamily="18" charset="0"/>
+              </a:rPr>
+              <a:t>s</a:t>
+            </a:r>
+            <a:r>
+              <a:rPr lang="it-IT" dirty="0">
+                <a:latin typeface="Times New Roman" panose="02020603050405020304" pitchFamily="18" charset="0"/>
+                <a:cs typeface="Times New Roman" panose="02020603050405020304" pitchFamily="18" charset="0"/>
+              </a:rPr>
+              <a:t>. </a:t>
+            </a:r>
+          </a:p>
+        </p:txBody>
+      </p:sp>
+      <p:pic>
+        <p:nvPicPr>
+          <p:cNvPr id="5" name="Immagine 4">
+            <a:extLst>
+              <a:ext uri="{FF2B5EF4-FFF2-40B4-BE49-F238E27FC236}">
+                <a16:creationId xmlns:a16="http://schemas.microsoft.com/office/drawing/2014/main" id="{87C2741C-E3CC-437F-99F4-2F488715F7FC}"/>
+              </a:ext>
+            </a:extLst>
+          </p:cNvPr>
+          <p:cNvPicPr>
+            <a:picLocks noChangeAspect="1"/>
+          </p:cNvPicPr>
+          <p:nvPr/>
+        </p:nvPicPr>
+        <p:blipFill>
+          <a:blip r:embed="rId2">
+            <a:extLst>
+              <a:ext uri="{28A0092B-C50C-407E-A947-70E740481C1C}">
+                <a14:useLocalDpi xmlns:a14="http://schemas.microsoft.com/office/drawing/2010/main" val="0"/>
+              </a:ext>
+            </a:extLst>
+          </a:blip>
+          <a:stretch>
+            <a:fillRect/>
+          </a:stretch>
+        </p:blipFill>
+        <p:spPr>
+          <a:xfrm>
+            <a:off x="704474" y="3105337"/>
+            <a:ext cx="7810876" cy="333602"/>
+          </a:xfrm>
+          <a:prstGeom prst="rect">
+            <a:avLst/>
+          </a:prstGeom>
+        </p:spPr>
+      </p:pic>
+    </p:spTree>
+    <p:extLst>
+      <p:ext uri="{BB962C8B-B14F-4D97-AF65-F5344CB8AC3E}">
+        <p14:creationId xmlns:p14="http://schemas.microsoft.com/office/powerpoint/2010/main" val="2782818997"/>
+      </p:ext>
+    </p:extLst>
+  </p:cSld>
+  <p:clrMapOvr>
+    <a:masterClrMapping/>
+  </p:clrMapOvr>
+</p:sld>
+</file>
+
+<file path=ppt/slides/slide26.xml><?xml version="1.0" encoding="utf-8"?>
+<p:sld xmlns:a="http://schemas.openxmlformats.org/drawingml/2006/main" xmlns:r="http://schemas.openxmlformats.org/officeDocument/2006/relationships" xmlns:p="http://schemas.openxmlformats.org/presentationml/2006/main">
+  <p:cSld>
+    <p:spTree>
+      <p:nvGrpSpPr>
+        <p:cNvPr id="1" name=""/>
+        <p:cNvGrpSpPr/>
+        <p:nvPr/>
+      </p:nvGrpSpPr>
+      <p:grpSpPr>
+        <a:xfrm>
+          <a:off x="0" y="0"/>
+          <a:ext cx="0" cy="0"/>
+          <a:chOff x="0" y="0"/>
+          <a:chExt cx="0" cy="0"/>
+        </a:xfrm>
+      </p:grpSpPr>
+      <p:sp>
+        <p:nvSpPr>
+          <p:cNvPr id="2" name="Titolo 1">
+            <a:extLst>
+              <a:ext uri="{FF2B5EF4-FFF2-40B4-BE49-F238E27FC236}">
+                <a16:creationId xmlns:a16="http://schemas.microsoft.com/office/drawing/2014/main" id="{32F43CA4-0838-43F5-9D1B-1C77C0B86A13}"/>
+              </a:ext>
+            </a:extLst>
+          </p:cNvPr>
+          <p:cNvSpPr>
+            <a:spLocks noGrp="1"/>
+          </p:cNvSpPr>
+          <p:nvPr>
+            <p:ph type="title"/>
+          </p:nvPr>
+        </p:nvSpPr>
+        <p:spPr/>
+        <p:txBody>
+          <a:bodyPr/>
+          <a:lstStyle/>
+          <a:p>
+            <a:pPr algn="ctr"/>
+            <a:r>
+              <a:rPr lang="it-IT" dirty="0">
+                <a:latin typeface="Times New Roman" panose="02020603050405020304" pitchFamily="18" charset="0"/>
+                <a:cs typeface="Times New Roman" panose="02020603050405020304" pitchFamily="18" charset="0"/>
+              </a:rPr>
+              <a:t>Algoritmo PSO (4)</a:t>
+            </a:r>
+          </a:p>
+        </p:txBody>
+      </p:sp>
+      <p:sp>
+        <p:nvSpPr>
+          <p:cNvPr id="3" name="Segnaposto contenuto 2">
+            <a:extLst>
+              <a:ext uri="{FF2B5EF4-FFF2-40B4-BE49-F238E27FC236}">
+                <a16:creationId xmlns:a16="http://schemas.microsoft.com/office/drawing/2014/main" id="{142FFC75-2C1E-496A-92B0-1A0CD339C4A6}"/>
+              </a:ext>
+            </a:extLst>
+          </p:cNvPr>
+          <p:cNvSpPr>
+            <a:spLocks noGrp="1"/>
+          </p:cNvSpPr>
+          <p:nvPr>
+            <p:ph idx="1"/>
+          </p:nvPr>
+        </p:nvSpPr>
+        <p:spPr/>
+        <p:txBody>
+          <a:bodyPr>
+            <a:normAutofit lnSpcReduction="10000"/>
+          </a:bodyPr>
+          <a:lstStyle/>
+          <a:p>
+            <a:pPr marL="0" indent="0">
+              <a:buNone/>
+            </a:pPr>
+            <a:r>
+              <a:rPr lang="it-IT" dirty="0">
+                <a:latin typeface="Times New Roman" panose="02020603050405020304" pitchFamily="18" charset="0"/>
+                <a:cs typeface="Times New Roman" panose="02020603050405020304" pitchFamily="18" charset="0"/>
+              </a:rPr>
+              <a:t>Passo 4:</a:t>
+            </a:r>
+          </a:p>
+          <a:p>
+            <a:pPr marL="0" indent="0">
+              <a:buNone/>
+            </a:pPr>
+            <a:r>
+              <a:rPr lang="it-IT" dirty="0">
+                <a:latin typeface="Times New Roman" panose="02020603050405020304" pitchFamily="18" charset="0"/>
+                <a:cs typeface="Times New Roman" panose="02020603050405020304" pitchFamily="18" charset="0"/>
+              </a:rPr>
+              <a:t>Aggiorna la posizione di ogni particella p, secondo la formula </a:t>
+            </a:r>
+          </a:p>
+          <a:p>
+            <a:pPr marL="0" indent="0">
+              <a:buNone/>
+            </a:pPr>
+            <a:r>
+              <a:rPr lang="it-IT" dirty="0" err="1">
+                <a:latin typeface="CMU Serif" panose="02000603000000000000" pitchFamily="2" charset="0"/>
+                <a:ea typeface="CMU Serif" panose="02000603000000000000" pitchFamily="2" charset="0"/>
+                <a:cs typeface="CMU Serif" panose="02000603000000000000" pitchFamily="2" charset="0"/>
+              </a:rPr>
+              <a:t>p</a:t>
+            </a:r>
+            <a:r>
+              <a:rPr lang="it-IT" baseline="-25000" dirty="0" err="1">
+                <a:latin typeface="CMU Serif" panose="02000603000000000000" pitchFamily="2" charset="0"/>
+                <a:ea typeface="CMU Serif" panose="02000603000000000000" pitchFamily="2" charset="0"/>
+                <a:cs typeface="CMU Serif" panose="02000603000000000000" pitchFamily="2" charset="0"/>
+              </a:rPr>
+              <a:t>curr_pos</a:t>
+            </a:r>
+            <a:r>
+              <a:rPr lang="it-IT" dirty="0">
+                <a:latin typeface="CMU Serif" panose="02000603000000000000" pitchFamily="2" charset="0"/>
+                <a:ea typeface="CMU Serif" panose="02000603000000000000" pitchFamily="2" charset="0"/>
+                <a:cs typeface="CMU Serif" panose="02000603000000000000" pitchFamily="2" charset="0"/>
+              </a:rPr>
+              <a:t> ← </a:t>
+            </a:r>
+            <a:r>
+              <a:rPr lang="it-IT" dirty="0" err="1">
+                <a:latin typeface="CMU Serif" panose="02000603000000000000" pitchFamily="2" charset="0"/>
+                <a:ea typeface="CMU Serif" panose="02000603000000000000" pitchFamily="2" charset="0"/>
+                <a:cs typeface="CMU Serif" panose="02000603000000000000" pitchFamily="2" charset="0"/>
+              </a:rPr>
+              <a:t>p</a:t>
+            </a:r>
+            <a:r>
+              <a:rPr lang="it-IT" baseline="-25000" dirty="0" err="1">
+                <a:latin typeface="CMU Serif" panose="02000603000000000000" pitchFamily="2" charset="0"/>
+                <a:ea typeface="CMU Serif" panose="02000603000000000000" pitchFamily="2" charset="0"/>
+                <a:cs typeface="CMU Serif" panose="02000603000000000000" pitchFamily="2" charset="0"/>
+              </a:rPr>
+              <a:t>curr_pos</a:t>
+            </a:r>
+            <a:r>
+              <a:rPr lang="it-IT" dirty="0">
+                <a:latin typeface="CMU Serif" panose="02000603000000000000" pitchFamily="2" charset="0"/>
+                <a:ea typeface="CMU Serif" panose="02000603000000000000" pitchFamily="2" charset="0"/>
+                <a:cs typeface="CMU Serif" panose="02000603000000000000" pitchFamily="2" charset="0"/>
+              </a:rPr>
+              <a:t> + </a:t>
+            </a:r>
+            <a:r>
+              <a:rPr lang="it-IT" dirty="0" err="1">
+                <a:latin typeface="CMU Serif" panose="02000603000000000000" pitchFamily="2" charset="0"/>
+                <a:ea typeface="CMU Serif" panose="02000603000000000000" pitchFamily="2" charset="0"/>
+                <a:cs typeface="CMU Serif" panose="02000603000000000000" pitchFamily="2" charset="0"/>
+              </a:rPr>
+              <a:t>p</a:t>
+            </a:r>
+            <a:r>
+              <a:rPr lang="it-IT" baseline="-25000" dirty="0" err="1">
+                <a:latin typeface="CMU Serif" panose="02000603000000000000" pitchFamily="2" charset="0"/>
+                <a:ea typeface="CMU Serif" panose="02000603000000000000" pitchFamily="2" charset="0"/>
+                <a:cs typeface="CMU Serif" panose="02000603000000000000" pitchFamily="2" charset="0"/>
+              </a:rPr>
+              <a:t>velocity</a:t>
+            </a:r>
+            <a:r>
+              <a:rPr lang="it-IT" dirty="0"/>
+              <a:t>. </a:t>
+            </a:r>
+          </a:p>
+          <a:p>
+            <a:pPr marL="0" indent="0">
+              <a:buNone/>
+            </a:pPr>
+            <a:r>
+              <a:rPr lang="it-IT" dirty="0">
+                <a:latin typeface="Times New Roman" panose="02020603050405020304" pitchFamily="18" charset="0"/>
+                <a:cs typeface="Times New Roman" panose="02020603050405020304" pitchFamily="18" charset="0"/>
+              </a:rPr>
+              <a:t>Se la nuova posizione è migliore della posizione migliore attraversata dalla particella aggiorna il valore di </a:t>
+            </a:r>
+            <a:r>
+              <a:rPr lang="it-IT" dirty="0" err="1">
+                <a:latin typeface="CMU Serif" panose="02000603000000000000" pitchFamily="2" charset="0"/>
+                <a:ea typeface="CMU Serif" panose="02000603000000000000" pitchFamily="2" charset="0"/>
+                <a:cs typeface="CMU Serif" panose="02000603000000000000" pitchFamily="2" charset="0"/>
+              </a:rPr>
+              <a:t>p</a:t>
+            </a:r>
+            <a:r>
+              <a:rPr lang="it-IT" baseline="-25000" dirty="0" err="1">
+                <a:latin typeface="CMU Serif" panose="02000603000000000000" pitchFamily="2" charset="0"/>
+                <a:ea typeface="CMU Serif" panose="02000603000000000000" pitchFamily="2" charset="0"/>
+                <a:cs typeface="CMU Serif" panose="02000603000000000000" pitchFamily="2" charset="0"/>
+              </a:rPr>
+              <a:t>best_pos</a:t>
+            </a:r>
+            <a:r>
+              <a:rPr lang="it-IT" dirty="0">
+                <a:latin typeface="CMU Serif" panose="02000603000000000000" pitchFamily="2" charset="0"/>
+                <a:ea typeface="CMU Serif" panose="02000603000000000000" pitchFamily="2" charset="0"/>
+                <a:cs typeface="CMU Serif" panose="02000603000000000000" pitchFamily="2" charset="0"/>
+              </a:rPr>
+              <a:t> </a:t>
+            </a:r>
+            <a:r>
+              <a:rPr lang="it-IT" dirty="0"/>
+              <a:t>(</a:t>
+            </a:r>
+            <a:r>
+              <a:rPr lang="it-IT" dirty="0" err="1">
+                <a:latin typeface="CMU Serif" panose="02000603000000000000" pitchFamily="2" charset="0"/>
+                <a:ea typeface="CMU Serif" panose="02000603000000000000" pitchFamily="2" charset="0"/>
+                <a:cs typeface="CMU Serif" panose="02000603000000000000" pitchFamily="2" charset="0"/>
+              </a:rPr>
+              <a:t>p</a:t>
+            </a:r>
+            <a:r>
+              <a:rPr lang="it-IT" baseline="-25000" dirty="0" err="1">
+                <a:latin typeface="CMU Serif" panose="02000603000000000000" pitchFamily="2" charset="0"/>
+                <a:ea typeface="CMU Serif" panose="02000603000000000000" pitchFamily="2" charset="0"/>
+                <a:cs typeface="CMU Serif" panose="02000603000000000000" pitchFamily="2" charset="0"/>
+              </a:rPr>
+              <a:t>best_pos</a:t>
+            </a:r>
+            <a:r>
+              <a:rPr lang="it-IT" dirty="0">
+                <a:latin typeface="CMU Serif" panose="02000603000000000000" pitchFamily="2" charset="0"/>
+                <a:ea typeface="CMU Serif" panose="02000603000000000000" pitchFamily="2" charset="0"/>
+                <a:cs typeface="CMU Serif" panose="02000603000000000000" pitchFamily="2" charset="0"/>
+              </a:rPr>
+              <a:t> ← </a:t>
+            </a:r>
+            <a:r>
+              <a:rPr lang="it-IT" dirty="0" err="1">
+                <a:latin typeface="CMU Serif" panose="02000603000000000000" pitchFamily="2" charset="0"/>
+                <a:ea typeface="CMU Serif" panose="02000603000000000000" pitchFamily="2" charset="0"/>
+                <a:cs typeface="CMU Serif" panose="02000603000000000000" pitchFamily="2" charset="0"/>
+              </a:rPr>
+              <a:t>p</a:t>
+            </a:r>
+            <a:r>
+              <a:rPr lang="it-IT" baseline="-25000" dirty="0" err="1">
+                <a:latin typeface="CMU Serif" panose="02000603000000000000" pitchFamily="2" charset="0"/>
+                <a:ea typeface="CMU Serif" panose="02000603000000000000" pitchFamily="2" charset="0"/>
+                <a:cs typeface="CMU Serif" panose="02000603000000000000" pitchFamily="2" charset="0"/>
+              </a:rPr>
+              <a:t>curr_pos</a:t>
+            </a:r>
+            <a:r>
+              <a:rPr lang="it-IT" dirty="0">
+                <a:latin typeface="Times New Roman" panose="02020603050405020304" pitchFamily="18" charset="0"/>
+                <a:cs typeface="Times New Roman" panose="02020603050405020304" pitchFamily="18" charset="0"/>
+              </a:rPr>
+              <a:t>). </a:t>
+            </a:r>
+          </a:p>
+          <a:p>
+            <a:pPr marL="0" indent="0">
+              <a:buNone/>
+            </a:pPr>
+            <a:r>
+              <a:rPr lang="it-IT" dirty="0">
+                <a:latin typeface="Times New Roman" panose="02020603050405020304" pitchFamily="18" charset="0"/>
+                <a:cs typeface="Times New Roman" panose="02020603050405020304" pitchFamily="18" charset="0"/>
+              </a:rPr>
+              <a:t>Se la nuova posizione è anche migliore della migliore posizione globale aggiorna anche quest’ultima (quindi, </a:t>
+            </a:r>
+            <a:r>
+              <a:rPr lang="it-IT" dirty="0" err="1">
+                <a:latin typeface="CMU Serif" panose="02000603000000000000" pitchFamily="2" charset="0"/>
+                <a:ea typeface="CMU Serif" panose="02000603000000000000" pitchFamily="2" charset="0"/>
+                <a:cs typeface="CMU Serif" panose="02000603000000000000" pitchFamily="2" charset="0"/>
+              </a:rPr>
+              <a:t>best_pos</a:t>
+            </a:r>
+            <a:r>
+              <a:rPr lang="it-IT" dirty="0">
+                <a:latin typeface="CMU Serif" panose="02000603000000000000" pitchFamily="2" charset="0"/>
+                <a:ea typeface="CMU Serif" panose="02000603000000000000" pitchFamily="2" charset="0"/>
+                <a:cs typeface="CMU Serif" panose="02000603000000000000" pitchFamily="2" charset="0"/>
+              </a:rPr>
+              <a:t> ← </a:t>
+            </a:r>
+            <a:r>
+              <a:rPr lang="it-IT" dirty="0" err="1">
+                <a:latin typeface="CMU Serif" panose="02000603000000000000" pitchFamily="2" charset="0"/>
+                <a:ea typeface="CMU Serif" panose="02000603000000000000" pitchFamily="2" charset="0"/>
+                <a:cs typeface="CMU Serif" panose="02000603000000000000" pitchFamily="2" charset="0"/>
+              </a:rPr>
+              <a:t>p</a:t>
+            </a:r>
+            <a:r>
+              <a:rPr lang="it-IT" baseline="-25000" dirty="0" err="1">
+                <a:latin typeface="CMU Serif" panose="02000603000000000000" pitchFamily="2" charset="0"/>
+                <a:ea typeface="CMU Serif" panose="02000603000000000000" pitchFamily="2" charset="0"/>
+                <a:cs typeface="CMU Serif" panose="02000603000000000000" pitchFamily="2" charset="0"/>
+              </a:rPr>
+              <a:t>curr_pos</a:t>
+            </a:r>
+            <a:r>
+              <a:rPr lang="it-IT" dirty="0">
+                <a:latin typeface="Times New Roman" panose="02020603050405020304" pitchFamily="18" charset="0"/>
+                <a:cs typeface="Times New Roman" panose="02020603050405020304" pitchFamily="18" charset="0"/>
+              </a:rPr>
+              <a:t>)</a:t>
+            </a:r>
+            <a:r>
+              <a:rPr lang="it-IT" dirty="0"/>
+              <a:t>. </a:t>
+            </a:r>
+          </a:p>
+          <a:p>
+            <a:pPr marL="0" indent="0">
+              <a:buNone/>
+            </a:pPr>
+            <a:endParaRPr lang="it-IT" dirty="0"/>
+          </a:p>
+          <a:p>
+            <a:pPr marL="0" indent="0">
+              <a:buNone/>
+            </a:pPr>
+            <a:endParaRPr lang="it-IT" dirty="0"/>
+          </a:p>
+          <a:p>
+            <a:pPr marL="0" indent="0">
+              <a:buNone/>
+            </a:pPr>
+            <a:r>
+              <a:rPr lang="it-IT" dirty="0">
+                <a:latin typeface="Times New Roman" panose="02020603050405020304" pitchFamily="18" charset="0"/>
+                <a:cs typeface="Times New Roman" panose="02020603050405020304" pitchFamily="18" charset="0"/>
+              </a:rPr>
+              <a:t>Passo 5: </a:t>
+            </a:r>
+          </a:p>
+          <a:p>
+            <a:pPr marL="0" indent="0">
+              <a:buNone/>
+            </a:pPr>
+            <a:r>
+              <a:rPr lang="it-IT" dirty="0">
+                <a:latin typeface="Times New Roman" panose="02020603050405020304" pitchFamily="18" charset="0"/>
+                <a:cs typeface="Times New Roman" panose="02020603050405020304" pitchFamily="18" charset="0"/>
+              </a:rPr>
+              <a:t>Se sono state eseguite I iterazioni (o comunque si verifica una condizione di terminazione), restituisci </a:t>
+            </a:r>
+            <a:r>
+              <a:rPr lang="it-IT" dirty="0" err="1">
+                <a:latin typeface="CMU Serif" panose="02000603000000000000" pitchFamily="2" charset="0"/>
+                <a:ea typeface="CMU Serif" panose="02000603000000000000" pitchFamily="2" charset="0"/>
+                <a:cs typeface="CMU Serif" panose="02000603000000000000" pitchFamily="2" charset="0"/>
+              </a:rPr>
+              <a:t>best_pos</a:t>
+            </a:r>
+            <a:r>
+              <a:rPr lang="it-IT" dirty="0">
+                <a:latin typeface="Times New Roman" panose="02020603050405020304" pitchFamily="18" charset="0"/>
+                <a:cs typeface="Times New Roman" panose="02020603050405020304" pitchFamily="18" charset="0"/>
+              </a:rPr>
+              <a:t>, altrimenti ritorna al punto 3.</a:t>
+            </a:r>
+          </a:p>
+        </p:txBody>
+      </p:sp>
+    </p:spTree>
+    <p:extLst>
+      <p:ext uri="{BB962C8B-B14F-4D97-AF65-F5344CB8AC3E}">
+        <p14:creationId xmlns:p14="http://schemas.microsoft.com/office/powerpoint/2010/main" val="3612535271"/>
+      </p:ext>
+    </p:extLst>
+  </p:cSld>
+  <p:clrMapOvr>
+    <a:masterClrMapping/>
+  </p:clrMapOvr>
+</p:sld>
+</file>
+
+<file path=ppt/slides/slide27.xml><?xml version="1.0" encoding="utf-8"?>
+<p:sld xmlns:a="http://schemas.openxmlformats.org/drawingml/2006/main" xmlns:r="http://schemas.openxmlformats.org/officeDocument/2006/relationships" xmlns:p="http://schemas.openxmlformats.org/presentationml/2006/main">
+  <p:cSld>
+    <p:spTree>
+      <p:nvGrpSpPr>
+        <p:cNvPr id="1" name=""/>
+        <p:cNvGrpSpPr/>
+        <p:nvPr/>
+      </p:nvGrpSpPr>
+      <p:grpSpPr>
+        <a:xfrm>
+          <a:off x="0" y="0"/>
+          <a:ext cx="0" cy="0"/>
+          <a:chOff x="0" y="0"/>
+          <a:chExt cx="0" cy="0"/>
+        </a:xfrm>
+      </p:grpSpPr>
+      <p:sp>
+        <p:nvSpPr>
+          <p:cNvPr id="2" name="Titolo 1">
+            <a:extLst>
+              <a:ext uri="{FF2B5EF4-FFF2-40B4-BE49-F238E27FC236}">
+                <a16:creationId xmlns:a16="http://schemas.microsoft.com/office/drawing/2014/main" id="{83C037BD-F99B-4CAA-9405-1204C9C78245}"/>
+              </a:ext>
+            </a:extLst>
+          </p:cNvPr>
+          <p:cNvSpPr>
+            <a:spLocks noGrp="1"/>
+          </p:cNvSpPr>
+          <p:nvPr>
+            <p:ph type="title"/>
+          </p:nvPr>
+        </p:nvSpPr>
+        <p:spPr/>
+        <p:txBody>
+          <a:bodyPr/>
+          <a:lstStyle/>
+          <a:p>
+            <a:pPr algn="ctr"/>
+            <a:r>
+              <a:rPr lang="it-IT" dirty="0">
+                <a:latin typeface="Times New Roman" panose="02020603050405020304" pitchFamily="18" charset="0"/>
+                <a:cs typeface="Times New Roman" panose="02020603050405020304" pitchFamily="18" charset="0"/>
+              </a:rPr>
+              <a:t>PSO e lo stato dell’arte</a:t>
+            </a:r>
+          </a:p>
+        </p:txBody>
+      </p:sp>
+      <p:sp>
+        <p:nvSpPr>
+          <p:cNvPr id="3" name="Segnaposto contenuto 2">
+            <a:extLst>
+              <a:ext uri="{FF2B5EF4-FFF2-40B4-BE49-F238E27FC236}">
+                <a16:creationId xmlns:a16="http://schemas.microsoft.com/office/drawing/2014/main" id="{871AA06F-06CF-4C20-9E7B-16984E79661B}"/>
+              </a:ext>
+            </a:extLst>
+          </p:cNvPr>
+          <p:cNvSpPr>
+            <a:spLocks noGrp="1"/>
+          </p:cNvSpPr>
+          <p:nvPr>
+            <p:ph idx="1"/>
+          </p:nvPr>
+        </p:nvSpPr>
+        <p:spPr/>
+        <p:txBody>
+          <a:bodyPr>
+            <a:normAutofit/>
+          </a:bodyPr>
+          <a:lstStyle/>
+          <a:p>
+            <a:pPr marL="0" indent="0">
+              <a:buNone/>
+            </a:pPr>
+            <a:r>
+              <a:rPr lang="it-IT" sz="2800" dirty="0">
+                <a:latin typeface="Times New Roman" panose="02020603050405020304" pitchFamily="18" charset="0"/>
+                <a:cs typeface="Times New Roman" panose="02020603050405020304" pitchFamily="18" charset="0"/>
+              </a:rPr>
+              <a:t>La natura metaeuristica di PSO ha portato alla nascita di numerosissime varianti, per adattare l’algoritmo di base alle diverse tipologie di problemi.</a:t>
+            </a:r>
+          </a:p>
+          <a:p>
+            <a:pPr marL="0" indent="0">
+              <a:buNone/>
+            </a:pPr>
+            <a:endParaRPr lang="it-IT" sz="2800" dirty="0">
+              <a:latin typeface="Times New Roman" panose="02020603050405020304" pitchFamily="18" charset="0"/>
+              <a:cs typeface="Times New Roman" panose="02020603050405020304" pitchFamily="18" charset="0"/>
+            </a:endParaRPr>
+          </a:p>
+          <a:p>
+            <a:pPr marL="0" indent="0">
+              <a:buNone/>
+            </a:pPr>
+            <a:endParaRPr lang="it-IT" sz="2800" dirty="0">
+              <a:latin typeface="Times New Roman" panose="02020603050405020304" pitchFamily="18" charset="0"/>
+              <a:cs typeface="Times New Roman" panose="02020603050405020304" pitchFamily="18" charset="0"/>
+            </a:endParaRPr>
+          </a:p>
+          <a:p>
+            <a:pPr marL="0" indent="0">
+              <a:buNone/>
+            </a:pPr>
+            <a:r>
+              <a:rPr lang="it-IT" sz="2800" dirty="0">
+                <a:latin typeface="Times New Roman" panose="02020603050405020304" pitchFamily="18" charset="0"/>
+                <a:cs typeface="Times New Roman" panose="02020603050405020304" pitchFamily="18" charset="0"/>
+              </a:rPr>
+              <a:t>Si descrivono caratteristiche di alcune varianti:</a:t>
+            </a:r>
+          </a:p>
+        </p:txBody>
+      </p:sp>
+    </p:spTree>
+    <p:extLst>
+      <p:ext uri="{BB962C8B-B14F-4D97-AF65-F5344CB8AC3E}">
+        <p14:creationId xmlns:p14="http://schemas.microsoft.com/office/powerpoint/2010/main" val="2870289064"/>
+      </p:ext>
+    </p:extLst>
+  </p:cSld>
+  <p:clrMapOvr>
+    <a:masterClrMapping/>
+  </p:clrMapOvr>
+</p:sld>
+</file>
+
+<file path=ppt/slides/slide28.xml><?xml version="1.0" encoding="utf-8"?>
+<p:sld xmlns:a="http://schemas.openxmlformats.org/drawingml/2006/main" xmlns:r="http://schemas.openxmlformats.org/officeDocument/2006/relationships" xmlns:p="http://schemas.openxmlformats.org/presentationml/2006/main">
+  <p:cSld>
+    <p:spTree>
+      <p:nvGrpSpPr>
+        <p:cNvPr id="1" name=""/>
+        <p:cNvGrpSpPr/>
+        <p:nvPr/>
+      </p:nvGrpSpPr>
+      <p:grpSpPr>
+        <a:xfrm>
+          <a:off x="0" y="0"/>
+          <a:ext cx="0" cy="0"/>
+          <a:chOff x="0" y="0"/>
+          <a:chExt cx="0" cy="0"/>
+        </a:xfrm>
+      </p:grpSpPr>
+      <p:sp>
+        <p:nvSpPr>
+          <p:cNvPr id="2" name="Titolo 1">
+            <a:extLst>
+              <a:ext uri="{FF2B5EF4-FFF2-40B4-BE49-F238E27FC236}">
+                <a16:creationId xmlns:a16="http://schemas.microsoft.com/office/drawing/2014/main" id="{150455A9-8D8A-42B8-A25B-57BD45230790}"/>
+              </a:ext>
+            </a:extLst>
+          </p:cNvPr>
+          <p:cNvSpPr>
+            <a:spLocks noGrp="1"/>
+          </p:cNvSpPr>
+          <p:nvPr>
+            <p:ph type="title"/>
+          </p:nvPr>
+        </p:nvSpPr>
+        <p:spPr/>
+        <p:txBody>
+          <a:bodyPr/>
+          <a:lstStyle/>
+          <a:p>
+            <a:pPr algn="ctr"/>
+            <a:r>
+              <a:rPr lang="it-IT" dirty="0">
+                <a:latin typeface="Times New Roman" panose="02020603050405020304" pitchFamily="18" charset="0"/>
+                <a:cs typeface="Times New Roman" panose="02020603050405020304" pitchFamily="18" charset="0"/>
+              </a:rPr>
+              <a:t>Varianti di base (1)</a:t>
+            </a:r>
+          </a:p>
+        </p:txBody>
+      </p:sp>
+      <p:sp>
+        <p:nvSpPr>
+          <p:cNvPr id="3" name="Segnaposto contenuto 2">
+            <a:extLst>
+              <a:ext uri="{FF2B5EF4-FFF2-40B4-BE49-F238E27FC236}">
+                <a16:creationId xmlns:a16="http://schemas.microsoft.com/office/drawing/2014/main" id="{CF12CA30-1A8F-4D14-A0AC-87540F3C799E}"/>
+              </a:ext>
+            </a:extLst>
+          </p:cNvPr>
+          <p:cNvSpPr>
+            <a:spLocks noGrp="1"/>
+          </p:cNvSpPr>
+          <p:nvPr>
+            <p:ph idx="1"/>
+          </p:nvPr>
+        </p:nvSpPr>
+        <p:spPr/>
+        <p:txBody>
+          <a:bodyPr/>
+          <a:lstStyle/>
+          <a:p>
+            <a:r>
+              <a:rPr lang="it-IT" dirty="0" err="1">
+                <a:latin typeface="Times New Roman" panose="02020603050405020304" pitchFamily="18" charset="0"/>
+                <a:cs typeface="Times New Roman" panose="02020603050405020304" pitchFamily="18" charset="0"/>
+              </a:rPr>
+              <a:t>Fully</a:t>
+            </a:r>
+            <a:r>
+              <a:rPr lang="it-IT" dirty="0">
+                <a:latin typeface="Times New Roman" panose="02020603050405020304" pitchFamily="18" charset="0"/>
+                <a:cs typeface="Times New Roman" panose="02020603050405020304" pitchFamily="18" charset="0"/>
+              </a:rPr>
+              <a:t> </a:t>
+            </a:r>
+            <a:r>
+              <a:rPr lang="it-IT" dirty="0" err="1">
+                <a:latin typeface="Times New Roman" panose="02020603050405020304" pitchFamily="18" charset="0"/>
+                <a:cs typeface="Times New Roman" panose="02020603050405020304" pitchFamily="18" charset="0"/>
+              </a:rPr>
+              <a:t>Informed</a:t>
+            </a:r>
+            <a:r>
+              <a:rPr lang="it-IT" dirty="0">
+                <a:latin typeface="Times New Roman" panose="02020603050405020304" pitchFamily="18" charset="0"/>
+                <a:cs typeface="Times New Roman" panose="02020603050405020304" pitchFamily="18" charset="0"/>
+              </a:rPr>
+              <a:t> PSO: Non viene mantenuto l’ottimo globale, ogni particella è influenzata direttamente da tutte le altre:</a:t>
+            </a:r>
+            <a:br>
+              <a:rPr lang="it-IT" dirty="0">
+                <a:latin typeface="Times New Roman" panose="02020603050405020304" pitchFamily="18" charset="0"/>
+                <a:cs typeface="Times New Roman" panose="02020603050405020304" pitchFamily="18" charset="0"/>
+              </a:rPr>
+            </a:br>
+            <a:br>
+              <a:rPr lang="it-IT" dirty="0">
+                <a:latin typeface="Times New Roman" panose="02020603050405020304" pitchFamily="18" charset="0"/>
+                <a:cs typeface="Times New Roman" panose="02020603050405020304" pitchFamily="18" charset="0"/>
+              </a:rPr>
+            </a:br>
+            <a:br>
+              <a:rPr lang="it-IT" dirty="0">
+                <a:latin typeface="Times New Roman" panose="02020603050405020304" pitchFamily="18" charset="0"/>
+                <a:cs typeface="Times New Roman" panose="02020603050405020304" pitchFamily="18" charset="0"/>
+              </a:rPr>
+            </a:br>
+            <a:br>
+              <a:rPr lang="it-IT" dirty="0">
+                <a:latin typeface="Times New Roman" panose="02020603050405020304" pitchFamily="18" charset="0"/>
+                <a:cs typeface="Times New Roman" panose="02020603050405020304" pitchFamily="18" charset="0"/>
+              </a:rPr>
+            </a:br>
+            <a:br>
+              <a:rPr lang="it-IT" dirty="0">
+                <a:latin typeface="Times New Roman" panose="02020603050405020304" pitchFamily="18" charset="0"/>
+                <a:cs typeface="Times New Roman" panose="02020603050405020304" pitchFamily="18" charset="0"/>
+              </a:rPr>
+            </a:br>
+            <a:r>
+              <a:rPr lang="it-IT" dirty="0">
+                <a:latin typeface="Times New Roman" panose="02020603050405020304" pitchFamily="18" charset="0"/>
+                <a:cs typeface="Times New Roman" panose="02020603050405020304" pitchFamily="18" charset="0"/>
+              </a:rPr>
+              <a:t>In questa formulazione, </a:t>
+            </a:r>
+            <a:r>
+              <a:rPr lang="el-GR" dirty="0">
+                <a:latin typeface="Times New Roman" panose="02020603050405020304" pitchFamily="18" charset="0"/>
+                <a:cs typeface="Times New Roman" panose="02020603050405020304" pitchFamily="18" charset="0"/>
+              </a:rPr>
+              <a:t>χ</a:t>
+            </a:r>
+            <a:r>
+              <a:rPr lang="it-IT" dirty="0">
+                <a:latin typeface="Times New Roman" panose="02020603050405020304" pitchFamily="18" charset="0"/>
+                <a:cs typeface="Times New Roman" panose="02020603050405020304" pitchFamily="18" charset="0"/>
+              </a:rPr>
+              <a:t> è una costante di attrito, generalmente inferiore a 1.</a:t>
+            </a:r>
+            <a:br>
+              <a:rPr lang="it-IT" dirty="0">
+                <a:latin typeface="Times New Roman" panose="02020603050405020304" pitchFamily="18" charset="0"/>
+                <a:cs typeface="Times New Roman" panose="02020603050405020304" pitchFamily="18" charset="0"/>
+              </a:rPr>
+            </a:br>
+            <a:br>
+              <a:rPr lang="it-IT" dirty="0">
+                <a:latin typeface="Times New Roman" panose="02020603050405020304" pitchFamily="18" charset="0"/>
+                <a:cs typeface="Times New Roman" panose="02020603050405020304" pitchFamily="18" charset="0"/>
+              </a:rPr>
+            </a:br>
+            <a:endParaRPr lang="it-IT" dirty="0">
+              <a:latin typeface="Times New Roman" panose="02020603050405020304" pitchFamily="18" charset="0"/>
+              <a:cs typeface="Times New Roman" panose="02020603050405020304" pitchFamily="18" charset="0"/>
+            </a:endParaRPr>
+          </a:p>
+          <a:p>
+            <a:r>
+              <a:rPr lang="it-IT" dirty="0">
+                <a:latin typeface="Times New Roman" panose="02020603050405020304" pitchFamily="18" charset="0"/>
+                <a:cs typeface="Times New Roman" panose="02020603050405020304" pitchFamily="18" charset="0"/>
+              </a:rPr>
+              <a:t>Varianti intermedie: ogni particella è influenzata dal suo vicinato (clustering).</a:t>
+            </a:r>
+          </a:p>
+          <a:p>
+            <a:pPr marL="0" indent="0">
+              <a:buNone/>
+            </a:pPr>
+            <a:endParaRPr lang="it-IT" dirty="0">
+              <a:latin typeface="Times New Roman" panose="02020603050405020304" pitchFamily="18" charset="0"/>
+              <a:cs typeface="Times New Roman" panose="02020603050405020304" pitchFamily="18" charset="0"/>
+            </a:endParaRPr>
+          </a:p>
+          <a:p>
+            <a:pPr marL="0" indent="0">
+              <a:buNone/>
+            </a:pPr>
+            <a:endParaRPr lang="it-IT" dirty="0">
+              <a:latin typeface="Times New Roman" panose="02020603050405020304" pitchFamily="18" charset="0"/>
+              <a:cs typeface="Times New Roman" panose="02020603050405020304" pitchFamily="18" charset="0"/>
+            </a:endParaRPr>
+          </a:p>
+        </p:txBody>
+      </p:sp>
+      <p:pic>
+        <p:nvPicPr>
+          <p:cNvPr id="5" name="Immagine 4">
+            <a:extLst>
+              <a:ext uri="{FF2B5EF4-FFF2-40B4-BE49-F238E27FC236}">
+                <a16:creationId xmlns:a16="http://schemas.microsoft.com/office/drawing/2014/main" id="{4AAA2E69-8776-429F-ABBD-F37075FD45AC}"/>
+              </a:ext>
+            </a:extLst>
+          </p:cNvPr>
+          <p:cNvPicPr>
+            <a:picLocks noChangeAspect="1"/>
+          </p:cNvPicPr>
+          <p:nvPr/>
+        </p:nvPicPr>
+        <p:blipFill>
+          <a:blip r:embed="rId2">
+            <a:extLst>
+              <a:ext uri="{28A0092B-C50C-407E-A947-70E740481C1C}">
+                <a14:useLocalDpi xmlns:a14="http://schemas.microsoft.com/office/drawing/2010/main" val="0"/>
+              </a:ext>
+            </a:extLst>
+          </a:blip>
+          <a:stretch>
+            <a:fillRect/>
+          </a:stretch>
+        </p:blipFill>
+        <p:spPr>
+          <a:xfrm>
+            <a:off x="445822" y="2544417"/>
+            <a:ext cx="8252356" cy="988377"/>
+          </a:xfrm>
+          <a:prstGeom prst="rect">
+            <a:avLst/>
+          </a:prstGeom>
+        </p:spPr>
+      </p:pic>
+    </p:spTree>
+    <p:extLst>
+      <p:ext uri="{BB962C8B-B14F-4D97-AF65-F5344CB8AC3E}">
+        <p14:creationId xmlns:p14="http://schemas.microsoft.com/office/powerpoint/2010/main" val="3562909643"/>
+      </p:ext>
+    </p:extLst>
+  </p:cSld>
+  <p:clrMapOvr>
+    <a:masterClrMapping/>
+  </p:clrMapOvr>
+</p:sld>
+</file>
+
+<file path=ppt/slides/slide29.xml><?xml version="1.0" encoding="utf-8"?>
+<p:sld xmlns:a="http://schemas.openxmlformats.org/drawingml/2006/main" xmlns:r="http://schemas.openxmlformats.org/officeDocument/2006/relationships" xmlns:p="http://schemas.openxmlformats.org/presentationml/2006/main">
+  <p:cSld>
+    <p:spTree>
+      <p:nvGrpSpPr>
+        <p:cNvPr id="1" name=""/>
+        <p:cNvGrpSpPr/>
+        <p:nvPr/>
+      </p:nvGrpSpPr>
+      <p:grpSpPr>
+        <a:xfrm>
+          <a:off x="0" y="0"/>
+          <a:ext cx="0" cy="0"/>
+          <a:chOff x="0" y="0"/>
+          <a:chExt cx="0" cy="0"/>
+        </a:xfrm>
+      </p:grpSpPr>
+      <p:sp>
+        <p:nvSpPr>
+          <p:cNvPr id="2" name="Titolo 1">
+            <a:extLst>
+              <a:ext uri="{FF2B5EF4-FFF2-40B4-BE49-F238E27FC236}">
+                <a16:creationId xmlns:a16="http://schemas.microsoft.com/office/drawing/2014/main" id="{150455A9-8D8A-42B8-A25B-57BD45230790}"/>
+              </a:ext>
+            </a:extLst>
+          </p:cNvPr>
+          <p:cNvSpPr>
+            <a:spLocks noGrp="1"/>
+          </p:cNvSpPr>
+          <p:nvPr>
+            <p:ph type="title"/>
+          </p:nvPr>
+        </p:nvSpPr>
+        <p:spPr/>
+        <p:txBody>
+          <a:bodyPr/>
+          <a:lstStyle/>
+          <a:p>
+            <a:pPr algn="ctr"/>
+            <a:r>
+              <a:rPr lang="it-IT" dirty="0">
+                <a:latin typeface="Times New Roman" panose="02020603050405020304" pitchFamily="18" charset="0"/>
+                <a:cs typeface="Times New Roman" panose="02020603050405020304" pitchFamily="18" charset="0"/>
+              </a:rPr>
+              <a:t>Varianti di base (2)</a:t>
+            </a:r>
+          </a:p>
+        </p:txBody>
+      </p:sp>
+      <p:sp>
+        <p:nvSpPr>
+          <p:cNvPr id="3" name="Segnaposto contenuto 2">
+            <a:extLst>
+              <a:ext uri="{FF2B5EF4-FFF2-40B4-BE49-F238E27FC236}">
+                <a16:creationId xmlns:a16="http://schemas.microsoft.com/office/drawing/2014/main" id="{CF12CA30-1A8F-4D14-A0AC-87540F3C799E}"/>
+              </a:ext>
+            </a:extLst>
+          </p:cNvPr>
+          <p:cNvSpPr>
+            <a:spLocks noGrp="1"/>
+          </p:cNvSpPr>
+          <p:nvPr>
+            <p:ph idx="1"/>
+          </p:nvPr>
+        </p:nvSpPr>
+        <p:spPr/>
+        <p:txBody>
+          <a:bodyPr/>
+          <a:lstStyle/>
+          <a:p>
+            <a:r>
+              <a:rPr lang="it-IT" dirty="0">
+                <a:latin typeface="Times New Roman" panose="02020603050405020304" pitchFamily="18" charset="0"/>
+                <a:cs typeface="Times New Roman" panose="02020603050405020304" pitchFamily="18" charset="0"/>
+              </a:rPr>
+              <a:t>Strategie adattive per i parametri dell’algoritmo:</a:t>
+            </a:r>
+            <a:br>
+              <a:rPr lang="it-IT" dirty="0">
+                <a:latin typeface="Times New Roman" panose="02020603050405020304" pitchFamily="18" charset="0"/>
+                <a:cs typeface="Times New Roman" panose="02020603050405020304" pitchFamily="18" charset="0"/>
+              </a:rPr>
+            </a:br>
+            <a:r>
+              <a:rPr lang="it-IT" dirty="0">
+                <a:latin typeface="Times New Roman" panose="02020603050405020304" pitchFamily="18" charset="0"/>
+                <a:cs typeface="Times New Roman" panose="02020603050405020304" pitchFamily="18" charset="0"/>
+              </a:rPr>
+              <a:t>In [</a:t>
+            </a:r>
+            <a:r>
+              <a:rPr lang="it-IT" dirty="0" err="1">
+                <a:latin typeface="Times New Roman" panose="02020603050405020304" pitchFamily="18" charset="0"/>
+                <a:cs typeface="Times New Roman" panose="02020603050405020304" pitchFamily="18" charset="0"/>
+              </a:rPr>
+              <a:t>Zhan</a:t>
+            </a:r>
+            <a:r>
+              <a:rPr lang="it-IT" dirty="0">
+                <a:latin typeface="Times New Roman" panose="02020603050405020304" pitchFamily="18" charset="0"/>
+                <a:cs typeface="Times New Roman" panose="02020603050405020304" pitchFamily="18" charset="0"/>
+              </a:rPr>
+              <a:t> et al. - </a:t>
+            </a:r>
+            <a:r>
+              <a:rPr lang="it-IT" dirty="0"/>
+              <a:t>Adaptive </a:t>
+            </a:r>
+            <a:r>
+              <a:rPr lang="it-IT" dirty="0" err="1"/>
+              <a:t>Particle</a:t>
+            </a:r>
+            <a:r>
+              <a:rPr lang="it-IT" dirty="0"/>
+              <a:t> </a:t>
+            </a:r>
+            <a:r>
+              <a:rPr lang="it-IT" dirty="0" err="1"/>
+              <a:t>Swarm</a:t>
+            </a:r>
+            <a:r>
+              <a:rPr lang="it-IT" dirty="0"/>
+              <a:t> Optimization] si colloca ogni iterazione dell’algoritmo in una fase, in base alla distribuzione delle particelle:</a:t>
+            </a:r>
+          </a:p>
+          <a:p>
+            <a:pPr lvl="1"/>
+            <a:r>
+              <a:rPr lang="it-IT" dirty="0">
+                <a:latin typeface="Times New Roman" panose="02020603050405020304" pitchFamily="18" charset="0"/>
+                <a:cs typeface="Times New Roman" panose="02020603050405020304" pitchFamily="18" charset="0"/>
+              </a:rPr>
+              <a:t>Exploration: non è stato ancora individuato un buon ottimo, si favorisce un aumento di </a:t>
+            </a:r>
+            <a:r>
+              <a:rPr lang="it-IT" dirty="0" err="1">
+                <a:latin typeface="Times New Roman" panose="02020603050405020304" pitchFamily="18" charset="0"/>
+                <a:cs typeface="Times New Roman" panose="02020603050405020304" pitchFamily="18" charset="0"/>
+              </a:rPr>
+              <a:t>ϕ</a:t>
+            </a:r>
+            <a:r>
+              <a:rPr lang="it-IT" baseline="-25000" dirty="0" err="1">
+                <a:latin typeface="Times New Roman" panose="02020603050405020304" pitchFamily="18" charset="0"/>
+                <a:cs typeface="Times New Roman" panose="02020603050405020304" pitchFamily="18" charset="0"/>
+              </a:rPr>
+              <a:t>i</a:t>
+            </a:r>
+            <a:r>
+              <a:rPr lang="it-IT" dirty="0">
+                <a:latin typeface="Times New Roman" panose="02020603050405020304" pitchFamily="18" charset="0"/>
+                <a:cs typeface="Times New Roman" panose="02020603050405020304" pitchFamily="18" charset="0"/>
+              </a:rPr>
+              <a:t> rispetto a </a:t>
+            </a:r>
+            <a:r>
+              <a:rPr lang="it-IT" dirty="0" err="1">
+                <a:latin typeface="Times New Roman" panose="02020603050405020304" pitchFamily="18" charset="0"/>
+                <a:cs typeface="Times New Roman" panose="02020603050405020304" pitchFamily="18" charset="0"/>
+              </a:rPr>
+              <a:t>ϕ</a:t>
+            </a:r>
+            <a:r>
+              <a:rPr lang="it-IT" baseline="-25000" dirty="0" err="1">
+                <a:latin typeface="Times New Roman" panose="02020603050405020304" pitchFamily="18" charset="0"/>
+                <a:cs typeface="Times New Roman" panose="02020603050405020304" pitchFamily="18" charset="0"/>
+              </a:rPr>
+              <a:t>s</a:t>
+            </a:r>
+            <a:r>
+              <a:rPr lang="it-IT" dirty="0">
+                <a:latin typeface="Times New Roman" panose="02020603050405020304" pitchFamily="18" charset="0"/>
+                <a:cs typeface="Times New Roman" panose="02020603050405020304" pitchFamily="18" charset="0"/>
+              </a:rPr>
+              <a:t>;</a:t>
+            </a:r>
+          </a:p>
+          <a:p>
+            <a:pPr lvl="1"/>
+            <a:r>
+              <a:rPr lang="it-IT" dirty="0">
+                <a:latin typeface="Times New Roman" panose="02020603050405020304" pitchFamily="18" charset="0"/>
+                <a:cs typeface="Times New Roman" panose="02020603050405020304" pitchFamily="18" charset="0"/>
+              </a:rPr>
+              <a:t>Exploitation: è stata trovata una buona soluzione, se ne esplorano le vicinanze, favorendo leggermente un aumento di </a:t>
+            </a:r>
+            <a:r>
+              <a:rPr lang="it-IT" dirty="0" err="1">
+                <a:latin typeface="Times New Roman" panose="02020603050405020304" pitchFamily="18" charset="0"/>
+                <a:cs typeface="Times New Roman" panose="02020603050405020304" pitchFamily="18" charset="0"/>
+              </a:rPr>
+              <a:t>ϕ</a:t>
+            </a:r>
+            <a:r>
+              <a:rPr lang="it-IT" baseline="-25000" dirty="0" err="1">
+                <a:latin typeface="Times New Roman" panose="02020603050405020304" pitchFamily="18" charset="0"/>
+                <a:cs typeface="Times New Roman" panose="02020603050405020304" pitchFamily="18" charset="0"/>
+              </a:rPr>
+              <a:t>i</a:t>
+            </a:r>
+            <a:r>
+              <a:rPr lang="it-IT" baseline="-25000" dirty="0">
+                <a:latin typeface="Times New Roman" panose="02020603050405020304" pitchFamily="18" charset="0"/>
+                <a:cs typeface="Times New Roman" panose="02020603050405020304" pitchFamily="18" charset="0"/>
+              </a:rPr>
+              <a:t> </a:t>
+            </a:r>
+            <a:r>
+              <a:rPr lang="it-IT" dirty="0">
+                <a:latin typeface="Times New Roman" panose="02020603050405020304" pitchFamily="18" charset="0"/>
+                <a:cs typeface="Times New Roman" panose="02020603050405020304" pitchFamily="18" charset="0"/>
+              </a:rPr>
+              <a:t>rispetto a </a:t>
+            </a:r>
+            <a:r>
+              <a:rPr lang="it-IT" dirty="0" err="1">
+                <a:latin typeface="Times New Roman" panose="02020603050405020304" pitchFamily="18" charset="0"/>
+                <a:cs typeface="Times New Roman" panose="02020603050405020304" pitchFamily="18" charset="0"/>
+              </a:rPr>
+              <a:t>ϕ</a:t>
+            </a:r>
+            <a:r>
+              <a:rPr lang="it-IT" baseline="-25000" dirty="0" err="1">
+                <a:latin typeface="Times New Roman" panose="02020603050405020304" pitchFamily="18" charset="0"/>
+                <a:cs typeface="Times New Roman" panose="02020603050405020304" pitchFamily="18" charset="0"/>
+              </a:rPr>
+              <a:t>s</a:t>
+            </a:r>
+            <a:r>
+              <a:rPr lang="it-IT" dirty="0">
+                <a:latin typeface="Times New Roman" panose="02020603050405020304" pitchFamily="18" charset="0"/>
+                <a:cs typeface="Times New Roman" panose="02020603050405020304" pitchFamily="18" charset="0"/>
+              </a:rPr>
+              <a:t>;</a:t>
+            </a:r>
+          </a:p>
+          <a:p>
+            <a:pPr lvl="1"/>
+            <a:r>
+              <a:rPr lang="it-IT" dirty="0" err="1">
+                <a:latin typeface="Times New Roman" panose="02020603050405020304" pitchFamily="18" charset="0"/>
+                <a:cs typeface="Times New Roman" panose="02020603050405020304" pitchFamily="18" charset="0"/>
+              </a:rPr>
+              <a:t>Convergence</a:t>
+            </a:r>
+            <a:r>
+              <a:rPr lang="it-IT" dirty="0">
+                <a:latin typeface="Times New Roman" panose="02020603050405020304" pitchFamily="18" charset="0"/>
+                <a:cs typeface="Times New Roman" panose="02020603050405020304" pitchFamily="18" charset="0"/>
+              </a:rPr>
+              <a:t>: si aumentano leggermente sia </a:t>
+            </a:r>
+            <a:r>
+              <a:rPr lang="it-IT" dirty="0" err="1">
+                <a:latin typeface="Times New Roman" panose="02020603050405020304" pitchFamily="18" charset="0"/>
+                <a:cs typeface="Times New Roman" panose="02020603050405020304" pitchFamily="18" charset="0"/>
+              </a:rPr>
+              <a:t>ϕ</a:t>
+            </a:r>
+            <a:r>
+              <a:rPr lang="it-IT" baseline="-25000" dirty="0" err="1">
+                <a:latin typeface="Times New Roman" panose="02020603050405020304" pitchFamily="18" charset="0"/>
+                <a:cs typeface="Times New Roman" panose="02020603050405020304" pitchFamily="18" charset="0"/>
+              </a:rPr>
+              <a:t>i</a:t>
+            </a:r>
+            <a:r>
+              <a:rPr lang="it-IT" dirty="0">
+                <a:latin typeface="Times New Roman" panose="02020603050405020304" pitchFamily="18" charset="0"/>
+                <a:cs typeface="Times New Roman" panose="02020603050405020304" pitchFamily="18" charset="0"/>
+              </a:rPr>
+              <a:t> che </a:t>
+            </a:r>
+            <a:r>
+              <a:rPr lang="it-IT" dirty="0" err="1">
+                <a:latin typeface="Times New Roman" panose="02020603050405020304" pitchFamily="18" charset="0"/>
+                <a:cs typeface="Times New Roman" panose="02020603050405020304" pitchFamily="18" charset="0"/>
+              </a:rPr>
+              <a:t>ϕ</a:t>
+            </a:r>
+            <a:r>
+              <a:rPr lang="it-IT" baseline="-25000" dirty="0" err="1">
+                <a:latin typeface="Times New Roman" panose="02020603050405020304" pitchFamily="18" charset="0"/>
+                <a:cs typeface="Times New Roman" panose="02020603050405020304" pitchFamily="18" charset="0"/>
+              </a:rPr>
+              <a:t>s</a:t>
+            </a:r>
+            <a:r>
+              <a:rPr lang="it-IT" baseline="-25000" dirty="0">
+                <a:latin typeface="Times New Roman" panose="02020603050405020304" pitchFamily="18" charset="0"/>
+                <a:cs typeface="Times New Roman" panose="02020603050405020304" pitchFamily="18" charset="0"/>
+              </a:rPr>
+              <a:t> </a:t>
+            </a:r>
+            <a:r>
+              <a:rPr lang="it-IT" dirty="0">
+                <a:latin typeface="Times New Roman" panose="02020603050405020304" pitchFamily="18" charset="0"/>
+                <a:cs typeface="Times New Roman" panose="02020603050405020304" pitchFamily="18" charset="0"/>
+              </a:rPr>
+              <a:t>per velocizzare la convergenza dello sciame;</a:t>
+            </a:r>
+          </a:p>
+          <a:p>
+            <a:pPr lvl="1"/>
+            <a:r>
+              <a:rPr lang="it-IT" dirty="0">
+                <a:latin typeface="Times New Roman" panose="02020603050405020304" pitchFamily="18" charset="0"/>
+                <a:cs typeface="Times New Roman" panose="02020603050405020304" pitchFamily="18" charset="0"/>
+              </a:rPr>
+              <a:t>Jumping-Out: particelle intrappolate in un ottimo che si sa essere locale, si aumenta </a:t>
+            </a:r>
+            <a:r>
+              <a:rPr lang="it-IT" dirty="0" err="1">
+                <a:latin typeface="Times New Roman" panose="02020603050405020304" pitchFamily="18" charset="0"/>
+                <a:cs typeface="Times New Roman" panose="02020603050405020304" pitchFamily="18" charset="0"/>
+              </a:rPr>
+              <a:t>ϕ</a:t>
+            </a:r>
+            <a:r>
+              <a:rPr lang="it-IT" baseline="-25000" dirty="0" err="1">
+                <a:latin typeface="Times New Roman" panose="02020603050405020304" pitchFamily="18" charset="0"/>
+                <a:cs typeface="Times New Roman" panose="02020603050405020304" pitchFamily="18" charset="0"/>
+              </a:rPr>
+              <a:t>s</a:t>
+            </a:r>
+            <a:r>
+              <a:rPr lang="it-IT" baseline="-25000" dirty="0">
+                <a:latin typeface="Times New Roman" panose="02020603050405020304" pitchFamily="18" charset="0"/>
+                <a:cs typeface="Times New Roman" panose="02020603050405020304" pitchFamily="18" charset="0"/>
+              </a:rPr>
+              <a:t> </a:t>
+            </a:r>
+            <a:r>
+              <a:rPr lang="it-IT" dirty="0">
+                <a:latin typeface="Times New Roman" panose="02020603050405020304" pitchFamily="18" charset="0"/>
+                <a:cs typeface="Times New Roman" panose="02020603050405020304" pitchFamily="18" charset="0"/>
+              </a:rPr>
+              <a:t>per cercare di sfuggirgli.</a:t>
+            </a:r>
+          </a:p>
+          <a:p>
+            <a:pPr marL="0" indent="0">
+              <a:buNone/>
+            </a:pPr>
+            <a:endParaRPr lang="it-IT" dirty="0">
+              <a:latin typeface="Times New Roman" panose="02020603050405020304" pitchFamily="18" charset="0"/>
+              <a:cs typeface="Times New Roman" panose="02020603050405020304" pitchFamily="18" charset="0"/>
+            </a:endParaRPr>
+          </a:p>
+        </p:txBody>
+      </p:sp>
+    </p:spTree>
+    <p:extLst>
+      <p:ext uri="{BB962C8B-B14F-4D97-AF65-F5344CB8AC3E}">
+        <p14:creationId xmlns:p14="http://schemas.microsoft.com/office/powerpoint/2010/main" val="3668580491"/>
       </p:ext>
     </p:extLst>
   </p:cSld>
@@ -7889,6 +9955,1123 @@
     <p:extLst>
       <p:ext uri="{BB962C8B-B14F-4D97-AF65-F5344CB8AC3E}">
         <p14:creationId xmlns:p14="http://schemas.microsoft.com/office/powerpoint/2010/main" val="3615544241"/>
+      </p:ext>
+    </p:extLst>
+  </p:cSld>
+  <p:clrMapOvr>
+    <a:masterClrMapping/>
+  </p:clrMapOvr>
+</p:sld>
+</file>
+
+<file path=ppt/slides/slide30.xml><?xml version="1.0" encoding="utf-8"?>
+<p:sld xmlns:a="http://schemas.openxmlformats.org/drawingml/2006/main" xmlns:r="http://schemas.openxmlformats.org/officeDocument/2006/relationships" xmlns:p="http://schemas.openxmlformats.org/presentationml/2006/main">
+  <p:cSld>
+    <p:spTree>
+      <p:nvGrpSpPr>
+        <p:cNvPr id="1" name=""/>
+        <p:cNvGrpSpPr/>
+        <p:nvPr/>
+      </p:nvGrpSpPr>
+      <p:grpSpPr>
+        <a:xfrm>
+          <a:off x="0" y="0"/>
+          <a:ext cx="0" cy="0"/>
+          <a:chOff x="0" y="0"/>
+          <a:chExt cx="0" cy="0"/>
+        </a:xfrm>
+      </p:grpSpPr>
+      <p:sp>
+        <p:nvSpPr>
+          <p:cNvPr id="2" name="Titolo 1">
+            <a:extLst>
+              <a:ext uri="{FF2B5EF4-FFF2-40B4-BE49-F238E27FC236}">
+                <a16:creationId xmlns:a16="http://schemas.microsoft.com/office/drawing/2014/main" id="{150455A9-8D8A-42B8-A25B-57BD45230790}"/>
+              </a:ext>
+            </a:extLst>
+          </p:cNvPr>
+          <p:cNvSpPr>
+            <a:spLocks noGrp="1"/>
+          </p:cNvSpPr>
+          <p:nvPr>
+            <p:ph type="title"/>
+          </p:nvPr>
+        </p:nvSpPr>
+        <p:spPr/>
+        <p:txBody>
+          <a:bodyPr/>
+          <a:lstStyle/>
+          <a:p>
+            <a:pPr algn="ctr"/>
+            <a:r>
+              <a:rPr lang="it-IT" dirty="0">
+                <a:latin typeface="Times New Roman" panose="02020603050405020304" pitchFamily="18" charset="0"/>
+                <a:cs typeface="Times New Roman" panose="02020603050405020304" pitchFamily="18" charset="0"/>
+              </a:rPr>
+              <a:t>Varianti di base (3)</a:t>
+            </a:r>
+          </a:p>
+        </p:txBody>
+      </p:sp>
+      <p:sp>
+        <p:nvSpPr>
+          <p:cNvPr id="3" name="Segnaposto contenuto 2">
+            <a:extLst>
+              <a:ext uri="{FF2B5EF4-FFF2-40B4-BE49-F238E27FC236}">
+                <a16:creationId xmlns:a16="http://schemas.microsoft.com/office/drawing/2014/main" id="{CF12CA30-1A8F-4D14-A0AC-87540F3C799E}"/>
+              </a:ext>
+            </a:extLst>
+          </p:cNvPr>
+          <p:cNvSpPr>
+            <a:spLocks noGrp="1"/>
+          </p:cNvSpPr>
+          <p:nvPr>
+            <p:ph idx="1"/>
+          </p:nvPr>
+        </p:nvSpPr>
+        <p:spPr/>
+        <p:txBody>
+          <a:bodyPr/>
+          <a:lstStyle/>
+          <a:p>
+            <a:r>
+              <a:rPr lang="it-IT" sz="2400" dirty="0">
+                <a:latin typeface="Times New Roman" panose="02020603050405020304" pitchFamily="18" charset="0"/>
+                <a:cs typeface="Times New Roman" panose="02020603050405020304" pitchFamily="18" charset="0"/>
+              </a:rPr>
+              <a:t>Algoritmi ibridi:</a:t>
+            </a:r>
+          </a:p>
+          <a:p>
+            <a:pPr marL="342900" lvl="1" indent="0">
+              <a:buNone/>
+            </a:pPr>
+            <a:r>
+              <a:rPr lang="it-IT" sz="2400" dirty="0">
+                <a:latin typeface="Times New Roman" panose="02020603050405020304" pitchFamily="18" charset="0"/>
+                <a:cs typeface="Times New Roman" panose="02020603050405020304" pitchFamily="18" charset="0"/>
+              </a:rPr>
+              <a:t>In [</a:t>
+            </a:r>
+            <a:r>
+              <a:rPr lang="en-US" sz="2400" i="1" dirty="0" err="1">
+                <a:latin typeface="Times New Roman" panose="02020603050405020304" pitchFamily="18" charset="0"/>
+                <a:cs typeface="Times New Roman" panose="02020603050405020304" pitchFamily="18" charset="0"/>
+              </a:rPr>
+              <a:t>Krink</a:t>
+            </a:r>
+            <a:r>
+              <a:rPr lang="en-US" sz="2400" i="1" dirty="0">
+                <a:latin typeface="Times New Roman" panose="02020603050405020304" pitchFamily="18" charset="0"/>
+                <a:cs typeface="Times New Roman" panose="02020603050405020304" pitchFamily="18" charset="0"/>
+              </a:rPr>
+              <a:t>, </a:t>
+            </a:r>
+            <a:r>
+              <a:rPr lang="en-US" sz="2400" i="1" dirty="0" err="1">
+                <a:latin typeface="Times New Roman" panose="02020603050405020304" pitchFamily="18" charset="0"/>
+                <a:cs typeface="Times New Roman" panose="02020603050405020304" pitchFamily="18" charset="0"/>
+              </a:rPr>
+              <a:t>Løvbjerg</a:t>
+            </a:r>
+            <a:r>
+              <a:rPr lang="en-US" sz="2400" i="1" dirty="0">
+                <a:latin typeface="Times New Roman" panose="02020603050405020304" pitchFamily="18" charset="0"/>
+                <a:cs typeface="Times New Roman" panose="02020603050405020304" pitchFamily="18" charset="0"/>
+              </a:rPr>
+              <a:t> - The </a:t>
+            </a:r>
+            <a:r>
+              <a:rPr lang="en-US" sz="2400" i="1" dirty="0" err="1">
+                <a:latin typeface="Times New Roman" panose="02020603050405020304" pitchFamily="18" charset="0"/>
+                <a:cs typeface="Times New Roman" panose="02020603050405020304" pitchFamily="18" charset="0"/>
+              </a:rPr>
+              <a:t>LifeCycle</a:t>
+            </a:r>
+            <a:r>
+              <a:rPr lang="en-US" sz="2400" i="1" dirty="0">
+                <a:latin typeface="Times New Roman" panose="02020603050405020304" pitchFamily="18" charset="0"/>
+                <a:cs typeface="Times New Roman" panose="02020603050405020304" pitchFamily="18" charset="0"/>
+              </a:rPr>
+              <a:t> Model: Combining Particle Swarm </a:t>
+            </a:r>
+            <a:r>
+              <a:rPr lang="en-US" sz="2400" i="1" dirty="0" err="1">
+                <a:latin typeface="Times New Roman" panose="02020603050405020304" pitchFamily="18" charset="0"/>
+                <a:cs typeface="Times New Roman" panose="02020603050405020304" pitchFamily="18" charset="0"/>
+              </a:rPr>
+              <a:t>Optimisation</a:t>
+            </a:r>
+            <a:r>
+              <a:rPr lang="en-US" sz="2400" i="1" dirty="0">
+                <a:latin typeface="Times New Roman" panose="02020603050405020304" pitchFamily="18" charset="0"/>
+                <a:cs typeface="Times New Roman" panose="02020603050405020304" pitchFamily="18" charset="0"/>
+              </a:rPr>
+              <a:t>, Genetic Algorithms and </a:t>
+            </a:r>
+            <a:r>
+              <a:rPr lang="en-US" sz="2400" i="1" dirty="0" err="1">
+                <a:latin typeface="Times New Roman" panose="02020603050405020304" pitchFamily="18" charset="0"/>
+                <a:cs typeface="Times New Roman" panose="02020603050405020304" pitchFamily="18" charset="0"/>
+              </a:rPr>
+              <a:t>HillClimbers</a:t>
+            </a:r>
+            <a:r>
+              <a:rPr lang="en-US" sz="2400" dirty="0">
+                <a:latin typeface="Times New Roman" panose="02020603050405020304" pitchFamily="18" charset="0"/>
+                <a:cs typeface="Times New Roman" panose="02020603050405020304" pitchFamily="18" charset="0"/>
+              </a:rPr>
+              <a:t>] </a:t>
+            </a:r>
+            <a:r>
+              <a:rPr lang="en-US" sz="2400" dirty="0" err="1">
+                <a:latin typeface="Times New Roman" panose="02020603050405020304" pitchFamily="18" charset="0"/>
+                <a:cs typeface="Times New Roman" panose="02020603050405020304" pitchFamily="18" charset="0"/>
+              </a:rPr>
+              <a:t>si</a:t>
+            </a:r>
+            <a:r>
+              <a:rPr lang="en-US" sz="2400" dirty="0">
+                <a:latin typeface="Times New Roman" panose="02020603050405020304" pitchFamily="18" charset="0"/>
+                <a:cs typeface="Times New Roman" panose="02020603050405020304" pitchFamily="18" charset="0"/>
+              </a:rPr>
+              <a:t> propone un ‘‘</a:t>
+            </a:r>
+            <a:r>
+              <a:rPr lang="en-US" sz="2400" dirty="0" err="1">
+                <a:latin typeface="Times New Roman" panose="02020603050405020304" pitchFamily="18" charset="0"/>
+                <a:cs typeface="Times New Roman" panose="02020603050405020304" pitchFamily="18" charset="0"/>
+              </a:rPr>
+              <a:t>ciclo</a:t>
+            </a:r>
+            <a:r>
+              <a:rPr lang="en-US" sz="2400" dirty="0">
+                <a:latin typeface="Times New Roman" panose="02020603050405020304" pitchFamily="18" charset="0"/>
+                <a:cs typeface="Times New Roman" panose="02020603050405020304" pitchFamily="18" charset="0"/>
+              </a:rPr>
+              <a:t> di vita” per le </a:t>
+            </a:r>
+            <a:r>
+              <a:rPr lang="en-US" sz="2400" dirty="0" err="1">
+                <a:latin typeface="Times New Roman" panose="02020603050405020304" pitchFamily="18" charset="0"/>
+                <a:cs typeface="Times New Roman" panose="02020603050405020304" pitchFamily="18" charset="0"/>
+              </a:rPr>
+              <a:t>particelle</a:t>
+            </a:r>
+            <a:r>
+              <a:rPr lang="en-US" sz="2400" dirty="0">
+                <a:latin typeface="Times New Roman" panose="02020603050405020304" pitchFamily="18" charset="0"/>
+                <a:cs typeface="Times New Roman" panose="02020603050405020304" pitchFamily="18" charset="0"/>
+              </a:rPr>
+              <a:t>, </a:t>
+            </a:r>
+            <a:r>
+              <a:rPr lang="en-US" sz="2400" dirty="0" err="1">
+                <a:latin typeface="Times New Roman" panose="02020603050405020304" pitchFamily="18" charset="0"/>
+                <a:cs typeface="Times New Roman" panose="02020603050405020304" pitchFamily="18" charset="0"/>
+              </a:rPr>
+              <a:t>che</a:t>
+            </a:r>
+            <a:r>
+              <a:rPr lang="en-US" sz="2400" dirty="0">
+                <a:latin typeface="Times New Roman" panose="02020603050405020304" pitchFamily="18" charset="0"/>
+                <a:cs typeface="Times New Roman" panose="02020603050405020304" pitchFamily="18" charset="0"/>
+              </a:rPr>
+              <a:t> </a:t>
+            </a:r>
+            <a:r>
+              <a:rPr lang="en-US" sz="2400" dirty="0" err="1">
+                <a:latin typeface="Times New Roman" panose="02020603050405020304" pitchFamily="18" charset="0"/>
+                <a:cs typeface="Times New Roman" panose="02020603050405020304" pitchFamily="18" charset="0"/>
+              </a:rPr>
+              <a:t>possono</a:t>
+            </a:r>
+            <a:r>
+              <a:rPr lang="en-US" sz="2400" dirty="0">
+                <a:latin typeface="Times New Roman" panose="02020603050405020304" pitchFamily="18" charset="0"/>
+                <a:cs typeface="Times New Roman" panose="02020603050405020304" pitchFamily="18" charset="0"/>
+              </a:rPr>
+              <a:t>: </a:t>
+            </a:r>
+          </a:p>
+          <a:p>
+            <a:pPr lvl="1">
+              <a:buFontTx/>
+              <a:buChar char="-"/>
+            </a:pPr>
+            <a:r>
+              <a:rPr lang="en-US" sz="2400" dirty="0" err="1">
+                <a:latin typeface="Times New Roman" panose="02020603050405020304" pitchFamily="18" charset="0"/>
+                <a:cs typeface="Times New Roman" panose="02020603050405020304" pitchFamily="18" charset="0"/>
+              </a:rPr>
+              <a:t>muoversi</a:t>
+            </a:r>
+            <a:r>
+              <a:rPr lang="en-US" sz="2400" dirty="0">
+                <a:latin typeface="Times New Roman" panose="02020603050405020304" pitchFamily="18" charset="0"/>
+                <a:cs typeface="Times New Roman" panose="02020603050405020304" pitchFamily="18" charset="0"/>
+              </a:rPr>
+              <a:t> secondo </a:t>
+            </a:r>
+            <a:r>
+              <a:rPr lang="en-US" sz="2400" dirty="0" err="1">
+                <a:latin typeface="Times New Roman" panose="02020603050405020304" pitchFamily="18" charset="0"/>
+                <a:cs typeface="Times New Roman" panose="02020603050405020304" pitchFamily="18" charset="0"/>
+              </a:rPr>
+              <a:t>il</a:t>
+            </a:r>
+            <a:r>
+              <a:rPr lang="en-US" sz="2400" dirty="0">
+                <a:latin typeface="Times New Roman" panose="02020603050405020304" pitchFamily="18" charset="0"/>
+                <a:cs typeface="Times New Roman" panose="02020603050405020304" pitchFamily="18" charset="0"/>
+              </a:rPr>
+              <a:t> </a:t>
+            </a:r>
+            <a:r>
+              <a:rPr lang="en-US" sz="2400" dirty="0" err="1">
+                <a:latin typeface="Times New Roman" panose="02020603050405020304" pitchFamily="18" charset="0"/>
+                <a:cs typeface="Times New Roman" panose="02020603050405020304" pitchFamily="18" charset="0"/>
+              </a:rPr>
+              <a:t>modello</a:t>
+            </a:r>
+            <a:r>
+              <a:rPr lang="en-US" sz="2400" dirty="0">
+                <a:latin typeface="Times New Roman" panose="02020603050405020304" pitchFamily="18" charset="0"/>
+                <a:cs typeface="Times New Roman" panose="02020603050405020304" pitchFamily="18" charset="0"/>
+              </a:rPr>
+              <a:t> </a:t>
+            </a:r>
+            <a:r>
+              <a:rPr lang="en-US" sz="2400" dirty="0" err="1">
+                <a:latin typeface="Times New Roman" panose="02020603050405020304" pitchFamily="18" charset="0"/>
+                <a:cs typeface="Times New Roman" panose="02020603050405020304" pitchFamily="18" charset="0"/>
+              </a:rPr>
+              <a:t>classico</a:t>
+            </a:r>
+            <a:r>
+              <a:rPr lang="en-US" sz="2400" dirty="0">
+                <a:latin typeface="Times New Roman" panose="02020603050405020304" pitchFamily="18" charset="0"/>
+                <a:cs typeface="Times New Roman" panose="02020603050405020304" pitchFamily="18" charset="0"/>
+              </a:rPr>
+              <a:t> di PSO;</a:t>
+            </a:r>
+          </a:p>
+          <a:p>
+            <a:pPr lvl="1">
+              <a:buFontTx/>
+              <a:buChar char="-"/>
+            </a:pPr>
+            <a:r>
+              <a:rPr lang="en-US" sz="2400" dirty="0" err="1">
+                <a:latin typeface="Times New Roman" panose="02020603050405020304" pitchFamily="18" charset="0"/>
+                <a:cs typeface="Times New Roman" panose="02020603050405020304" pitchFamily="18" charset="0"/>
+              </a:rPr>
+              <a:t>seguire</a:t>
+            </a:r>
+            <a:r>
+              <a:rPr lang="en-US" sz="2400" dirty="0">
+                <a:latin typeface="Times New Roman" panose="02020603050405020304" pitchFamily="18" charset="0"/>
+                <a:cs typeface="Times New Roman" panose="02020603050405020304" pitchFamily="18" charset="0"/>
+              </a:rPr>
+              <a:t> </a:t>
+            </a:r>
+            <a:r>
+              <a:rPr lang="en-US" sz="2400" dirty="0" err="1">
+                <a:latin typeface="Times New Roman" panose="02020603050405020304" pitchFamily="18" charset="0"/>
+                <a:cs typeface="Times New Roman" panose="02020603050405020304" pitchFamily="18" charset="0"/>
+              </a:rPr>
+              <a:t>il</a:t>
+            </a:r>
+            <a:r>
+              <a:rPr lang="en-US" sz="2400" dirty="0">
+                <a:latin typeface="Times New Roman" panose="02020603050405020304" pitchFamily="18" charset="0"/>
+                <a:cs typeface="Times New Roman" panose="02020603050405020304" pitchFamily="18" charset="0"/>
+              </a:rPr>
+              <a:t> </a:t>
+            </a:r>
+            <a:r>
+              <a:rPr lang="en-US" sz="2400" dirty="0" err="1">
+                <a:latin typeface="Times New Roman" panose="02020603050405020304" pitchFamily="18" charset="0"/>
+                <a:cs typeface="Times New Roman" panose="02020603050405020304" pitchFamily="18" charset="0"/>
+              </a:rPr>
+              <a:t>processo</a:t>
+            </a:r>
+            <a:r>
+              <a:rPr lang="en-US" sz="2400" dirty="0">
+                <a:latin typeface="Times New Roman" panose="02020603050405020304" pitchFamily="18" charset="0"/>
+                <a:cs typeface="Times New Roman" panose="02020603050405020304" pitchFamily="18" charset="0"/>
+              </a:rPr>
+              <a:t> di </a:t>
+            </a:r>
+            <a:r>
+              <a:rPr lang="en-US" sz="2400" dirty="0" err="1">
+                <a:latin typeface="Times New Roman" panose="02020603050405020304" pitchFamily="18" charset="0"/>
+                <a:cs typeface="Times New Roman" panose="02020603050405020304" pitchFamily="18" charset="0"/>
+              </a:rPr>
+              <a:t>selezione</a:t>
+            </a:r>
+            <a:r>
+              <a:rPr lang="en-US" sz="2400" dirty="0">
+                <a:latin typeface="Times New Roman" panose="02020603050405020304" pitchFamily="18" charset="0"/>
+                <a:cs typeface="Times New Roman" panose="02020603050405020304" pitchFamily="18" charset="0"/>
+              </a:rPr>
+              <a:t>, </a:t>
+            </a:r>
+            <a:r>
+              <a:rPr lang="en-US" sz="2400" dirty="0" err="1">
+                <a:latin typeface="Times New Roman" panose="02020603050405020304" pitchFamily="18" charset="0"/>
+                <a:cs typeface="Times New Roman" panose="02020603050405020304" pitchFamily="18" charset="0"/>
+              </a:rPr>
+              <a:t>riproduzione</a:t>
+            </a:r>
+            <a:r>
+              <a:rPr lang="en-US" sz="2400" dirty="0">
+                <a:latin typeface="Times New Roman" panose="02020603050405020304" pitchFamily="18" charset="0"/>
+                <a:cs typeface="Times New Roman" panose="02020603050405020304" pitchFamily="18" charset="0"/>
+              </a:rPr>
+              <a:t> e </a:t>
+            </a:r>
+            <a:r>
+              <a:rPr lang="en-US" sz="2400" dirty="0" err="1">
+                <a:latin typeface="Times New Roman" panose="02020603050405020304" pitchFamily="18" charset="0"/>
+                <a:cs typeface="Times New Roman" panose="02020603050405020304" pitchFamily="18" charset="0"/>
+              </a:rPr>
+              <a:t>mutazione</a:t>
+            </a:r>
+            <a:r>
+              <a:rPr lang="en-US" sz="2400" dirty="0">
+                <a:latin typeface="Times New Roman" panose="02020603050405020304" pitchFamily="18" charset="0"/>
+                <a:cs typeface="Times New Roman" panose="02020603050405020304" pitchFamily="18" charset="0"/>
+              </a:rPr>
+              <a:t> </a:t>
+            </a:r>
+            <a:r>
+              <a:rPr lang="en-US" sz="2400" dirty="0" err="1">
+                <a:latin typeface="Times New Roman" panose="02020603050405020304" pitchFamily="18" charset="0"/>
+                <a:cs typeface="Times New Roman" panose="02020603050405020304" pitchFamily="18" charset="0"/>
+              </a:rPr>
+              <a:t>tipico</a:t>
+            </a:r>
+            <a:r>
+              <a:rPr lang="en-US" sz="2400" dirty="0">
+                <a:latin typeface="Times New Roman" panose="02020603050405020304" pitchFamily="18" charset="0"/>
+                <a:cs typeface="Times New Roman" panose="02020603050405020304" pitchFamily="18" charset="0"/>
+              </a:rPr>
+              <a:t> di </a:t>
+            </a:r>
+            <a:r>
+              <a:rPr lang="en-US" sz="2400" dirty="0" err="1">
+                <a:latin typeface="Times New Roman" panose="02020603050405020304" pitchFamily="18" charset="0"/>
+                <a:cs typeface="Times New Roman" panose="02020603050405020304" pitchFamily="18" charset="0"/>
+              </a:rPr>
+              <a:t>degli</a:t>
+            </a:r>
+            <a:r>
+              <a:rPr lang="en-US" sz="2400" dirty="0">
+                <a:latin typeface="Times New Roman" panose="02020603050405020304" pitchFamily="18" charset="0"/>
+                <a:cs typeface="Times New Roman" panose="02020603050405020304" pitchFamily="18" charset="0"/>
+              </a:rPr>
+              <a:t> </a:t>
+            </a:r>
+            <a:r>
+              <a:rPr lang="en-US" sz="2400" dirty="0" err="1">
+                <a:latin typeface="Times New Roman" panose="02020603050405020304" pitchFamily="18" charset="0"/>
+                <a:cs typeface="Times New Roman" panose="02020603050405020304" pitchFamily="18" charset="0"/>
+              </a:rPr>
+              <a:t>algoritmi</a:t>
+            </a:r>
+            <a:r>
+              <a:rPr lang="en-US" sz="2400" dirty="0">
+                <a:latin typeface="Times New Roman" panose="02020603050405020304" pitchFamily="18" charset="0"/>
+                <a:cs typeface="Times New Roman" panose="02020603050405020304" pitchFamily="18" charset="0"/>
+              </a:rPr>
+              <a:t> </a:t>
+            </a:r>
+            <a:r>
+              <a:rPr lang="en-US" sz="2400" dirty="0" err="1">
+                <a:latin typeface="Times New Roman" panose="02020603050405020304" pitchFamily="18" charset="0"/>
+                <a:cs typeface="Times New Roman" panose="02020603050405020304" pitchFamily="18" charset="0"/>
+              </a:rPr>
+              <a:t>genetici</a:t>
+            </a:r>
+            <a:r>
+              <a:rPr lang="en-US" sz="2400" dirty="0">
+                <a:latin typeface="Times New Roman" panose="02020603050405020304" pitchFamily="18" charset="0"/>
+                <a:cs typeface="Times New Roman" panose="02020603050405020304" pitchFamily="18" charset="0"/>
+              </a:rPr>
+              <a:t>;</a:t>
+            </a:r>
+          </a:p>
+          <a:p>
+            <a:pPr lvl="1">
+              <a:buFontTx/>
+              <a:buChar char="-"/>
+            </a:pPr>
+            <a:r>
+              <a:rPr lang="en-US" sz="2400" dirty="0" err="1">
+                <a:latin typeface="Times New Roman" panose="02020603050405020304" pitchFamily="18" charset="0"/>
+                <a:cs typeface="Times New Roman" panose="02020603050405020304" pitchFamily="18" charset="0"/>
+              </a:rPr>
+              <a:t>si</a:t>
+            </a:r>
+            <a:r>
+              <a:rPr lang="en-US" sz="2400" dirty="0">
+                <a:latin typeface="Times New Roman" panose="02020603050405020304" pitchFamily="18" charset="0"/>
+                <a:cs typeface="Times New Roman" panose="02020603050405020304" pitchFamily="18" charset="0"/>
+              </a:rPr>
+              <a:t> </a:t>
+            </a:r>
+            <a:r>
+              <a:rPr lang="en-US" sz="2400" dirty="0" err="1">
+                <a:latin typeface="Times New Roman" panose="02020603050405020304" pitchFamily="18" charset="0"/>
+                <a:cs typeface="Times New Roman" panose="02020603050405020304" pitchFamily="18" charset="0"/>
+              </a:rPr>
+              <a:t>spostarsi</a:t>
+            </a:r>
+            <a:r>
+              <a:rPr lang="en-US" sz="2400" dirty="0">
+                <a:latin typeface="Times New Roman" panose="02020603050405020304" pitchFamily="18" charset="0"/>
+                <a:cs typeface="Times New Roman" panose="02020603050405020304" pitchFamily="18" charset="0"/>
+              </a:rPr>
+              <a:t> secondo la </a:t>
+            </a:r>
+            <a:r>
+              <a:rPr lang="en-US" sz="2400" dirty="0" err="1">
+                <a:latin typeface="Times New Roman" panose="02020603050405020304" pitchFamily="18" charset="0"/>
+                <a:cs typeface="Times New Roman" panose="02020603050405020304" pitchFamily="18" charset="0"/>
+              </a:rPr>
+              <a:t>metodologia</a:t>
+            </a:r>
+            <a:r>
+              <a:rPr lang="en-US" sz="2400" dirty="0">
+                <a:latin typeface="Times New Roman" panose="02020603050405020304" pitchFamily="18" charset="0"/>
+                <a:cs typeface="Times New Roman" panose="02020603050405020304" pitchFamily="18" charset="0"/>
+              </a:rPr>
+              <a:t> di hill-climbing.</a:t>
+            </a:r>
+            <a:endParaRPr lang="it-IT" sz="2400" dirty="0">
+              <a:latin typeface="Times New Roman" panose="02020603050405020304" pitchFamily="18" charset="0"/>
+              <a:cs typeface="Times New Roman" panose="02020603050405020304" pitchFamily="18" charset="0"/>
+            </a:endParaRPr>
+          </a:p>
+          <a:p>
+            <a:pPr marL="0" indent="0">
+              <a:buNone/>
+            </a:pPr>
+            <a:endParaRPr lang="it-IT" dirty="0">
+              <a:latin typeface="Times New Roman" panose="02020603050405020304" pitchFamily="18" charset="0"/>
+              <a:cs typeface="Times New Roman" panose="02020603050405020304" pitchFamily="18" charset="0"/>
+            </a:endParaRPr>
+          </a:p>
+        </p:txBody>
+      </p:sp>
+    </p:spTree>
+    <p:extLst>
+      <p:ext uri="{BB962C8B-B14F-4D97-AF65-F5344CB8AC3E}">
+        <p14:creationId xmlns:p14="http://schemas.microsoft.com/office/powerpoint/2010/main" val="1213529899"/>
+      </p:ext>
+    </p:extLst>
+  </p:cSld>
+  <p:clrMapOvr>
+    <a:masterClrMapping/>
+  </p:clrMapOvr>
+</p:sld>
+</file>
+
+<file path=ppt/slides/slide31.xml><?xml version="1.0" encoding="utf-8"?>
+<p:sld xmlns:a="http://schemas.openxmlformats.org/drawingml/2006/main" xmlns:r="http://schemas.openxmlformats.org/officeDocument/2006/relationships" xmlns:p="http://schemas.openxmlformats.org/presentationml/2006/main">
+  <p:cSld>
+    <p:spTree>
+      <p:nvGrpSpPr>
+        <p:cNvPr id="1" name=""/>
+        <p:cNvGrpSpPr/>
+        <p:nvPr/>
+      </p:nvGrpSpPr>
+      <p:grpSpPr>
+        <a:xfrm>
+          <a:off x="0" y="0"/>
+          <a:ext cx="0" cy="0"/>
+          <a:chOff x="0" y="0"/>
+          <a:chExt cx="0" cy="0"/>
+        </a:xfrm>
+      </p:grpSpPr>
+      <p:sp>
+        <p:nvSpPr>
+          <p:cNvPr id="2" name="Titolo 1">
+            <a:extLst>
+              <a:ext uri="{FF2B5EF4-FFF2-40B4-BE49-F238E27FC236}">
+                <a16:creationId xmlns:a16="http://schemas.microsoft.com/office/drawing/2014/main" id="{9B270001-51C2-41EB-9C29-8F511B64C1AB}"/>
+              </a:ext>
+            </a:extLst>
+          </p:cNvPr>
+          <p:cNvSpPr>
+            <a:spLocks noGrp="1"/>
+          </p:cNvSpPr>
+          <p:nvPr>
+            <p:ph type="title"/>
+          </p:nvPr>
+        </p:nvSpPr>
+        <p:spPr/>
+        <p:txBody>
+          <a:bodyPr/>
+          <a:lstStyle/>
+          <a:p>
+            <a:pPr algn="ctr"/>
+            <a:r>
+              <a:rPr lang="it-IT" dirty="0">
+                <a:latin typeface="Times New Roman" panose="02020603050405020304" pitchFamily="18" charset="0"/>
+                <a:cs typeface="Times New Roman" panose="02020603050405020304" pitchFamily="18" charset="0"/>
+              </a:rPr>
+              <a:t>PSO per altre categorie di problemi (1)</a:t>
+            </a:r>
+          </a:p>
+        </p:txBody>
+      </p:sp>
+      <p:sp>
+        <p:nvSpPr>
+          <p:cNvPr id="3" name="Segnaposto contenuto 2">
+            <a:extLst>
+              <a:ext uri="{FF2B5EF4-FFF2-40B4-BE49-F238E27FC236}">
+                <a16:creationId xmlns:a16="http://schemas.microsoft.com/office/drawing/2014/main" id="{6B491616-38E2-4246-8E78-B85A90334427}"/>
+              </a:ext>
+            </a:extLst>
+          </p:cNvPr>
+          <p:cNvSpPr>
+            <a:spLocks noGrp="1"/>
+          </p:cNvSpPr>
+          <p:nvPr>
+            <p:ph idx="1"/>
+          </p:nvPr>
+        </p:nvSpPr>
+        <p:spPr/>
+        <p:txBody>
+          <a:bodyPr/>
+          <a:lstStyle/>
+          <a:p>
+            <a:pPr marL="0" indent="0">
+              <a:buNone/>
+            </a:pPr>
+            <a:r>
+              <a:rPr lang="it-IT" dirty="0">
+                <a:latin typeface="Times New Roman" panose="02020603050405020304" pitchFamily="18" charset="0"/>
+                <a:cs typeface="Times New Roman" panose="02020603050405020304" pitchFamily="18" charset="0"/>
+              </a:rPr>
+              <a:t>PSO usata con successo anche per risolvere:</a:t>
+            </a:r>
+          </a:p>
+          <a:p>
+            <a:pPr marL="0" indent="0">
+              <a:buNone/>
+            </a:pPr>
+            <a:endParaRPr lang="it-IT" dirty="0">
+              <a:latin typeface="Times New Roman" panose="02020603050405020304" pitchFamily="18" charset="0"/>
+              <a:cs typeface="Times New Roman" panose="02020603050405020304" pitchFamily="18" charset="0"/>
+            </a:endParaRPr>
+          </a:p>
+          <a:p>
+            <a:r>
+              <a:rPr lang="it-IT" dirty="0">
+                <a:latin typeface="Times New Roman" panose="02020603050405020304" pitchFamily="18" charset="0"/>
+                <a:cs typeface="Times New Roman" panose="02020603050405020304" pitchFamily="18" charset="0"/>
+              </a:rPr>
+              <a:t>Problemi a parametri di dominio intero:</a:t>
+            </a:r>
+            <a:br>
+              <a:rPr lang="it-IT" dirty="0">
+                <a:latin typeface="Times New Roman" panose="02020603050405020304" pitchFamily="18" charset="0"/>
+                <a:cs typeface="Times New Roman" panose="02020603050405020304" pitchFamily="18" charset="0"/>
+              </a:rPr>
+            </a:br>
+            <a:r>
+              <a:rPr lang="it-IT" dirty="0">
+                <a:latin typeface="Times New Roman" panose="02020603050405020304" pitchFamily="18" charset="0"/>
+                <a:cs typeface="Times New Roman" panose="02020603050405020304" pitchFamily="18" charset="0"/>
+              </a:rPr>
+              <a:t>- È risultato efficace semplicemente troncare la parte decimale della posizione delle particelle;</a:t>
+            </a:r>
+            <a:br>
+              <a:rPr lang="it-IT" dirty="0">
+                <a:latin typeface="Times New Roman" panose="02020603050405020304" pitchFamily="18" charset="0"/>
+                <a:cs typeface="Times New Roman" panose="02020603050405020304" pitchFamily="18" charset="0"/>
+              </a:rPr>
+            </a:br>
+            <a:r>
+              <a:rPr lang="it-IT" dirty="0">
+                <a:latin typeface="Times New Roman" panose="02020603050405020304" pitchFamily="18" charset="0"/>
+                <a:cs typeface="Times New Roman" panose="02020603050405020304" pitchFamily="18" charset="0"/>
+              </a:rPr>
+              <a:t>- Penalty method utilizzabili per penalizzare una parte decimale non nulla.</a:t>
+            </a:r>
+            <a:br>
+              <a:rPr lang="it-IT" dirty="0">
+                <a:latin typeface="Times New Roman" panose="02020603050405020304" pitchFamily="18" charset="0"/>
+                <a:cs typeface="Times New Roman" panose="02020603050405020304" pitchFamily="18" charset="0"/>
+              </a:rPr>
+            </a:br>
+            <a:endParaRPr lang="it-IT" dirty="0">
+              <a:latin typeface="Times New Roman" panose="02020603050405020304" pitchFamily="18" charset="0"/>
+              <a:cs typeface="Times New Roman" panose="02020603050405020304" pitchFamily="18" charset="0"/>
+            </a:endParaRPr>
+          </a:p>
+          <a:p>
+            <a:r>
+              <a:rPr lang="it-IT" dirty="0">
+                <a:latin typeface="Times New Roman" panose="02020603050405020304" pitchFamily="18" charset="0"/>
+                <a:cs typeface="Times New Roman" panose="02020603050405020304" pitchFamily="18" charset="0"/>
+              </a:rPr>
+              <a:t>Problemi vincolati:</a:t>
+            </a:r>
+            <a:br>
+              <a:rPr lang="it-IT" dirty="0">
+                <a:latin typeface="Times New Roman" panose="02020603050405020304" pitchFamily="18" charset="0"/>
+                <a:cs typeface="Times New Roman" panose="02020603050405020304" pitchFamily="18" charset="0"/>
+              </a:rPr>
+            </a:br>
+            <a:r>
+              <a:rPr lang="it-IT" dirty="0">
+                <a:latin typeface="Times New Roman" panose="02020603050405020304" pitchFamily="18" charset="0"/>
+                <a:cs typeface="Times New Roman" panose="02020603050405020304" pitchFamily="18" charset="0"/>
+              </a:rPr>
+              <a:t>- Penalità sulla violazione di vincoli;</a:t>
+            </a:r>
+            <a:br>
+              <a:rPr lang="it-IT" dirty="0">
+                <a:latin typeface="Times New Roman" panose="02020603050405020304" pitchFamily="18" charset="0"/>
+                <a:cs typeface="Times New Roman" panose="02020603050405020304" pitchFamily="18" charset="0"/>
+              </a:rPr>
+            </a:br>
+            <a:r>
+              <a:rPr lang="it-IT" dirty="0">
+                <a:latin typeface="Times New Roman" panose="02020603050405020304" pitchFamily="18" charset="0"/>
+                <a:cs typeface="Times New Roman" panose="02020603050405020304" pitchFamily="18" charset="0"/>
+              </a:rPr>
+              <a:t>- Posizioni che non rispettano i vincoli ignorate nel calcolo delle posizioni migliori individuale e globale.</a:t>
+            </a:r>
+          </a:p>
+        </p:txBody>
+      </p:sp>
+    </p:spTree>
+    <p:extLst>
+      <p:ext uri="{BB962C8B-B14F-4D97-AF65-F5344CB8AC3E}">
+        <p14:creationId xmlns:p14="http://schemas.microsoft.com/office/powerpoint/2010/main" val="2999176303"/>
+      </p:ext>
+    </p:extLst>
+  </p:cSld>
+  <p:clrMapOvr>
+    <a:masterClrMapping/>
+  </p:clrMapOvr>
+</p:sld>
+</file>
+
+<file path=ppt/slides/slide32.xml><?xml version="1.0" encoding="utf-8"?>
+<p:sld xmlns:a="http://schemas.openxmlformats.org/drawingml/2006/main" xmlns:r="http://schemas.openxmlformats.org/officeDocument/2006/relationships" xmlns:p="http://schemas.openxmlformats.org/presentationml/2006/main">
+  <p:cSld>
+    <p:spTree>
+      <p:nvGrpSpPr>
+        <p:cNvPr id="1" name=""/>
+        <p:cNvGrpSpPr/>
+        <p:nvPr/>
+      </p:nvGrpSpPr>
+      <p:grpSpPr>
+        <a:xfrm>
+          <a:off x="0" y="0"/>
+          <a:ext cx="0" cy="0"/>
+          <a:chOff x="0" y="0"/>
+          <a:chExt cx="0" cy="0"/>
+        </a:xfrm>
+      </p:grpSpPr>
+      <p:sp>
+        <p:nvSpPr>
+          <p:cNvPr id="2" name="Titolo 1">
+            <a:extLst>
+              <a:ext uri="{FF2B5EF4-FFF2-40B4-BE49-F238E27FC236}">
+                <a16:creationId xmlns:a16="http://schemas.microsoft.com/office/drawing/2014/main" id="{9B270001-51C2-41EB-9C29-8F511B64C1AB}"/>
+              </a:ext>
+            </a:extLst>
+          </p:cNvPr>
+          <p:cNvSpPr>
+            <a:spLocks noGrp="1"/>
+          </p:cNvSpPr>
+          <p:nvPr>
+            <p:ph type="title"/>
+          </p:nvPr>
+        </p:nvSpPr>
+        <p:spPr/>
+        <p:txBody>
+          <a:bodyPr/>
+          <a:lstStyle/>
+          <a:p>
+            <a:pPr algn="ctr"/>
+            <a:r>
+              <a:rPr lang="it-IT" dirty="0">
+                <a:latin typeface="Times New Roman" panose="02020603050405020304" pitchFamily="18" charset="0"/>
+                <a:cs typeface="Times New Roman" panose="02020603050405020304" pitchFamily="18" charset="0"/>
+              </a:rPr>
+              <a:t>PSO per altre categorie di problemi (2)</a:t>
+            </a:r>
+          </a:p>
+        </p:txBody>
+      </p:sp>
+      <p:sp>
+        <p:nvSpPr>
+          <p:cNvPr id="3" name="Segnaposto contenuto 2">
+            <a:extLst>
+              <a:ext uri="{FF2B5EF4-FFF2-40B4-BE49-F238E27FC236}">
+                <a16:creationId xmlns:a16="http://schemas.microsoft.com/office/drawing/2014/main" id="{6B491616-38E2-4246-8E78-B85A90334427}"/>
+              </a:ext>
+            </a:extLst>
+          </p:cNvPr>
+          <p:cNvSpPr>
+            <a:spLocks noGrp="1"/>
+          </p:cNvSpPr>
+          <p:nvPr>
+            <p:ph idx="1"/>
+          </p:nvPr>
+        </p:nvSpPr>
+        <p:spPr/>
+        <p:txBody>
+          <a:bodyPr/>
+          <a:lstStyle/>
+          <a:p>
+            <a:pPr marL="0" indent="0">
+              <a:buNone/>
+            </a:pPr>
+            <a:endParaRPr lang="it-IT" dirty="0">
+              <a:latin typeface="Times New Roman" panose="02020603050405020304" pitchFamily="18" charset="0"/>
+              <a:cs typeface="Times New Roman" panose="02020603050405020304" pitchFamily="18" charset="0"/>
+            </a:endParaRPr>
+          </a:p>
+          <a:p>
+            <a:r>
+              <a:rPr lang="it-IT" dirty="0">
+                <a:latin typeface="Times New Roman" panose="02020603050405020304" pitchFamily="18" charset="0"/>
+                <a:cs typeface="Times New Roman" panose="02020603050405020304" pitchFamily="18" charset="0"/>
+              </a:rPr>
+              <a:t>Problemi multi-obiettivo:</a:t>
+            </a:r>
+            <a:br>
+              <a:rPr lang="it-IT" dirty="0">
+                <a:latin typeface="Times New Roman" panose="02020603050405020304" pitchFamily="18" charset="0"/>
+                <a:cs typeface="Times New Roman" panose="02020603050405020304" pitchFamily="18" charset="0"/>
+              </a:rPr>
+            </a:br>
+            <a:r>
+              <a:rPr lang="it-IT" dirty="0">
+                <a:latin typeface="Times New Roman" panose="02020603050405020304" pitchFamily="18" charset="0"/>
+                <a:cs typeface="Times New Roman" panose="02020603050405020304" pitchFamily="18" charset="0"/>
+              </a:rPr>
+              <a:t>- Si può utilizzare un archivio delle soluzioni migliori (analogamente a quanto visto prima con SPEA-2);</a:t>
+            </a:r>
+            <a:br>
+              <a:rPr lang="it-IT" dirty="0">
+                <a:latin typeface="Times New Roman" panose="02020603050405020304" pitchFamily="18" charset="0"/>
+                <a:cs typeface="Times New Roman" panose="02020603050405020304" pitchFamily="18" charset="0"/>
+              </a:rPr>
+            </a:br>
+            <a:br>
+              <a:rPr lang="it-IT" dirty="0">
+                <a:latin typeface="Times New Roman" panose="02020603050405020304" pitchFamily="18" charset="0"/>
+                <a:cs typeface="Times New Roman" panose="02020603050405020304" pitchFamily="18" charset="0"/>
+              </a:rPr>
+            </a:br>
+            <a:r>
+              <a:rPr lang="it-IT" dirty="0">
+                <a:latin typeface="Times New Roman" panose="02020603050405020304" pitchFamily="18" charset="0"/>
+                <a:cs typeface="Times New Roman" panose="02020603050405020304" pitchFamily="18" charset="0"/>
+              </a:rPr>
+              <a:t>- Diverse strategie di scelta degli ottimi a livello di singole particelle:</a:t>
+            </a:r>
+            <a:br>
+              <a:rPr lang="it-IT" dirty="0">
+                <a:latin typeface="Times New Roman" panose="02020603050405020304" pitchFamily="18" charset="0"/>
+                <a:cs typeface="Times New Roman" panose="02020603050405020304" pitchFamily="18" charset="0"/>
+              </a:rPr>
+            </a:br>
+            <a:r>
+              <a:rPr lang="it-IT" dirty="0">
+                <a:latin typeface="Times New Roman" panose="02020603050405020304" pitchFamily="18" charset="0"/>
+                <a:cs typeface="Times New Roman" panose="02020603050405020304" pitchFamily="18" charset="0"/>
+              </a:rPr>
+              <a:t>	- Ogni particella influenzata da un diverso ottimo paretiano;</a:t>
+            </a:r>
+            <a:br>
+              <a:rPr lang="it-IT" dirty="0">
+                <a:latin typeface="Times New Roman" panose="02020603050405020304" pitchFamily="18" charset="0"/>
+                <a:cs typeface="Times New Roman" panose="02020603050405020304" pitchFamily="18" charset="0"/>
+              </a:rPr>
+            </a:br>
+            <a:r>
+              <a:rPr lang="it-IT" dirty="0">
+                <a:latin typeface="Times New Roman" panose="02020603050405020304" pitchFamily="18" charset="0"/>
+                <a:cs typeface="Times New Roman" panose="02020603050405020304" pitchFamily="18" charset="0"/>
+              </a:rPr>
+              <a:t>	- Ogni particella influenzata da un ottimo rispetto a un diverso 		      obiettivo;</a:t>
+            </a:r>
+            <a:br>
+              <a:rPr lang="it-IT" dirty="0">
+                <a:latin typeface="Times New Roman" panose="02020603050405020304" pitchFamily="18" charset="0"/>
+                <a:cs typeface="Times New Roman" panose="02020603050405020304" pitchFamily="18" charset="0"/>
+              </a:rPr>
+            </a:br>
+            <a:r>
+              <a:rPr lang="it-IT" dirty="0">
+                <a:latin typeface="Times New Roman" panose="02020603050405020304" pitchFamily="18" charset="0"/>
+                <a:cs typeface="Times New Roman" panose="02020603050405020304" pitchFamily="18" charset="0"/>
+              </a:rPr>
+              <a:t>	- Particelle influenzabili sia da membri della popolazione 		      corrente che dell’archivio.</a:t>
+            </a:r>
+          </a:p>
+        </p:txBody>
+      </p:sp>
+    </p:spTree>
+    <p:extLst>
+      <p:ext uri="{BB962C8B-B14F-4D97-AF65-F5344CB8AC3E}">
+        <p14:creationId xmlns:p14="http://schemas.microsoft.com/office/powerpoint/2010/main" val="1927962934"/>
+      </p:ext>
+    </p:extLst>
+  </p:cSld>
+  <p:clrMapOvr>
+    <a:masterClrMapping/>
+  </p:clrMapOvr>
+</p:sld>
+</file>
+
+<file path=ppt/slides/slide33.xml><?xml version="1.0" encoding="utf-8"?>
+<p:sld xmlns:a="http://schemas.openxmlformats.org/drawingml/2006/main" xmlns:r="http://schemas.openxmlformats.org/officeDocument/2006/relationships" xmlns:p="http://schemas.openxmlformats.org/presentationml/2006/main">
+  <p:cSld>
+    <p:spTree>
+      <p:nvGrpSpPr>
+        <p:cNvPr id="1" name=""/>
+        <p:cNvGrpSpPr/>
+        <p:nvPr/>
+      </p:nvGrpSpPr>
+      <p:grpSpPr>
+        <a:xfrm>
+          <a:off x="0" y="0"/>
+          <a:ext cx="0" cy="0"/>
+          <a:chOff x="0" y="0"/>
+          <a:chExt cx="0" cy="0"/>
+        </a:xfrm>
+      </p:grpSpPr>
+      <p:sp>
+        <p:nvSpPr>
+          <p:cNvPr id="2" name="Titolo 1">
+            <a:extLst>
+              <a:ext uri="{FF2B5EF4-FFF2-40B4-BE49-F238E27FC236}">
+                <a16:creationId xmlns:a16="http://schemas.microsoft.com/office/drawing/2014/main" id="{DE9C7F13-ECA7-4827-85C1-6A72E85C2D3C}"/>
+              </a:ext>
+            </a:extLst>
+          </p:cNvPr>
+          <p:cNvSpPr>
+            <a:spLocks noGrp="1"/>
+          </p:cNvSpPr>
+          <p:nvPr>
+            <p:ph type="title"/>
+          </p:nvPr>
+        </p:nvSpPr>
+        <p:spPr/>
+        <p:txBody>
+          <a:bodyPr/>
+          <a:lstStyle/>
+          <a:p>
+            <a:pPr algn="ctr"/>
+            <a:r>
+              <a:rPr lang="it-IT" dirty="0">
+                <a:latin typeface="Times New Roman" panose="02020603050405020304" pitchFamily="18" charset="0"/>
+                <a:cs typeface="Times New Roman" panose="02020603050405020304" pitchFamily="18" charset="0"/>
+              </a:rPr>
+              <a:t>Implementazione di alcuni algoritmi</a:t>
+            </a:r>
+          </a:p>
+        </p:txBody>
+      </p:sp>
+      <p:sp>
+        <p:nvSpPr>
+          <p:cNvPr id="3" name="Segnaposto contenuto 2">
+            <a:extLst>
+              <a:ext uri="{FF2B5EF4-FFF2-40B4-BE49-F238E27FC236}">
+                <a16:creationId xmlns:a16="http://schemas.microsoft.com/office/drawing/2014/main" id="{AA5D39B2-F069-43E6-AED2-7C4A1F5088BE}"/>
+              </a:ext>
+            </a:extLst>
+          </p:cNvPr>
+          <p:cNvSpPr>
+            <a:spLocks noGrp="1"/>
+          </p:cNvSpPr>
+          <p:nvPr>
+            <p:ph idx="1"/>
+          </p:nvPr>
+        </p:nvSpPr>
+        <p:spPr/>
+        <p:txBody>
+          <a:bodyPr>
+            <a:normAutofit/>
+          </a:bodyPr>
+          <a:lstStyle/>
+          <a:p>
+            <a:r>
+              <a:rPr lang="it-IT" sz="2400" dirty="0">
+                <a:latin typeface="Times New Roman" panose="02020603050405020304" pitchFamily="18" charset="0"/>
+                <a:ea typeface="CMU Serif" panose="02000603000000000000" pitchFamily="2" charset="0"/>
+                <a:cs typeface="Times New Roman" panose="02020603050405020304" pitchFamily="18" charset="0"/>
+              </a:rPr>
+              <a:t>Semplice framework didattico per l’implementazione di algoritmi </a:t>
+            </a:r>
+            <a:r>
+              <a:rPr lang="it-IT" sz="2400" dirty="0" err="1">
+                <a:latin typeface="Times New Roman" panose="02020603050405020304" pitchFamily="18" charset="0"/>
+                <a:ea typeface="CMU Serif" panose="02000603000000000000" pitchFamily="2" charset="0"/>
+                <a:cs typeface="Times New Roman" panose="02020603050405020304" pitchFamily="18" charset="0"/>
+              </a:rPr>
+              <a:t>metaeuristici</a:t>
+            </a:r>
+            <a:r>
+              <a:rPr lang="it-IT" sz="2400" dirty="0">
+                <a:latin typeface="Times New Roman" panose="02020603050405020304" pitchFamily="18" charset="0"/>
+                <a:ea typeface="CMU Serif" panose="02000603000000000000" pitchFamily="2" charset="0"/>
+                <a:cs typeface="Times New Roman" panose="02020603050405020304" pitchFamily="18" charset="0"/>
+              </a:rPr>
+              <a:t>, tra cui SPEA-2 e PSO</a:t>
+            </a:r>
+            <a:br>
+              <a:rPr lang="it-IT" sz="2400" dirty="0">
+                <a:latin typeface="Times New Roman" panose="02020603050405020304" pitchFamily="18" charset="0"/>
+                <a:ea typeface="CMU Serif" panose="02000603000000000000" pitchFamily="2" charset="0"/>
+                <a:cs typeface="Times New Roman" panose="02020603050405020304" pitchFamily="18" charset="0"/>
+              </a:rPr>
+            </a:br>
+            <a:br>
+              <a:rPr lang="it-IT" sz="2400" dirty="0">
+                <a:latin typeface="Times New Roman" panose="02020603050405020304" pitchFamily="18" charset="0"/>
+                <a:ea typeface="CMU Serif" panose="02000603000000000000" pitchFamily="2" charset="0"/>
+                <a:cs typeface="Times New Roman" panose="02020603050405020304" pitchFamily="18" charset="0"/>
+              </a:rPr>
+            </a:br>
+            <a:br>
+              <a:rPr lang="it-IT" sz="2400" dirty="0">
+                <a:latin typeface="Times New Roman" panose="02020603050405020304" pitchFamily="18" charset="0"/>
+                <a:ea typeface="CMU Serif" panose="02000603000000000000" pitchFamily="2" charset="0"/>
+                <a:cs typeface="Times New Roman" panose="02020603050405020304" pitchFamily="18" charset="0"/>
+              </a:rPr>
+            </a:br>
+            <a:endParaRPr lang="it-IT" sz="2400" dirty="0">
+              <a:latin typeface="Times New Roman" panose="02020603050405020304" pitchFamily="18" charset="0"/>
+              <a:ea typeface="CMU Serif" panose="02000603000000000000" pitchFamily="2" charset="0"/>
+              <a:cs typeface="Times New Roman" panose="02020603050405020304" pitchFamily="18" charset="0"/>
+            </a:endParaRPr>
+          </a:p>
+          <a:p>
+            <a:r>
+              <a:rPr lang="it-IT" sz="2400" dirty="0">
+                <a:latin typeface="Times New Roman" panose="02020603050405020304" pitchFamily="18" charset="0"/>
+                <a:ea typeface="CMU Serif" panose="02000603000000000000" pitchFamily="2" charset="0"/>
+                <a:cs typeface="Times New Roman" panose="02020603050405020304" pitchFamily="18" charset="0"/>
+              </a:rPr>
+              <a:t>Disponibile insieme a questa presentazione e ad una relazione più estesa a </a:t>
+            </a:r>
+            <a:r>
+              <a:rPr lang="it-IT" sz="2400" dirty="0">
+                <a:latin typeface="Times New Roman" panose="02020603050405020304" pitchFamily="18" charset="0"/>
+                <a:ea typeface="CMU Serif" panose="02000603000000000000" pitchFamily="2" charset="0"/>
+                <a:cs typeface="Times New Roman" panose="02020603050405020304" pitchFamily="18" charset="0"/>
+                <a:hlinkClick r:id="rId2"/>
+              </a:rPr>
+              <a:t>https://github.com/micferr/OptimizationProject</a:t>
+            </a:r>
+            <a:r>
+              <a:rPr lang="it-IT" sz="2400" dirty="0">
+                <a:latin typeface="Times New Roman" panose="02020603050405020304" pitchFamily="18" charset="0"/>
+                <a:ea typeface="CMU Serif" panose="02000603000000000000" pitchFamily="2" charset="0"/>
+                <a:cs typeface="Times New Roman" panose="02020603050405020304" pitchFamily="18" charset="0"/>
+              </a:rPr>
+              <a:t>.</a:t>
+            </a:r>
+          </a:p>
+        </p:txBody>
+      </p:sp>
+    </p:spTree>
+    <p:extLst>
+      <p:ext uri="{BB962C8B-B14F-4D97-AF65-F5344CB8AC3E}">
+        <p14:creationId xmlns:p14="http://schemas.microsoft.com/office/powerpoint/2010/main" val="37458683"/>
+      </p:ext>
+    </p:extLst>
+  </p:cSld>
+  <p:clrMapOvr>
+    <a:masterClrMapping/>
+  </p:clrMapOvr>
+</p:sld>
+</file>
+
+<file path=ppt/slides/slide34.xml><?xml version="1.0" encoding="utf-8"?>
+<p:sld xmlns:a="http://schemas.openxmlformats.org/drawingml/2006/main" xmlns:r="http://schemas.openxmlformats.org/officeDocument/2006/relationships" xmlns:p="http://schemas.openxmlformats.org/presentationml/2006/main">
+  <p:cSld>
+    <p:spTree>
+      <p:nvGrpSpPr>
+        <p:cNvPr id="1" name=""/>
+        <p:cNvGrpSpPr/>
+        <p:nvPr/>
+      </p:nvGrpSpPr>
+      <p:grpSpPr>
+        <a:xfrm>
+          <a:off x="0" y="0"/>
+          <a:ext cx="0" cy="0"/>
+          <a:chOff x="0" y="0"/>
+          <a:chExt cx="0" cy="0"/>
+        </a:xfrm>
+      </p:grpSpPr>
+      <p:sp>
+        <p:nvSpPr>
+          <p:cNvPr id="2" name="Titolo 1">
+            <a:extLst>
+              <a:ext uri="{FF2B5EF4-FFF2-40B4-BE49-F238E27FC236}">
+                <a16:creationId xmlns:a16="http://schemas.microsoft.com/office/drawing/2014/main" id="{690A0C45-1EB4-4280-8F87-BD804EADD936}"/>
+              </a:ext>
+            </a:extLst>
+          </p:cNvPr>
+          <p:cNvSpPr>
+            <a:spLocks noGrp="1"/>
+          </p:cNvSpPr>
+          <p:nvPr>
+            <p:ph type="title"/>
+          </p:nvPr>
+        </p:nvSpPr>
+        <p:spPr/>
+        <p:txBody>
+          <a:bodyPr/>
+          <a:lstStyle/>
+          <a:p>
+            <a:endParaRPr lang="it-IT"/>
+          </a:p>
+        </p:txBody>
+      </p:sp>
+      <p:sp>
+        <p:nvSpPr>
+          <p:cNvPr id="3" name="Segnaposto contenuto 2">
+            <a:extLst>
+              <a:ext uri="{FF2B5EF4-FFF2-40B4-BE49-F238E27FC236}">
+                <a16:creationId xmlns:a16="http://schemas.microsoft.com/office/drawing/2014/main" id="{3A065AE5-D961-4574-98DA-B088BC1879EF}"/>
+              </a:ext>
+            </a:extLst>
+          </p:cNvPr>
+          <p:cNvSpPr>
+            <a:spLocks noGrp="1"/>
+          </p:cNvSpPr>
+          <p:nvPr>
+            <p:ph idx="1"/>
+          </p:nvPr>
+        </p:nvSpPr>
+        <p:spPr/>
+        <p:txBody>
+          <a:bodyPr/>
+          <a:lstStyle/>
+          <a:p>
+            <a:endParaRPr lang="it-IT"/>
+          </a:p>
+        </p:txBody>
+      </p:sp>
+    </p:spTree>
+    <p:extLst>
+      <p:ext uri="{BB962C8B-B14F-4D97-AF65-F5344CB8AC3E}">
+        <p14:creationId xmlns:p14="http://schemas.microsoft.com/office/powerpoint/2010/main" val="1604668267"/>
       </p:ext>
     </p:extLst>
   </p:cSld>

--- a/Presentation/Presentazione.pptx
+++ b/Presentation/Presentazione.pptx
@@ -5,7 +5,7 @@
     <p:sldMasterId id="2147483701" r:id="rId1"/>
   </p:sldMasterIdLst>
   <p:notesMasterIdLst>
-    <p:notesMasterId r:id="rId36"/>
+    <p:notesMasterId r:id="rId44"/>
   </p:notesMasterIdLst>
   <p:sldIdLst>
     <p:sldId id="256" r:id="rId2"/>
@@ -42,6 +42,14 @@
     <p:sldId id="287" r:id="rId33"/>
     <p:sldId id="288" r:id="rId34"/>
     <p:sldId id="289" r:id="rId35"/>
+    <p:sldId id="290" r:id="rId36"/>
+    <p:sldId id="291" r:id="rId37"/>
+    <p:sldId id="292" r:id="rId38"/>
+    <p:sldId id="293" r:id="rId39"/>
+    <p:sldId id="294" r:id="rId40"/>
+    <p:sldId id="295" r:id="rId41"/>
+    <p:sldId id="296" r:id="rId42"/>
+    <p:sldId id="297" r:id="rId43"/>
   </p:sldIdLst>
   <p:sldSz cx="9144000" cy="6858000" type="screen4x3"/>
   <p:notesSz cx="6858000" cy="9144000"/>
@@ -10930,7 +10938,7 @@
                 <a:ea typeface="CMU Serif" panose="02000603000000000000" pitchFamily="2" charset="0"/>
                 <a:cs typeface="Times New Roman" panose="02020603050405020304" pitchFamily="18" charset="0"/>
               </a:rPr>
-              <a:t>, tra cui SPEA-2 e PSO</a:t>
+              <a:t>, tra cui SPEA-2 e PSO.</a:t>
             </a:r>
             <a:br>
               <a:rPr lang="it-IT" sz="2400" dirty="0">
@@ -11039,7 +11047,14 @@
           <a:bodyPr/>
           <a:lstStyle/>
           <a:p>
-            <a:endParaRPr lang="it-IT"/>
+            <a:pPr algn="ctr"/>
+            <a:r>
+              <a:rPr lang="it-IT" dirty="0">
+                <a:latin typeface="Times New Roman" panose="02020603050405020304" pitchFamily="18" charset="0"/>
+                <a:cs typeface="Times New Roman" panose="02020603050405020304" pitchFamily="18" charset="0"/>
+              </a:rPr>
+              <a:t>N-Queens (1)</a:t>
+            </a:r>
           </a:p>
         </p:txBody>
       </p:sp>
@@ -11061,10 +11076,69 @@
         </p:nvSpPr>
         <p:spPr/>
         <p:txBody>
-          <a:bodyPr/>
+          <a:bodyPr>
+            <a:normAutofit lnSpcReduction="10000"/>
+          </a:bodyPr>
           <a:lstStyle/>
           <a:p>
-            <a:endParaRPr lang="it-IT"/>
+            <a:pPr marL="0" indent="0">
+              <a:buNone/>
+            </a:pPr>
+            <a:r>
+              <a:rPr lang="it-IT" dirty="0">
+                <a:latin typeface="Times New Roman" panose="02020603050405020304" pitchFamily="18" charset="0"/>
+                <a:cs typeface="Times New Roman" panose="02020603050405020304" pitchFamily="18" charset="0"/>
+              </a:rPr>
+              <a:t>Riducibile a un problema di ottimizzazione, affrontato tramite PSO. vogliamo minimizzare una funzione obiettivo determinata esclusivamente dal numero di attacchi tra regine, più una forte penalità per valori non interi dei parametri (possibile miglioramento: usare varianti di PSO per valori interi).</a:t>
+            </a:r>
+          </a:p>
+          <a:p>
+            <a:pPr marL="0" indent="0">
+              <a:buNone/>
+            </a:pPr>
+            <a:endParaRPr lang="it-IT" dirty="0">
+              <a:latin typeface="Times New Roman" panose="02020603050405020304" pitchFamily="18" charset="0"/>
+              <a:cs typeface="Times New Roman" panose="02020603050405020304" pitchFamily="18" charset="0"/>
+            </a:endParaRPr>
+          </a:p>
+          <a:p>
+            <a:pPr marL="0" indent="0">
+              <a:buNone/>
+            </a:pPr>
+            <a:r>
+              <a:rPr lang="it-IT" dirty="0">
+                <a:latin typeface="Times New Roman" panose="02020603050405020304" pitchFamily="18" charset="0"/>
+                <a:cs typeface="Times New Roman" panose="02020603050405020304" pitchFamily="18" charset="0"/>
+              </a:rPr>
+              <a:t>Nelle prove effettuate:</a:t>
+            </a:r>
+          </a:p>
+          <a:p>
+            <a:r>
+              <a:rPr lang="it-IT" dirty="0">
+                <a:latin typeface="Times New Roman" panose="02020603050405020304" pitchFamily="18" charset="0"/>
+                <a:cs typeface="Times New Roman" panose="02020603050405020304" pitchFamily="18" charset="0"/>
+              </a:rPr>
+              <a:t> 200 particelle per 100 iterazioni risolvono praticamente sempre il problema di taglia 4;</a:t>
+            </a:r>
+          </a:p>
+          <a:p>
+            <a:r>
+              <a:rPr lang="it-IT" dirty="0">
+                <a:latin typeface="Times New Roman" panose="02020603050405020304" pitchFamily="18" charset="0"/>
+                <a:cs typeface="Times New Roman" panose="02020603050405020304" pitchFamily="18" charset="0"/>
+              </a:rPr>
+              <a:t>200 particelle per 500 iterazioni risolvono 8-queens circa il 50% delle volte;</a:t>
+            </a:r>
+          </a:p>
+          <a:p>
+            <a:r>
+              <a:rPr lang="it-IT" dirty="0">
+                <a:latin typeface="Times New Roman" panose="02020603050405020304" pitchFamily="18" charset="0"/>
+                <a:cs typeface="Times New Roman" panose="02020603050405020304" pitchFamily="18" charset="0"/>
+              </a:rPr>
+              <a:t>Anche aumentando sensibilmente il numero di particelle e iterazioni e modificando i pesi delle diverse penalità non si risolve mai (salvo casi rarissimi) nemmeno 16-queens.</a:t>
+            </a:r>
           </a:p>
         </p:txBody>
       </p:sp>
@@ -11072,6 +11146,1391 @@
     <p:extLst>
       <p:ext uri="{BB962C8B-B14F-4D97-AF65-F5344CB8AC3E}">
         <p14:creationId xmlns:p14="http://schemas.microsoft.com/office/powerpoint/2010/main" val="1604668267"/>
+      </p:ext>
+    </p:extLst>
+  </p:cSld>
+  <p:clrMapOvr>
+    <a:masterClrMapping/>
+  </p:clrMapOvr>
+</p:sld>
+</file>
+
+<file path=ppt/slides/slide35.xml><?xml version="1.0" encoding="utf-8"?>
+<p:sld xmlns:a="http://schemas.openxmlformats.org/drawingml/2006/main" xmlns:r="http://schemas.openxmlformats.org/officeDocument/2006/relationships" xmlns:p="http://schemas.openxmlformats.org/presentationml/2006/main">
+  <p:cSld>
+    <p:spTree>
+      <p:nvGrpSpPr>
+        <p:cNvPr id="1" name=""/>
+        <p:cNvGrpSpPr/>
+        <p:nvPr/>
+      </p:nvGrpSpPr>
+      <p:grpSpPr>
+        <a:xfrm>
+          <a:off x="0" y="0"/>
+          <a:ext cx="0" cy="0"/>
+          <a:chOff x="0" y="0"/>
+          <a:chExt cx="0" cy="0"/>
+        </a:xfrm>
+      </p:grpSpPr>
+      <p:sp>
+        <p:nvSpPr>
+          <p:cNvPr id="2" name="Titolo 1">
+            <a:extLst>
+              <a:ext uri="{FF2B5EF4-FFF2-40B4-BE49-F238E27FC236}">
+                <a16:creationId xmlns:a16="http://schemas.microsoft.com/office/drawing/2014/main" id="{690A0C45-1EB4-4280-8F87-BD804EADD936}"/>
+              </a:ext>
+            </a:extLst>
+          </p:cNvPr>
+          <p:cNvSpPr>
+            <a:spLocks noGrp="1"/>
+          </p:cNvSpPr>
+          <p:nvPr>
+            <p:ph type="title"/>
+          </p:nvPr>
+        </p:nvSpPr>
+        <p:spPr/>
+        <p:txBody>
+          <a:bodyPr/>
+          <a:lstStyle/>
+          <a:p>
+            <a:pPr algn="ctr"/>
+            <a:r>
+              <a:rPr lang="it-IT" dirty="0">
+                <a:latin typeface="Times New Roman" panose="02020603050405020304" pitchFamily="18" charset="0"/>
+                <a:cs typeface="Times New Roman" panose="02020603050405020304" pitchFamily="18" charset="0"/>
+              </a:rPr>
+              <a:t>N-Queens (2)</a:t>
+            </a:r>
+          </a:p>
+        </p:txBody>
+      </p:sp>
+      <p:sp>
+        <p:nvSpPr>
+          <p:cNvPr id="3" name="Segnaposto contenuto 2">
+            <a:extLst>
+              <a:ext uri="{FF2B5EF4-FFF2-40B4-BE49-F238E27FC236}">
+                <a16:creationId xmlns:a16="http://schemas.microsoft.com/office/drawing/2014/main" id="{3A065AE5-D961-4574-98DA-B088BC1879EF}"/>
+              </a:ext>
+            </a:extLst>
+          </p:cNvPr>
+          <p:cNvSpPr>
+            <a:spLocks noGrp="1"/>
+          </p:cNvSpPr>
+          <p:nvPr>
+            <p:ph idx="1"/>
+          </p:nvPr>
+        </p:nvSpPr>
+        <p:spPr/>
+        <p:txBody>
+          <a:bodyPr>
+            <a:normAutofit/>
+          </a:bodyPr>
+          <a:lstStyle/>
+          <a:p>
+            <a:pPr marL="0" indent="0">
+              <a:buNone/>
+            </a:pPr>
+            <a:r>
+              <a:rPr lang="it-IT" sz="2800" dirty="0">
+                <a:latin typeface="Times New Roman" panose="02020603050405020304" pitchFamily="18" charset="0"/>
+                <a:cs typeface="Times New Roman" panose="02020603050405020304" pitchFamily="18" charset="0"/>
+              </a:rPr>
+              <a:t>N-Queens si risolve molto facilmente, anche per taglia del problema maggiore, tramite algoritmi per CSP.</a:t>
+            </a:r>
+          </a:p>
+          <a:p>
+            <a:pPr marL="0" indent="0">
+              <a:buNone/>
+            </a:pPr>
+            <a:endParaRPr lang="it-IT" sz="2800" dirty="0">
+              <a:latin typeface="Times New Roman" panose="02020603050405020304" pitchFamily="18" charset="0"/>
+              <a:cs typeface="Times New Roman" panose="02020603050405020304" pitchFamily="18" charset="0"/>
+            </a:endParaRPr>
+          </a:p>
+          <a:p>
+            <a:pPr marL="0" indent="0">
+              <a:buNone/>
+            </a:pPr>
+            <a:r>
+              <a:rPr lang="it-IT" sz="2800" dirty="0">
+                <a:latin typeface="Times New Roman" panose="02020603050405020304" pitchFamily="18" charset="0"/>
+                <a:cs typeface="Times New Roman" panose="02020603050405020304" pitchFamily="18" charset="0"/>
+              </a:rPr>
+              <a:t>Nel codice allegato, una semplice risoluzione tramite backtracking risolve 16-queens immediatamente.</a:t>
+            </a:r>
+          </a:p>
+        </p:txBody>
+      </p:sp>
+    </p:spTree>
+    <p:extLst>
+      <p:ext uri="{BB962C8B-B14F-4D97-AF65-F5344CB8AC3E}">
+        <p14:creationId xmlns:p14="http://schemas.microsoft.com/office/powerpoint/2010/main" val="2744257937"/>
+      </p:ext>
+    </p:extLst>
+  </p:cSld>
+  <p:clrMapOvr>
+    <a:masterClrMapping/>
+  </p:clrMapOvr>
+</p:sld>
+</file>
+
+<file path=ppt/slides/slide36.xml><?xml version="1.0" encoding="utf-8"?>
+<p:sld xmlns:a="http://schemas.openxmlformats.org/drawingml/2006/main" xmlns:r="http://schemas.openxmlformats.org/officeDocument/2006/relationships" xmlns:p="http://schemas.openxmlformats.org/presentationml/2006/main">
+  <p:cSld>
+    <p:spTree>
+      <p:nvGrpSpPr>
+        <p:cNvPr id="1" name=""/>
+        <p:cNvGrpSpPr/>
+        <p:nvPr/>
+      </p:nvGrpSpPr>
+      <p:grpSpPr>
+        <a:xfrm>
+          <a:off x="0" y="0"/>
+          <a:ext cx="0" cy="0"/>
+          <a:chOff x="0" y="0"/>
+          <a:chExt cx="0" cy="0"/>
+        </a:xfrm>
+      </p:grpSpPr>
+      <p:sp>
+        <p:nvSpPr>
+          <p:cNvPr id="2" name="Titolo 1">
+            <a:extLst>
+              <a:ext uri="{FF2B5EF4-FFF2-40B4-BE49-F238E27FC236}">
+                <a16:creationId xmlns:a16="http://schemas.microsoft.com/office/drawing/2014/main" id="{690A0C45-1EB4-4280-8F87-BD804EADD936}"/>
+              </a:ext>
+            </a:extLst>
+          </p:cNvPr>
+          <p:cNvSpPr>
+            <a:spLocks noGrp="1"/>
+          </p:cNvSpPr>
+          <p:nvPr>
+            <p:ph type="title"/>
+          </p:nvPr>
+        </p:nvSpPr>
+        <p:spPr/>
+        <p:txBody>
+          <a:bodyPr/>
+          <a:lstStyle/>
+          <a:p>
+            <a:pPr algn="ctr"/>
+            <a:r>
+              <a:rPr lang="it-IT" dirty="0">
+                <a:latin typeface="Times New Roman" panose="02020603050405020304" pitchFamily="18" charset="0"/>
+                <a:cs typeface="Times New Roman" panose="02020603050405020304" pitchFamily="18" charset="0"/>
+              </a:rPr>
+              <a:t>Funzione di </a:t>
+            </a:r>
+            <a:r>
+              <a:rPr lang="it-IT" dirty="0" err="1">
+                <a:latin typeface="Times New Roman" panose="02020603050405020304" pitchFamily="18" charset="0"/>
+                <a:cs typeface="Times New Roman" panose="02020603050405020304" pitchFamily="18" charset="0"/>
+              </a:rPr>
+              <a:t>Ackley</a:t>
+            </a:r>
+            <a:r>
+              <a:rPr lang="it-IT" dirty="0">
+                <a:latin typeface="Times New Roman" panose="02020603050405020304" pitchFamily="18" charset="0"/>
+                <a:cs typeface="Times New Roman" panose="02020603050405020304" pitchFamily="18" charset="0"/>
+              </a:rPr>
+              <a:t> (1)</a:t>
+            </a:r>
+          </a:p>
+        </p:txBody>
+      </p:sp>
+      <p:pic>
+        <p:nvPicPr>
+          <p:cNvPr id="6" name="Elemento grafico 5">
+            <a:extLst>
+              <a:ext uri="{FF2B5EF4-FFF2-40B4-BE49-F238E27FC236}">
+                <a16:creationId xmlns:a16="http://schemas.microsoft.com/office/drawing/2014/main" id="{06170F69-EB50-41C6-98FF-B8B1A503B587}"/>
+              </a:ext>
+            </a:extLst>
+          </p:cNvPr>
+          <p:cNvPicPr>
+            <a:picLocks noChangeAspect="1"/>
+          </p:cNvPicPr>
+          <p:nvPr/>
+        </p:nvPicPr>
+        <p:blipFill>
+          <a:blip r:embed="rId2">
+            <a:extLst>
+              <a:ext uri="{28A0092B-C50C-407E-A947-70E740481C1C}">
+                <a14:useLocalDpi xmlns:a14="http://schemas.microsoft.com/office/drawing/2010/main" val="0"/>
+              </a:ext>
+              <a:ext uri="{96DAC541-7B7A-43D3-8B79-37D633B846F1}">
+                <asvg:svgBlip xmlns:asvg="http://schemas.microsoft.com/office/drawing/2016/SVG/main" r:embed="rId3"/>
+              </a:ext>
+            </a:extLst>
+          </a:blip>
+          <a:stretch>
+            <a:fillRect/>
+          </a:stretch>
+        </p:blipFill>
+        <p:spPr>
+          <a:xfrm>
+            <a:off x="1948423" y="1491265"/>
+            <a:ext cx="5247153" cy="634031"/>
+          </a:xfrm>
+          <a:prstGeom prst="rect">
+            <a:avLst/>
+          </a:prstGeom>
+        </p:spPr>
+      </p:pic>
+      <p:pic>
+        <p:nvPicPr>
+          <p:cNvPr id="8" name="Elemento grafico 7">
+            <a:extLst>
+              <a:ext uri="{FF2B5EF4-FFF2-40B4-BE49-F238E27FC236}">
+                <a16:creationId xmlns:a16="http://schemas.microsoft.com/office/drawing/2014/main" id="{ABB2160C-6D7D-45DD-AE5B-BD53A1ED7B98}"/>
+              </a:ext>
+            </a:extLst>
+          </p:cNvPr>
+          <p:cNvPicPr>
+            <a:picLocks noChangeAspect="1"/>
+          </p:cNvPicPr>
+          <p:nvPr/>
+        </p:nvPicPr>
+        <p:blipFill>
+          <a:blip r:embed="rId4">
+            <a:extLst>
+              <a:ext uri="{28A0092B-C50C-407E-A947-70E740481C1C}">
+                <a14:useLocalDpi xmlns:a14="http://schemas.microsoft.com/office/drawing/2010/main" val="0"/>
+              </a:ext>
+              <a:ext uri="{96DAC541-7B7A-43D3-8B79-37D633B846F1}">
+                <asvg:svgBlip xmlns:asvg="http://schemas.microsoft.com/office/drawing/2016/SVG/main" r:embed="rId5"/>
+              </a:ext>
+            </a:extLst>
+          </a:blip>
+          <a:stretch>
+            <a:fillRect/>
+          </a:stretch>
+        </p:blipFill>
+        <p:spPr>
+          <a:xfrm>
+            <a:off x="7010400" y="2796543"/>
+            <a:ext cx="1399580" cy="371763"/>
+          </a:xfrm>
+          <a:prstGeom prst="rect">
+            <a:avLst/>
+          </a:prstGeom>
+        </p:spPr>
+      </p:pic>
+      <p:pic>
+        <p:nvPicPr>
+          <p:cNvPr id="10" name="Elemento grafico 9">
+            <a:extLst>
+              <a:ext uri="{FF2B5EF4-FFF2-40B4-BE49-F238E27FC236}">
+                <a16:creationId xmlns:a16="http://schemas.microsoft.com/office/drawing/2014/main" id="{A5065746-9C26-4CD6-A129-5B2DDE6D082C}"/>
+              </a:ext>
+            </a:extLst>
+          </p:cNvPr>
+          <p:cNvPicPr>
+            <a:picLocks noChangeAspect="1"/>
+          </p:cNvPicPr>
+          <p:nvPr/>
+        </p:nvPicPr>
+        <p:blipFill>
+          <a:blip r:embed="rId6">
+            <a:extLst>
+              <a:ext uri="{28A0092B-C50C-407E-A947-70E740481C1C}">
+                <a14:useLocalDpi xmlns:a14="http://schemas.microsoft.com/office/drawing/2010/main" val="0"/>
+              </a:ext>
+              <a:ext uri="{96DAC541-7B7A-43D3-8B79-37D633B846F1}">
+                <asvg:svgBlip xmlns:asvg="http://schemas.microsoft.com/office/drawing/2016/SVG/main" r:embed="rId7"/>
+              </a:ext>
+            </a:extLst>
+          </a:blip>
+          <a:stretch>
+            <a:fillRect/>
+          </a:stretch>
+        </p:blipFill>
+        <p:spPr>
+          <a:xfrm>
+            <a:off x="939954" y="2814392"/>
+            <a:ext cx="2057089" cy="371763"/>
+          </a:xfrm>
+          <a:prstGeom prst="rect">
+            <a:avLst/>
+          </a:prstGeom>
+        </p:spPr>
+      </p:pic>
+      <p:pic>
+        <p:nvPicPr>
+          <p:cNvPr id="12" name="Immagine 11">
+            <a:extLst>
+              <a:ext uri="{FF2B5EF4-FFF2-40B4-BE49-F238E27FC236}">
+                <a16:creationId xmlns:a16="http://schemas.microsoft.com/office/drawing/2014/main" id="{D426B3E0-7CED-4BE5-BB2C-B9EDD74E7A7E}"/>
+              </a:ext>
+            </a:extLst>
+          </p:cNvPr>
+          <p:cNvPicPr>
+            <a:picLocks noChangeAspect="1"/>
+          </p:cNvPicPr>
+          <p:nvPr/>
+        </p:nvPicPr>
+        <p:blipFill>
+          <a:blip r:embed="rId8">
+            <a:extLst>
+              <a:ext uri="{28A0092B-C50C-407E-A947-70E740481C1C}">
+                <a14:useLocalDpi xmlns:a14="http://schemas.microsoft.com/office/drawing/2010/main" val="0"/>
+              </a:ext>
+            </a:extLst>
+          </a:blip>
+          <a:stretch>
+            <a:fillRect/>
+          </a:stretch>
+        </p:blipFill>
+        <p:spPr>
+          <a:xfrm>
+            <a:off x="2133600" y="3186155"/>
+            <a:ext cx="4876800" cy="3657600"/>
+          </a:xfrm>
+          <a:prstGeom prst="rect">
+            <a:avLst/>
+          </a:prstGeom>
+        </p:spPr>
+      </p:pic>
+      <p:sp>
+        <p:nvSpPr>
+          <p:cNvPr id="13" name="CasellaDiTesto 12">
+            <a:extLst>
+              <a:ext uri="{FF2B5EF4-FFF2-40B4-BE49-F238E27FC236}">
+                <a16:creationId xmlns:a16="http://schemas.microsoft.com/office/drawing/2014/main" id="{59F2412D-8DC9-4405-B505-F472FED0D178}"/>
+              </a:ext>
+            </a:extLst>
+          </p:cNvPr>
+          <p:cNvSpPr txBox="1"/>
+          <p:nvPr/>
+        </p:nvSpPr>
+        <p:spPr>
+          <a:xfrm>
+            <a:off x="939954" y="2409362"/>
+            <a:ext cx="2623830" cy="369332"/>
+          </a:xfrm>
+          <a:prstGeom prst="rect">
+            <a:avLst/>
+          </a:prstGeom>
+          <a:noFill/>
+        </p:spPr>
+        <p:txBody>
+          <a:bodyPr wrap="square" rtlCol="0">
+            <a:spAutoFit/>
+          </a:bodyPr>
+          <a:lstStyle/>
+          <a:p>
+            <a:r>
+              <a:rPr lang="it-IT" dirty="0">
+                <a:latin typeface="Times New Roman" panose="02020603050405020304" pitchFamily="18" charset="0"/>
+                <a:cs typeface="Times New Roman" panose="02020603050405020304" pitchFamily="18" charset="0"/>
+              </a:rPr>
+              <a:t>Dominio dei parametri</a:t>
+            </a:r>
+          </a:p>
+        </p:txBody>
+      </p:sp>
+      <p:sp>
+        <p:nvSpPr>
+          <p:cNvPr id="14" name="CasellaDiTesto 13">
+            <a:extLst>
+              <a:ext uri="{FF2B5EF4-FFF2-40B4-BE49-F238E27FC236}">
+                <a16:creationId xmlns:a16="http://schemas.microsoft.com/office/drawing/2014/main" id="{AF2AC644-5317-44D6-BC4B-3FE43C6C4839}"/>
+              </a:ext>
+            </a:extLst>
+          </p:cNvPr>
+          <p:cNvSpPr txBox="1"/>
+          <p:nvPr/>
+        </p:nvSpPr>
+        <p:spPr>
+          <a:xfrm>
+            <a:off x="6883681" y="2409362"/>
+            <a:ext cx="1653017" cy="369332"/>
+          </a:xfrm>
+          <a:prstGeom prst="rect">
+            <a:avLst/>
+          </a:prstGeom>
+          <a:noFill/>
+        </p:spPr>
+        <p:txBody>
+          <a:bodyPr wrap="none" rtlCol="0">
+            <a:spAutoFit/>
+          </a:bodyPr>
+          <a:lstStyle/>
+          <a:p>
+            <a:r>
+              <a:rPr lang="it-IT" dirty="0"/>
+              <a:t>Minimo globale</a:t>
+            </a:r>
+          </a:p>
+        </p:txBody>
+      </p:sp>
+    </p:spTree>
+    <p:extLst>
+      <p:ext uri="{BB962C8B-B14F-4D97-AF65-F5344CB8AC3E}">
+        <p14:creationId xmlns:p14="http://schemas.microsoft.com/office/powerpoint/2010/main" val="125501355"/>
+      </p:ext>
+    </p:extLst>
+  </p:cSld>
+  <p:clrMapOvr>
+    <a:masterClrMapping/>
+  </p:clrMapOvr>
+</p:sld>
+</file>
+
+<file path=ppt/slides/slide37.xml><?xml version="1.0" encoding="utf-8"?>
+<p:sld xmlns:a="http://schemas.openxmlformats.org/drawingml/2006/main" xmlns:r="http://schemas.openxmlformats.org/officeDocument/2006/relationships" xmlns:p="http://schemas.openxmlformats.org/presentationml/2006/main">
+  <p:cSld>
+    <p:spTree>
+      <p:nvGrpSpPr>
+        <p:cNvPr id="1" name=""/>
+        <p:cNvGrpSpPr/>
+        <p:nvPr/>
+      </p:nvGrpSpPr>
+      <p:grpSpPr>
+        <a:xfrm>
+          <a:off x="0" y="0"/>
+          <a:ext cx="0" cy="0"/>
+          <a:chOff x="0" y="0"/>
+          <a:chExt cx="0" cy="0"/>
+        </a:xfrm>
+      </p:grpSpPr>
+      <p:sp>
+        <p:nvSpPr>
+          <p:cNvPr id="2" name="Titolo 1">
+            <a:extLst>
+              <a:ext uri="{FF2B5EF4-FFF2-40B4-BE49-F238E27FC236}">
+                <a16:creationId xmlns:a16="http://schemas.microsoft.com/office/drawing/2014/main" id="{690A0C45-1EB4-4280-8F87-BD804EADD936}"/>
+              </a:ext>
+            </a:extLst>
+          </p:cNvPr>
+          <p:cNvSpPr>
+            <a:spLocks noGrp="1"/>
+          </p:cNvSpPr>
+          <p:nvPr>
+            <p:ph type="title"/>
+          </p:nvPr>
+        </p:nvSpPr>
+        <p:spPr/>
+        <p:txBody>
+          <a:bodyPr/>
+          <a:lstStyle/>
+          <a:p>
+            <a:pPr algn="ctr"/>
+            <a:r>
+              <a:rPr lang="it-IT" dirty="0">
+                <a:latin typeface="Times New Roman" panose="02020603050405020304" pitchFamily="18" charset="0"/>
+                <a:cs typeface="Times New Roman" panose="02020603050405020304" pitchFamily="18" charset="0"/>
+              </a:rPr>
+              <a:t>Funzione di </a:t>
+            </a:r>
+            <a:r>
+              <a:rPr lang="it-IT" dirty="0" err="1">
+                <a:latin typeface="Times New Roman" panose="02020603050405020304" pitchFamily="18" charset="0"/>
+                <a:cs typeface="Times New Roman" panose="02020603050405020304" pitchFamily="18" charset="0"/>
+              </a:rPr>
+              <a:t>Ackley</a:t>
+            </a:r>
+            <a:r>
+              <a:rPr lang="it-IT" dirty="0">
+                <a:latin typeface="Times New Roman" panose="02020603050405020304" pitchFamily="18" charset="0"/>
+                <a:cs typeface="Times New Roman" panose="02020603050405020304" pitchFamily="18" charset="0"/>
+              </a:rPr>
+              <a:t> (2)</a:t>
+            </a:r>
+          </a:p>
+        </p:txBody>
+      </p:sp>
+      <p:sp>
+        <p:nvSpPr>
+          <p:cNvPr id="3" name="Segnaposto contenuto 2">
+            <a:extLst>
+              <a:ext uri="{FF2B5EF4-FFF2-40B4-BE49-F238E27FC236}">
+                <a16:creationId xmlns:a16="http://schemas.microsoft.com/office/drawing/2014/main" id="{3A065AE5-D961-4574-98DA-B088BC1879EF}"/>
+              </a:ext>
+            </a:extLst>
+          </p:cNvPr>
+          <p:cNvSpPr>
+            <a:spLocks noGrp="1"/>
+          </p:cNvSpPr>
+          <p:nvPr>
+            <p:ph idx="1"/>
+          </p:nvPr>
+        </p:nvSpPr>
+        <p:spPr/>
+        <p:txBody>
+          <a:bodyPr>
+            <a:normAutofit/>
+          </a:bodyPr>
+          <a:lstStyle/>
+          <a:p>
+            <a:pPr marL="0" indent="0">
+              <a:buNone/>
+            </a:pPr>
+            <a:r>
+              <a:rPr lang="it-IT" sz="2800" dirty="0">
+                <a:latin typeface="Times New Roman" panose="02020603050405020304" pitchFamily="18" charset="0"/>
+                <a:cs typeface="Times New Roman" panose="02020603050405020304" pitchFamily="18" charset="0"/>
+              </a:rPr>
+              <a:t>La risoluzione tramite PSO canonica con parametri standard porta risultati pressoché ottimi:</a:t>
+            </a:r>
+          </a:p>
+          <a:p>
+            <a:pPr marL="0" indent="0">
+              <a:buNone/>
+            </a:pPr>
+            <a:endParaRPr lang="it-IT" sz="2800" dirty="0">
+              <a:latin typeface="Times New Roman" panose="02020603050405020304" pitchFamily="18" charset="0"/>
+              <a:cs typeface="Times New Roman" panose="02020603050405020304" pitchFamily="18" charset="0"/>
+            </a:endParaRPr>
+          </a:p>
+          <a:p>
+            <a:pPr marL="0" indent="0">
+              <a:buNone/>
+            </a:pPr>
+            <a:r>
+              <a:rPr lang="it-IT" sz="2800" dirty="0">
+                <a:latin typeface="Times New Roman" panose="02020603050405020304" pitchFamily="18" charset="0"/>
+                <a:cs typeface="Times New Roman" panose="02020603050405020304" pitchFamily="18" charset="0"/>
+              </a:rPr>
+              <a:t>			Un esempio di output:</a:t>
+            </a:r>
+          </a:p>
+          <a:p>
+            <a:pPr marL="0" indent="0">
+              <a:buNone/>
+            </a:pPr>
+            <a:r>
+              <a:rPr lang="pt-BR" sz="2800" dirty="0">
+                <a:latin typeface="Times New Roman" panose="02020603050405020304" pitchFamily="18" charset="0"/>
+                <a:cs typeface="Times New Roman" panose="02020603050405020304" pitchFamily="18" charset="0"/>
+              </a:rPr>
+              <a:t>			Parameters:</a:t>
+            </a:r>
+          </a:p>
+          <a:p>
+            <a:pPr marL="0" indent="0">
+              <a:buNone/>
+            </a:pPr>
+            <a:r>
+              <a:rPr lang="pt-BR" sz="2800" dirty="0">
+                <a:latin typeface="Times New Roman" panose="02020603050405020304" pitchFamily="18" charset="0"/>
+                <a:cs typeface="Times New Roman" panose="02020603050405020304" pitchFamily="18" charset="0"/>
+              </a:rPr>
+              <a:t>			x       6.4012e-17</a:t>
+            </a:r>
+          </a:p>
+          <a:p>
+            <a:pPr marL="0" indent="0">
+              <a:buNone/>
+            </a:pPr>
+            <a:r>
+              <a:rPr lang="pt-BR" sz="2800" dirty="0">
+                <a:latin typeface="Times New Roman" panose="02020603050405020304" pitchFamily="18" charset="0"/>
+                <a:cs typeface="Times New Roman" panose="02020603050405020304" pitchFamily="18" charset="0"/>
+              </a:rPr>
+              <a:t>			y       4.15932e-17</a:t>
+            </a:r>
+          </a:p>
+          <a:p>
+            <a:pPr marL="0" indent="0">
+              <a:buNone/>
+            </a:pPr>
+            <a:r>
+              <a:rPr lang="pt-BR" sz="2800" dirty="0">
+                <a:latin typeface="Times New Roman" panose="02020603050405020304" pitchFamily="18" charset="0"/>
+                <a:cs typeface="Times New Roman" panose="02020603050405020304" pitchFamily="18" charset="0"/>
+              </a:rPr>
+              <a:t>			--------</a:t>
+            </a:r>
+          </a:p>
+          <a:p>
+            <a:pPr marL="0" indent="0">
+              <a:buNone/>
+            </a:pPr>
+            <a:r>
+              <a:rPr lang="pt-BR" sz="2800" dirty="0">
+                <a:latin typeface="Times New Roman" panose="02020603050405020304" pitchFamily="18" charset="0"/>
+                <a:cs typeface="Times New Roman" panose="02020603050405020304" pitchFamily="18" charset="0"/>
+              </a:rPr>
+              <a:t>			Objective: 0</a:t>
+            </a:r>
+            <a:endParaRPr lang="it-IT" sz="2800" dirty="0">
+              <a:latin typeface="Times New Roman" panose="02020603050405020304" pitchFamily="18" charset="0"/>
+              <a:cs typeface="Times New Roman" panose="02020603050405020304" pitchFamily="18" charset="0"/>
+            </a:endParaRPr>
+          </a:p>
+        </p:txBody>
+      </p:sp>
+    </p:spTree>
+    <p:extLst>
+      <p:ext uri="{BB962C8B-B14F-4D97-AF65-F5344CB8AC3E}">
+        <p14:creationId xmlns:p14="http://schemas.microsoft.com/office/powerpoint/2010/main" val="3876385538"/>
+      </p:ext>
+    </p:extLst>
+  </p:cSld>
+  <p:clrMapOvr>
+    <a:masterClrMapping/>
+  </p:clrMapOvr>
+</p:sld>
+</file>
+
+<file path=ppt/slides/slide38.xml><?xml version="1.0" encoding="utf-8"?>
+<p:sld xmlns:a="http://schemas.openxmlformats.org/drawingml/2006/main" xmlns:r="http://schemas.openxmlformats.org/officeDocument/2006/relationships" xmlns:p="http://schemas.openxmlformats.org/presentationml/2006/main">
+  <p:cSld>
+    <p:spTree>
+      <p:nvGrpSpPr>
+        <p:cNvPr id="1" name=""/>
+        <p:cNvGrpSpPr/>
+        <p:nvPr/>
+      </p:nvGrpSpPr>
+      <p:grpSpPr>
+        <a:xfrm>
+          <a:off x="0" y="0"/>
+          <a:ext cx="0" cy="0"/>
+          <a:chOff x="0" y="0"/>
+          <a:chExt cx="0" cy="0"/>
+        </a:xfrm>
+      </p:grpSpPr>
+      <p:sp>
+        <p:nvSpPr>
+          <p:cNvPr id="2" name="Titolo 1">
+            <a:extLst>
+              <a:ext uri="{FF2B5EF4-FFF2-40B4-BE49-F238E27FC236}">
+                <a16:creationId xmlns:a16="http://schemas.microsoft.com/office/drawing/2014/main" id="{4FA29CA7-E0D4-40DA-9A9F-C17BBB1AC5E0}"/>
+              </a:ext>
+            </a:extLst>
+          </p:cNvPr>
+          <p:cNvSpPr>
+            <a:spLocks noGrp="1"/>
+          </p:cNvSpPr>
+          <p:nvPr>
+            <p:ph type="title"/>
+          </p:nvPr>
+        </p:nvSpPr>
+        <p:spPr/>
+        <p:txBody>
+          <a:bodyPr/>
+          <a:lstStyle/>
+          <a:p>
+            <a:pPr algn="ctr"/>
+            <a:r>
+              <a:rPr lang="it-IT" dirty="0">
+                <a:latin typeface="Times New Roman" panose="02020603050405020304" pitchFamily="18" charset="0"/>
+                <a:cs typeface="Times New Roman" panose="02020603050405020304" pitchFamily="18" charset="0"/>
+              </a:rPr>
+              <a:t>Funzione di </a:t>
+            </a:r>
+            <a:r>
+              <a:rPr lang="it-IT" dirty="0" err="1">
+                <a:latin typeface="Times New Roman" panose="02020603050405020304" pitchFamily="18" charset="0"/>
+                <a:cs typeface="Times New Roman" panose="02020603050405020304" pitchFamily="18" charset="0"/>
+              </a:rPr>
+              <a:t>Simionescu</a:t>
+            </a:r>
+            <a:r>
+              <a:rPr lang="it-IT" dirty="0">
+                <a:latin typeface="Times New Roman" panose="02020603050405020304" pitchFamily="18" charset="0"/>
+                <a:cs typeface="Times New Roman" panose="02020603050405020304" pitchFamily="18" charset="0"/>
+              </a:rPr>
+              <a:t> (1)</a:t>
+            </a:r>
+          </a:p>
+        </p:txBody>
+      </p:sp>
+      <p:pic>
+        <p:nvPicPr>
+          <p:cNvPr id="5" name="Elemento grafico 4">
+            <a:extLst>
+              <a:ext uri="{FF2B5EF4-FFF2-40B4-BE49-F238E27FC236}">
+                <a16:creationId xmlns:a16="http://schemas.microsoft.com/office/drawing/2014/main" id="{90DD8AD2-DC5D-4EEB-B146-20A2C98644AB}"/>
+              </a:ext>
+            </a:extLst>
+          </p:cNvPr>
+          <p:cNvPicPr>
+            <a:picLocks noChangeAspect="1"/>
+          </p:cNvPicPr>
+          <p:nvPr/>
+        </p:nvPicPr>
+        <p:blipFill>
+          <a:blip r:embed="rId2">
+            <a:extLst>
+              <a:ext uri="{28A0092B-C50C-407E-A947-70E740481C1C}">
+                <a14:useLocalDpi xmlns:a14="http://schemas.microsoft.com/office/drawing/2010/main" val="0"/>
+              </a:ext>
+              <a:ext uri="{96DAC541-7B7A-43D3-8B79-37D633B846F1}">
+                <asvg:svgBlip xmlns:asvg="http://schemas.microsoft.com/office/drawing/2016/SVG/main" r:embed="rId3"/>
+              </a:ext>
+            </a:extLst>
+          </a:blip>
+          <a:stretch>
+            <a:fillRect/>
+          </a:stretch>
+        </p:blipFill>
+        <p:spPr>
+          <a:xfrm>
+            <a:off x="3441980" y="1479586"/>
+            <a:ext cx="2260039" cy="422205"/>
+          </a:xfrm>
+          <a:prstGeom prst="rect">
+            <a:avLst/>
+          </a:prstGeom>
+        </p:spPr>
+      </p:pic>
+      <p:pic>
+        <p:nvPicPr>
+          <p:cNvPr id="7" name="Immagine 6">
+            <a:extLst>
+              <a:ext uri="{FF2B5EF4-FFF2-40B4-BE49-F238E27FC236}">
+                <a16:creationId xmlns:a16="http://schemas.microsoft.com/office/drawing/2014/main" id="{8AB513BC-AB2E-46DB-89AF-0D490E6EA6CE}"/>
+              </a:ext>
+            </a:extLst>
+          </p:cNvPr>
+          <p:cNvPicPr>
+            <a:picLocks noChangeAspect="1"/>
+          </p:cNvPicPr>
+          <p:nvPr/>
+        </p:nvPicPr>
+        <p:blipFill>
+          <a:blip r:embed="rId4">
+            <a:extLst>
+              <a:ext uri="{28A0092B-C50C-407E-A947-70E740481C1C}">
+                <a14:useLocalDpi xmlns:a14="http://schemas.microsoft.com/office/drawing/2010/main" val="0"/>
+              </a:ext>
+            </a:extLst>
+          </a:blip>
+          <a:stretch>
+            <a:fillRect/>
+          </a:stretch>
+        </p:blipFill>
+        <p:spPr>
+          <a:xfrm>
+            <a:off x="172278" y="2539173"/>
+            <a:ext cx="4167808" cy="3987470"/>
+          </a:xfrm>
+          <a:prstGeom prst="rect">
+            <a:avLst/>
+          </a:prstGeom>
+        </p:spPr>
+      </p:pic>
+      <p:pic>
+        <p:nvPicPr>
+          <p:cNvPr id="9" name="Elemento grafico 8">
+            <a:extLst>
+              <a:ext uri="{FF2B5EF4-FFF2-40B4-BE49-F238E27FC236}">
+                <a16:creationId xmlns:a16="http://schemas.microsoft.com/office/drawing/2014/main" id="{429BE5D6-32DC-47D5-86A1-F69F811CC2A0}"/>
+              </a:ext>
+            </a:extLst>
+          </p:cNvPr>
+          <p:cNvPicPr>
+            <a:picLocks noChangeAspect="1"/>
+          </p:cNvPicPr>
+          <p:nvPr/>
+        </p:nvPicPr>
+        <p:blipFill>
+          <a:blip r:embed="rId5">
+            <a:extLst>
+              <a:ext uri="{28A0092B-C50C-407E-A947-70E740481C1C}">
+                <a14:useLocalDpi xmlns:a14="http://schemas.microsoft.com/office/drawing/2010/main" val="0"/>
+              </a:ext>
+              <a:ext uri="{96DAC541-7B7A-43D3-8B79-37D633B846F1}">
+                <asvg:svgBlip xmlns:asvg="http://schemas.microsoft.com/office/drawing/2016/SVG/main" r:embed="rId6"/>
+              </a:ext>
+            </a:extLst>
+          </a:blip>
+          <a:stretch>
+            <a:fillRect/>
+          </a:stretch>
+        </p:blipFill>
+        <p:spPr>
+          <a:xfrm>
+            <a:off x="4980363" y="2539173"/>
+            <a:ext cx="3991359" cy="659589"/>
+          </a:xfrm>
+          <a:prstGeom prst="rect">
+            <a:avLst/>
+          </a:prstGeom>
+        </p:spPr>
+      </p:pic>
+      <p:pic>
+        <p:nvPicPr>
+          <p:cNvPr id="11" name="Elemento grafico 10">
+            <a:extLst>
+              <a:ext uri="{FF2B5EF4-FFF2-40B4-BE49-F238E27FC236}">
+                <a16:creationId xmlns:a16="http://schemas.microsoft.com/office/drawing/2014/main" id="{83F6757E-0422-4E85-97C6-4B099AE6C29B}"/>
+              </a:ext>
+            </a:extLst>
+          </p:cNvPr>
+          <p:cNvPicPr>
+            <a:picLocks noChangeAspect="1"/>
+          </p:cNvPicPr>
+          <p:nvPr/>
+        </p:nvPicPr>
+        <p:blipFill>
+          <a:blip r:embed="rId7">
+            <a:extLst>
+              <a:ext uri="{28A0092B-C50C-407E-A947-70E740481C1C}">
+                <a14:useLocalDpi xmlns:a14="http://schemas.microsoft.com/office/drawing/2010/main" val="0"/>
+              </a:ext>
+              <a:ext uri="{96DAC541-7B7A-43D3-8B79-37D633B846F1}">
+                <asvg:svgBlip xmlns:asvg="http://schemas.microsoft.com/office/drawing/2016/SVG/main" r:embed="rId8"/>
+              </a:ext>
+            </a:extLst>
+          </a:blip>
+          <a:stretch>
+            <a:fillRect/>
+          </a:stretch>
+        </p:blipFill>
+        <p:spPr>
+          <a:xfrm>
+            <a:off x="5259413" y="3198762"/>
+            <a:ext cx="3433257" cy="253689"/>
+          </a:xfrm>
+          <a:prstGeom prst="rect">
+            <a:avLst/>
+          </a:prstGeom>
+        </p:spPr>
+      </p:pic>
+      <p:sp>
+        <p:nvSpPr>
+          <p:cNvPr id="12" name="CasellaDiTesto 11">
+            <a:extLst>
+              <a:ext uri="{FF2B5EF4-FFF2-40B4-BE49-F238E27FC236}">
+                <a16:creationId xmlns:a16="http://schemas.microsoft.com/office/drawing/2014/main" id="{313969BF-329C-4B57-A732-F2DAC9C7236A}"/>
+              </a:ext>
+            </a:extLst>
+          </p:cNvPr>
+          <p:cNvSpPr txBox="1"/>
+          <p:nvPr/>
+        </p:nvSpPr>
+        <p:spPr>
+          <a:xfrm>
+            <a:off x="6714803" y="2066738"/>
+            <a:ext cx="1084592" cy="461665"/>
+          </a:xfrm>
+          <a:prstGeom prst="rect">
+            <a:avLst/>
+          </a:prstGeom>
+          <a:noFill/>
+        </p:spPr>
+        <p:txBody>
+          <a:bodyPr wrap="none" rtlCol="0">
+            <a:spAutoFit/>
+          </a:bodyPr>
+          <a:lstStyle/>
+          <a:p>
+            <a:pPr algn="ctr"/>
+            <a:r>
+              <a:rPr lang="it-IT" sz="2400" dirty="0"/>
+              <a:t>Vincoli</a:t>
+            </a:r>
+            <a:r>
+              <a:rPr lang="it-IT" dirty="0"/>
+              <a:t>:</a:t>
+            </a:r>
+          </a:p>
+        </p:txBody>
+      </p:sp>
+      <p:pic>
+        <p:nvPicPr>
+          <p:cNvPr id="14" name="Elemento grafico 13">
+            <a:extLst>
+              <a:ext uri="{FF2B5EF4-FFF2-40B4-BE49-F238E27FC236}">
+                <a16:creationId xmlns:a16="http://schemas.microsoft.com/office/drawing/2014/main" id="{45FD91D4-05A5-4355-8736-56B516EC1DA2}"/>
+              </a:ext>
+            </a:extLst>
+          </p:cNvPr>
+          <p:cNvPicPr>
+            <a:picLocks noChangeAspect="1"/>
+          </p:cNvPicPr>
+          <p:nvPr/>
+        </p:nvPicPr>
+        <p:blipFill>
+          <a:blip r:embed="rId9">
+            <a:extLst>
+              <a:ext uri="{28A0092B-C50C-407E-A947-70E740481C1C}">
+                <a14:useLocalDpi xmlns:a14="http://schemas.microsoft.com/office/drawing/2010/main" val="0"/>
+              </a:ext>
+              <a:ext uri="{96DAC541-7B7A-43D3-8B79-37D633B846F1}">
+                <asvg:svgBlip xmlns:asvg="http://schemas.microsoft.com/office/drawing/2016/SVG/main" r:embed="rId10"/>
+              </a:ext>
+            </a:extLst>
+          </a:blip>
+          <a:stretch>
+            <a:fillRect/>
+          </a:stretch>
+        </p:blipFill>
+        <p:spPr>
+          <a:xfrm>
+            <a:off x="4540624" y="5958716"/>
+            <a:ext cx="4431098" cy="287514"/>
+          </a:xfrm>
+          <a:prstGeom prst="rect">
+            <a:avLst/>
+          </a:prstGeom>
+        </p:spPr>
+      </p:pic>
+      <p:pic>
+        <p:nvPicPr>
+          <p:cNvPr id="16" name="Elemento grafico 15">
+            <a:extLst>
+              <a:ext uri="{FF2B5EF4-FFF2-40B4-BE49-F238E27FC236}">
+                <a16:creationId xmlns:a16="http://schemas.microsoft.com/office/drawing/2014/main" id="{65A5C446-A838-4D34-B906-B193AC138344}"/>
+              </a:ext>
+            </a:extLst>
+          </p:cNvPr>
+          <p:cNvPicPr>
+            <a:picLocks noChangeAspect="1"/>
+          </p:cNvPicPr>
+          <p:nvPr/>
+        </p:nvPicPr>
+        <p:blipFill>
+          <a:blip r:embed="rId11">
+            <a:extLst>
+              <a:ext uri="{28A0092B-C50C-407E-A947-70E740481C1C}">
+                <a14:useLocalDpi xmlns:a14="http://schemas.microsoft.com/office/drawing/2010/main" val="0"/>
+              </a:ext>
+              <a:ext uri="{96DAC541-7B7A-43D3-8B79-37D633B846F1}">
+                <asvg:svgBlip xmlns:asvg="http://schemas.microsoft.com/office/drawing/2016/SVG/main" r:embed="rId12"/>
+              </a:ext>
+            </a:extLst>
+          </a:blip>
+          <a:stretch>
+            <a:fillRect/>
+          </a:stretch>
+        </p:blipFill>
+        <p:spPr>
+          <a:xfrm>
+            <a:off x="6250799" y="4907823"/>
+            <a:ext cx="2012599" cy="253689"/>
+          </a:xfrm>
+          <a:prstGeom prst="rect">
+            <a:avLst/>
+          </a:prstGeom>
+        </p:spPr>
+      </p:pic>
+      <p:sp>
+        <p:nvSpPr>
+          <p:cNvPr id="17" name="CasellaDiTesto 16">
+            <a:extLst>
+              <a:ext uri="{FF2B5EF4-FFF2-40B4-BE49-F238E27FC236}">
+                <a16:creationId xmlns:a16="http://schemas.microsoft.com/office/drawing/2014/main" id="{D405BDB5-7633-4685-B8C4-C29A742A7432}"/>
+              </a:ext>
+            </a:extLst>
+          </p:cNvPr>
+          <p:cNvSpPr txBox="1"/>
+          <p:nvPr/>
+        </p:nvSpPr>
+        <p:spPr>
+          <a:xfrm>
+            <a:off x="6568556" y="4302075"/>
+            <a:ext cx="1308371" cy="461665"/>
+          </a:xfrm>
+          <a:prstGeom prst="rect">
+            <a:avLst/>
+          </a:prstGeom>
+          <a:noFill/>
+        </p:spPr>
+        <p:txBody>
+          <a:bodyPr wrap="none" rtlCol="0">
+            <a:spAutoFit/>
+          </a:bodyPr>
+          <a:lstStyle/>
+          <a:p>
+            <a:pPr algn="ctr"/>
+            <a:r>
+              <a:rPr lang="it-IT" sz="2400" dirty="0"/>
+              <a:t>Dominio</a:t>
+            </a:r>
+            <a:r>
+              <a:rPr lang="it-IT" dirty="0"/>
+              <a:t>:</a:t>
+            </a:r>
+          </a:p>
+        </p:txBody>
+      </p:sp>
+      <p:sp>
+        <p:nvSpPr>
+          <p:cNvPr id="18" name="CasellaDiTesto 17">
+            <a:extLst>
+              <a:ext uri="{FF2B5EF4-FFF2-40B4-BE49-F238E27FC236}">
+                <a16:creationId xmlns:a16="http://schemas.microsoft.com/office/drawing/2014/main" id="{A508262C-7486-4767-8BCF-193EE8ABA592}"/>
+              </a:ext>
+            </a:extLst>
+          </p:cNvPr>
+          <p:cNvSpPr txBox="1"/>
+          <p:nvPr/>
+        </p:nvSpPr>
+        <p:spPr>
+          <a:xfrm>
+            <a:off x="6342547" y="5497051"/>
+            <a:ext cx="2024913" cy="461665"/>
+          </a:xfrm>
+          <a:prstGeom prst="rect">
+            <a:avLst/>
+          </a:prstGeom>
+          <a:noFill/>
+        </p:spPr>
+        <p:txBody>
+          <a:bodyPr wrap="none" rtlCol="0">
+            <a:spAutoFit/>
+          </a:bodyPr>
+          <a:lstStyle/>
+          <a:p>
+            <a:pPr algn="ctr"/>
+            <a:r>
+              <a:rPr lang="it-IT" sz="2400" dirty="0"/>
+              <a:t>Minimi globali</a:t>
+            </a:r>
+            <a:r>
+              <a:rPr lang="it-IT" dirty="0"/>
+              <a:t>:</a:t>
+            </a:r>
+          </a:p>
+        </p:txBody>
+      </p:sp>
+    </p:spTree>
+    <p:extLst>
+      <p:ext uri="{BB962C8B-B14F-4D97-AF65-F5344CB8AC3E}">
+        <p14:creationId xmlns:p14="http://schemas.microsoft.com/office/powerpoint/2010/main" val="302026961"/>
+      </p:ext>
+    </p:extLst>
+  </p:cSld>
+  <p:clrMapOvr>
+    <a:masterClrMapping/>
+  </p:clrMapOvr>
+</p:sld>
+</file>
+
+<file path=ppt/slides/slide39.xml><?xml version="1.0" encoding="utf-8"?>
+<p:sld xmlns:a="http://schemas.openxmlformats.org/drawingml/2006/main" xmlns:r="http://schemas.openxmlformats.org/officeDocument/2006/relationships" xmlns:p="http://schemas.openxmlformats.org/presentationml/2006/main">
+  <p:cSld>
+    <p:spTree>
+      <p:nvGrpSpPr>
+        <p:cNvPr id="1" name=""/>
+        <p:cNvGrpSpPr/>
+        <p:nvPr/>
+      </p:nvGrpSpPr>
+      <p:grpSpPr>
+        <a:xfrm>
+          <a:off x="0" y="0"/>
+          <a:ext cx="0" cy="0"/>
+          <a:chOff x="0" y="0"/>
+          <a:chExt cx="0" cy="0"/>
+        </a:xfrm>
+      </p:grpSpPr>
+      <p:sp>
+        <p:nvSpPr>
+          <p:cNvPr id="2" name="Titolo 1">
+            <a:extLst>
+              <a:ext uri="{FF2B5EF4-FFF2-40B4-BE49-F238E27FC236}">
+                <a16:creationId xmlns:a16="http://schemas.microsoft.com/office/drawing/2014/main" id="{4FA29CA7-E0D4-40DA-9A9F-C17BBB1AC5E0}"/>
+              </a:ext>
+            </a:extLst>
+          </p:cNvPr>
+          <p:cNvSpPr>
+            <a:spLocks noGrp="1"/>
+          </p:cNvSpPr>
+          <p:nvPr>
+            <p:ph type="title"/>
+          </p:nvPr>
+        </p:nvSpPr>
+        <p:spPr/>
+        <p:txBody>
+          <a:bodyPr/>
+          <a:lstStyle/>
+          <a:p>
+            <a:pPr algn="ctr"/>
+            <a:r>
+              <a:rPr lang="it-IT" dirty="0">
+                <a:latin typeface="Times New Roman" panose="02020603050405020304" pitchFamily="18" charset="0"/>
+                <a:cs typeface="Times New Roman" panose="02020603050405020304" pitchFamily="18" charset="0"/>
+              </a:rPr>
+              <a:t>Funzione di </a:t>
+            </a:r>
+            <a:r>
+              <a:rPr lang="it-IT" dirty="0" err="1">
+                <a:latin typeface="Times New Roman" panose="02020603050405020304" pitchFamily="18" charset="0"/>
+                <a:cs typeface="Times New Roman" panose="02020603050405020304" pitchFamily="18" charset="0"/>
+              </a:rPr>
+              <a:t>Simionescu</a:t>
+            </a:r>
+            <a:r>
+              <a:rPr lang="it-IT" dirty="0">
+                <a:latin typeface="Times New Roman" panose="02020603050405020304" pitchFamily="18" charset="0"/>
+                <a:cs typeface="Times New Roman" panose="02020603050405020304" pitchFamily="18" charset="0"/>
+              </a:rPr>
+              <a:t> (2)</a:t>
+            </a:r>
+          </a:p>
+        </p:txBody>
+      </p:sp>
+      <p:pic>
+        <p:nvPicPr>
+          <p:cNvPr id="5" name="Elemento grafico 4">
+            <a:extLst>
+              <a:ext uri="{FF2B5EF4-FFF2-40B4-BE49-F238E27FC236}">
+                <a16:creationId xmlns:a16="http://schemas.microsoft.com/office/drawing/2014/main" id="{90DD8AD2-DC5D-4EEB-B146-20A2C98644AB}"/>
+              </a:ext>
+            </a:extLst>
+          </p:cNvPr>
+          <p:cNvPicPr>
+            <a:picLocks noChangeAspect="1"/>
+          </p:cNvPicPr>
+          <p:nvPr/>
+        </p:nvPicPr>
+        <p:blipFill>
+          <a:blip r:embed="rId2">
+            <a:extLst>
+              <a:ext uri="{28A0092B-C50C-407E-A947-70E740481C1C}">
+                <a14:useLocalDpi xmlns:a14="http://schemas.microsoft.com/office/drawing/2010/main" val="0"/>
+              </a:ext>
+              <a:ext uri="{96DAC541-7B7A-43D3-8B79-37D633B846F1}">
+                <asvg:svgBlip xmlns:asvg="http://schemas.microsoft.com/office/drawing/2016/SVG/main" r:embed="rId3"/>
+              </a:ext>
+            </a:extLst>
+          </a:blip>
+          <a:stretch>
+            <a:fillRect/>
+          </a:stretch>
+        </p:blipFill>
+        <p:spPr>
+          <a:xfrm>
+            <a:off x="3441980" y="1479586"/>
+            <a:ext cx="2260039" cy="422205"/>
+          </a:xfrm>
+          <a:prstGeom prst="rect">
+            <a:avLst/>
+          </a:prstGeom>
+        </p:spPr>
+      </p:pic>
+      <p:pic>
+        <p:nvPicPr>
+          <p:cNvPr id="7" name="Immagine 6">
+            <a:extLst>
+              <a:ext uri="{FF2B5EF4-FFF2-40B4-BE49-F238E27FC236}">
+                <a16:creationId xmlns:a16="http://schemas.microsoft.com/office/drawing/2014/main" id="{8AB513BC-AB2E-46DB-89AF-0D490E6EA6CE}"/>
+              </a:ext>
+            </a:extLst>
+          </p:cNvPr>
+          <p:cNvPicPr>
+            <a:picLocks noChangeAspect="1"/>
+          </p:cNvPicPr>
+          <p:nvPr/>
+        </p:nvPicPr>
+        <p:blipFill>
+          <a:blip r:embed="rId4">
+            <a:extLst>
+              <a:ext uri="{28A0092B-C50C-407E-A947-70E740481C1C}">
+                <a14:useLocalDpi xmlns:a14="http://schemas.microsoft.com/office/drawing/2010/main" val="0"/>
+              </a:ext>
+            </a:extLst>
+          </a:blip>
+          <a:stretch>
+            <a:fillRect/>
+          </a:stretch>
+        </p:blipFill>
+        <p:spPr>
+          <a:xfrm>
+            <a:off x="172278" y="2539173"/>
+            <a:ext cx="4167808" cy="3987470"/>
+          </a:xfrm>
+          <a:prstGeom prst="rect">
+            <a:avLst/>
+          </a:prstGeom>
+        </p:spPr>
+      </p:pic>
+      <p:pic>
+        <p:nvPicPr>
+          <p:cNvPr id="14" name="Elemento grafico 13">
+            <a:extLst>
+              <a:ext uri="{FF2B5EF4-FFF2-40B4-BE49-F238E27FC236}">
+                <a16:creationId xmlns:a16="http://schemas.microsoft.com/office/drawing/2014/main" id="{45FD91D4-05A5-4355-8736-56B516EC1DA2}"/>
+              </a:ext>
+            </a:extLst>
+          </p:cNvPr>
+          <p:cNvPicPr>
+            <a:picLocks noChangeAspect="1"/>
+          </p:cNvPicPr>
+          <p:nvPr/>
+        </p:nvPicPr>
+        <p:blipFill>
+          <a:blip r:embed="rId5">
+            <a:extLst>
+              <a:ext uri="{28A0092B-C50C-407E-A947-70E740481C1C}">
+                <a14:useLocalDpi xmlns:a14="http://schemas.microsoft.com/office/drawing/2010/main" val="0"/>
+              </a:ext>
+              <a:ext uri="{96DAC541-7B7A-43D3-8B79-37D633B846F1}">
+                <asvg:svgBlip xmlns:asvg="http://schemas.microsoft.com/office/drawing/2016/SVG/main" r:embed="rId6"/>
+              </a:ext>
+            </a:extLst>
+          </a:blip>
+          <a:stretch>
+            <a:fillRect/>
+          </a:stretch>
+        </p:blipFill>
+        <p:spPr>
+          <a:xfrm>
+            <a:off x="4540624" y="5958716"/>
+            <a:ext cx="4431098" cy="287514"/>
+          </a:xfrm>
+          <a:prstGeom prst="rect">
+            <a:avLst/>
+          </a:prstGeom>
+        </p:spPr>
+      </p:pic>
+      <p:sp>
+        <p:nvSpPr>
+          <p:cNvPr id="18" name="CasellaDiTesto 17">
+            <a:extLst>
+              <a:ext uri="{FF2B5EF4-FFF2-40B4-BE49-F238E27FC236}">
+                <a16:creationId xmlns:a16="http://schemas.microsoft.com/office/drawing/2014/main" id="{A508262C-7486-4767-8BCF-193EE8ABA592}"/>
+              </a:ext>
+            </a:extLst>
+          </p:cNvPr>
+          <p:cNvSpPr txBox="1"/>
+          <p:nvPr/>
+        </p:nvSpPr>
+        <p:spPr>
+          <a:xfrm>
+            <a:off x="6342547" y="5497051"/>
+            <a:ext cx="2024913" cy="461665"/>
+          </a:xfrm>
+          <a:prstGeom prst="rect">
+            <a:avLst/>
+          </a:prstGeom>
+          <a:noFill/>
+        </p:spPr>
+        <p:txBody>
+          <a:bodyPr wrap="none" rtlCol="0">
+            <a:spAutoFit/>
+          </a:bodyPr>
+          <a:lstStyle/>
+          <a:p>
+            <a:pPr algn="ctr"/>
+            <a:r>
+              <a:rPr lang="it-IT" sz="2400" dirty="0"/>
+              <a:t>Minimi globali</a:t>
+            </a:r>
+            <a:r>
+              <a:rPr lang="it-IT" dirty="0"/>
+              <a:t>:</a:t>
+            </a:r>
+          </a:p>
+        </p:txBody>
+      </p:sp>
+      <p:sp>
+        <p:nvSpPr>
+          <p:cNvPr id="13" name="CasellaDiTesto 12">
+            <a:extLst>
+              <a:ext uri="{FF2B5EF4-FFF2-40B4-BE49-F238E27FC236}">
+                <a16:creationId xmlns:a16="http://schemas.microsoft.com/office/drawing/2014/main" id="{81F56938-BAC6-4D16-9826-B6D32448EC3A}"/>
+              </a:ext>
+            </a:extLst>
+          </p:cNvPr>
+          <p:cNvSpPr txBox="1"/>
+          <p:nvPr/>
+        </p:nvSpPr>
+        <p:spPr>
+          <a:xfrm>
+            <a:off x="5649011" y="2539173"/>
+            <a:ext cx="3217547" cy="2308324"/>
+          </a:xfrm>
+          <a:prstGeom prst="rect">
+            <a:avLst/>
+          </a:prstGeom>
+          <a:noFill/>
+        </p:spPr>
+        <p:txBody>
+          <a:bodyPr wrap="none" rtlCol="0">
+            <a:spAutoFit/>
+          </a:bodyPr>
+          <a:lstStyle/>
+          <a:p>
+            <a:pPr algn="ctr"/>
+            <a:r>
+              <a:rPr lang="it-IT" sz="2400" dirty="0">
+                <a:latin typeface="Times New Roman" panose="02020603050405020304" pitchFamily="18" charset="0"/>
+                <a:cs typeface="Times New Roman" panose="02020603050405020304" pitchFamily="18" charset="0"/>
+              </a:rPr>
+              <a:t>Minimo trovato da PSO:</a:t>
+            </a:r>
+          </a:p>
+          <a:p>
+            <a:pPr algn="ctr"/>
+            <a:r>
+              <a:rPr lang="it-IT" sz="2400" dirty="0" err="1">
+                <a:latin typeface="Times New Roman" panose="02020603050405020304" pitchFamily="18" charset="0"/>
+                <a:ea typeface="CMU Serif" panose="02000603000000000000" pitchFamily="2" charset="0"/>
+                <a:cs typeface="Times New Roman" panose="02020603050405020304" pitchFamily="18" charset="0"/>
+              </a:rPr>
+              <a:t>Parameters</a:t>
+            </a:r>
+            <a:r>
+              <a:rPr lang="it-IT" sz="2400" dirty="0">
+                <a:latin typeface="Times New Roman" panose="02020603050405020304" pitchFamily="18" charset="0"/>
+                <a:ea typeface="CMU Serif" panose="02000603000000000000" pitchFamily="2" charset="0"/>
+                <a:cs typeface="Times New Roman" panose="02020603050405020304" pitchFamily="18" charset="0"/>
+              </a:rPr>
+              <a:t>:</a:t>
+            </a:r>
+          </a:p>
+          <a:p>
+            <a:pPr algn="ctr"/>
+            <a:r>
+              <a:rPr lang="it-IT" sz="2400" dirty="0">
+                <a:latin typeface="Times New Roman" panose="02020603050405020304" pitchFamily="18" charset="0"/>
+                <a:ea typeface="CMU Serif" panose="02000603000000000000" pitchFamily="2" charset="0"/>
+                <a:cs typeface="Times New Roman" panose="02020603050405020304" pitchFamily="18" charset="0"/>
+              </a:rPr>
+              <a:t>x       -0.848491</a:t>
+            </a:r>
+          </a:p>
+          <a:p>
+            <a:pPr algn="ctr"/>
+            <a:r>
+              <a:rPr lang="it-IT" sz="2400" dirty="0">
+                <a:latin typeface="Times New Roman" panose="02020603050405020304" pitchFamily="18" charset="0"/>
+                <a:ea typeface="CMU Serif" panose="02000603000000000000" pitchFamily="2" charset="0"/>
+                <a:cs typeface="Times New Roman" panose="02020603050405020304" pitchFamily="18" charset="0"/>
+              </a:rPr>
+              <a:t>y       0.848566</a:t>
+            </a:r>
+          </a:p>
+          <a:p>
+            <a:pPr algn="ctr"/>
+            <a:r>
+              <a:rPr lang="it-IT" sz="2400" dirty="0">
+                <a:latin typeface="Times New Roman" panose="02020603050405020304" pitchFamily="18" charset="0"/>
+                <a:ea typeface="CMU Serif" panose="02000603000000000000" pitchFamily="2" charset="0"/>
+                <a:cs typeface="Times New Roman" panose="02020603050405020304" pitchFamily="18" charset="0"/>
+              </a:rPr>
+              <a:t>--------</a:t>
+            </a:r>
+          </a:p>
+          <a:p>
+            <a:pPr algn="ctr"/>
+            <a:r>
+              <a:rPr lang="it-IT" sz="2400" dirty="0" err="1">
+                <a:latin typeface="Times New Roman" panose="02020603050405020304" pitchFamily="18" charset="0"/>
+                <a:ea typeface="CMU Serif" panose="02000603000000000000" pitchFamily="2" charset="0"/>
+                <a:cs typeface="Times New Roman" panose="02020603050405020304" pitchFamily="18" charset="0"/>
+              </a:rPr>
+              <a:t>Objective</a:t>
+            </a:r>
+            <a:r>
+              <a:rPr lang="it-IT" sz="2400" dirty="0">
+                <a:latin typeface="Times New Roman" panose="02020603050405020304" pitchFamily="18" charset="0"/>
+                <a:ea typeface="CMU Serif" panose="02000603000000000000" pitchFamily="2" charset="0"/>
+                <a:cs typeface="Times New Roman" panose="02020603050405020304" pitchFamily="18" charset="0"/>
+              </a:rPr>
+              <a:t>: -0.072</a:t>
+            </a:r>
+          </a:p>
+        </p:txBody>
+      </p:sp>
+    </p:spTree>
+    <p:extLst>
+      <p:ext uri="{BB962C8B-B14F-4D97-AF65-F5344CB8AC3E}">
+        <p14:creationId xmlns:p14="http://schemas.microsoft.com/office/powerpoint/2010/main" val="1415606552"/>
       </p:ext>
     </p:extLst>
   </p:cSld>
@@ -11284,6 +12743,576 @@
     <p:extLst>
       <p:ext uri="{BB962C8B-B14F-4D97-AF65-F5344CB8AC3E}">
         <p14:creationId xmlns:p14="http://schemas.microsoft.com/office/powerpoint/2010/main" val="1819275395"/>
+      </p:ext>
+    </p:extLst>
+  </p:cSld>
+  <p:clrMapOvr>
+    <a:masterClrMapping/>
+  </p:clrMapOvr>
+</p:sld>
+</file>
+
+<file path=ppt/slides/slide40.xml><?xml version="1.0" encoding="utf-8"?>
+<p:sld xmlns:a="http://schemas.openxmlformats.org/drawingml/2006/main" xmlns:r="http://schemas.openxmlformats.org/officeDocument/2006/relationships" xmlns:p="http://schemas.openxmlformats.org/presentationml/2006/main">
+  <p:cSld>
+    <p:spTree>
+      <p:nvGrpSpPr>
+        <p:cNvPr id="1" name=""/>
+        <p:cNvGrpSpPr/>
+        <p:nvPr/>
+      </p:nvGrpSpPr>
+      <p:grpSpPr>
+        <a:xfrm>
+          <a:off x="0" y="0"/>
+          <a:ext cx="0" cy="0"/>
+          <a:chOff x="0" y="0"/>
+          <a:chExt cx="0" cy="0"/>
+        </a:xfrm>
+      </p:grpSpPr>
+      <p:sp>
+        <p:nvSpPr>
+          <p:cNvPr id="2" name="Titolo 1">
+            <a:extLst>
+              <a:ext uri="{FF2B5EF4-FFF2-40B4-BE49-F238E27FC236}">
+                <a16:creationId xmlns:a16="http://schemas.microsoft.com/office/drawing/2014/main" id="{D74CFB8F-3275-47C0-ABCC-4F1E718DCDE8}"/>
+              </a:ext>
+            </a:extLst>
+          </p:cNvPr>
+          <p:cNvSpPr>
+            <a:spLocks noGrp="1"/>
+          </p:cNvSpPr>
+          <p:nvPr>
+            <p:ph type="title"/>
+          </p:nvPr>
+        </p:nvSpPr>
+        <p:spPr/>
+        <p:txBody>
+          <a:bodyPr/>
+          <a:lstStyle/>
+          <a:p>
+            <a:pPr algn="ctr"/>
+            <a:r>
+              <a:rPr lang="it-IT" dirty="0">
+                <a:latin typeface="Times New Roman" panose="02020603050405020304" pitchFamily="18" charset="0"/>
+                <a:cs typeface="Times New Roman" panose="02020603050405020304" pitchFamily="18" charset="0"/>
+              </a:rPr>
+              <a:t>Funzione di </a:t>
+            </a:r>
+            <a:r>
+              <a:rPr lang="it-IT" dirty="0" err="1">
+                <a:latin typeface="Times New Roman" panose="02020603050405020304" pitchFamily="18" charset="0"/>
+                <a:cs typeface="Times New Roman" panose="02020603050405020304" pitchFamily="18" charset="0"/>
+              </a:rPr>
+              <a:t>Simionescu</a:t>
+            </a:r>
+            <a:r>
+              <a:rPr lang="it-IT" dirty="0">
+                <a:latin typeface="Times New Roman" panose="02020603050405020304" pitchFamily="18" charset="0"/>
+                <a:cs typeface="Times New Roman" panose="02020603050405020304" pitchFamily="18" charset="0"/>
+              </a:rPr>
+              <a:t> (3)</a:t>
+            </a:r>
+          </a:p>
+        </p:txBody>
+      </p:sp>
+      <p:sp>
+        <p:nvSpPr>
+          <p:cNvPr id="3" name="Segnaposto contenuto 2">
+            <a:extLst>
+              <a:ext uri="{FF2B5EF4-FFF2-40B4-BE49-F238E27FC236}">
+                <a16:creationId xmlns:a16="http://schemas.microsoft.com/office/drawing/2014/main" id="{D25BAEDD-2C51-466F-AFB8-F848158D4E4D}"/>
+              </a:ext>
+            </a:extLst>
+          </p:cNvPr>
+          <p:cNvSpPr>
+            <a:spLocks noGrp="1"/>
+          </p:cNvSpPr>
+          <p:nvPr>
+            <p:ph idx="1"/>
+          </p:nvPr>
+        </p:nvSpPr>
+        <p:spPr/>
+        <p:txBody>
+          <a:bodyPr>
+            <a:normAutofit/>
+          </a:bodyPr>
+          <a:lstStyle/>
+          <a:p>
+            <a:pPr marL="0" indent="0">
+              <a:buNone/>
+            </a:pPr>
+            <a:r>
+              <a:rPr lang="it-IT" sz="3600" dirty="0">
+                <a:latin typeface="Times New Roman" panose="02020603050405020304" pitchFamily="18" charset="0"/>
+                <a:cs typeface="Times New Roman" panose="02020603050405020304" pitchFamily="18" charset="0"/>
+              </a:rPr>
+              <a:t>Vincoli espressi tramite penalità, il risultato non è ottimo ma comunque piuttosto buono.</a:t>
+            </a:r>
+          </a:p>
+        </p:txBody>
+      </p:sp>
+    </p:spTree>
+    <p:extLst>
+      <p:ext uri="{BB962C8B-B14F-4D97-AF65-F5344CB8AC3E}">
+        <p14:creationId xmlns:p14="http://schemas.microsoft.com/office/powerpoint/2010/main" val="1623460762"/>
+      </p:ext>
+    </p:extLst>
+  </p:cSld>
+  <p:clrMapOvr>
+    <a:masterClrMapping/>
+  </p:clrMapOvr>
+</p:sld>
+</file>
+
+<file path=ppt/slides/slide41.xml><?xml version="1.0" encoding="utf-8"?>
+<p:sld xmlns:a="http://schemas.openxmlformats.org/drawingml/2006/main" xmlns:r="http://schemas.openxmlformats.org/officeDocument/2006/relationships" xmlns:p="http://schemas.openxmlformats.org/presentationml/2006/main">
+  <p:cSld>
+    <p:spTree>
+      <p:nvGrpSpPr>
+        <p:cNvPr id="1" name=""/>
+        <p:cNvGrpSpPr/>
+        <p:nvPr/>
+      </p:nvGrpSpPr>
+      <p:grpSpPr>
+        <a:xfrm>
+          <a:off x="0" y="0"/>
+          <a:ext cx="0" cy="0"/>
+          <a:chOff x="0" y="0"/>
+          <a:chExt cx="0" cy="0"/>
+        </a:xfrm>
+      </p:grpSpPr>
+      <p:sp>
+        <p:nvSpPr>
+          <p:cNvPr id="2" name="Titolo 1">
+            <a:extLst>
+              <a:ext uri="{FF2B5EF4-FFF2-40B4-BE49-F238E27FC236}">
+                <a16:creationId xmlns:a16="http://schemas.microsoft.com/office/drawing/2014/main" id="{7C43FB8F-2DEC-4BD0-8FEC-2D666F9EE00F}"/>
+              </a:ext>
+            </a:extLst>
+          </p:cNvPr>
+          <p:cNvSpPr>
+            <a:spLocks noGrp="1"/>
+          </p:cNvSpPr>
+          <p:nvPr>
+            <p:ph type="title"/>
+          </p:nvPr>
+        </p:nvSpPr>
+        <p:spPr/>
+        <p:txBody>
+          <a:bodyPr/>
+          <a:lstStyle/>
+          <a:p>
+            <a:pPr algn="ctr"/>
+            <a:r>
+              <a:rPr lang="it-IT" dirty="0">
+                <a:latin typeface="Times New Roman" panose="02020603050405020304" pitchFamily="18" charset="0"/>
+                <a:cs typeface="Times New Roman" panose="02020603050405020304" pitchFamily="18" charset="0"/>
+              </a:rPr>
+              <a:t>Funzione di </a:t>
+            </a:r>
+            <a:r>
+              <a:rPr lang="it-IT" dirty="0" err="1">
+                <a:latin typeface="Times New Roman" panose="02020603050405020304" pitchFamily="18" charset="0"/>
+                <a:cs typeface="Times New Roman" panose="02020603050405020304" pitchFamily="18" charset="0"/>
+              </a:rPr>
+              <a:t>Kursawe</a:t>
+            </a:r>
+            <a:r>
+              <a:rPr lang="it-IT" dirty="0">
+                <a:latin typeface="Times New Roman" panose="02020603050405020304" pitchFamily="18" charset="0"/>
+                <a:cs typeface="Times New Roman" panose="02020603050405020304" pitchFamily="18" charset="0"/>
+              </a:rPr>
+              <a:t> (1)</a:t>
+            </a:r>
+          </a:p>
+        </p:txBody>
+      </p:sp>
+      <p:pic>
+        <p:nvPicPr>
+          <p:cNvPr id="5" name="Elemento grafico 4">
+            <a:extLst>
+              <a:ext uri="{FF2B5EF4-FFF2-40B4-BE49-F238E27FC236}">
+                <a16:creationId xmlns:a16="http://schemas.microsoft.com/office/drawing/2014/main" id="{145D54B4-5A54-4C5C-B905-F101D822B831}"/>
+              </a:ext>
+            </a:extLst>
+          </p:cNvPr>
+          <p:cNvPicPr>
+            <a:picLocks noChangeAspect="1"/>
+          </p:cNvPicPr>
+          <p:nvPr/>
+        </p:nvPicPr>
+        <p:blipFill>
+          <a:blip r:embed="rId2">
+            <a:extLst>
+              <a:ext uri="{28A0092B-C50C-407E-A947-70E740481C1C}">
+                <a14:useLocalDpi xmlns:a14="http://schemas.microsoft.com/office/drawing/2010/main" val="0"/>
+              </a:ext>
+              <a:ext uri="{96DAC541-7B7A-43D3-8B79-37D633B846F1}">
+                <asvg:svgBlip xmlns:asvg="http://schemas.microsoft.com/office/drawing/2016/SVG/main" r:embed="rId3"/>
+              </a:ext>
+            </a:extLst>
+          </a:blip>
+          <a:stretch>
+            <a:fillRect/>
+          </a:stretch>
+        </p:blipFill>
+        <p:spPr>
+          <a:xfrm>
+            <a:off x="502523" y="1648545"/>
+            <a:ext cx="5806660" cy="1139479"/>
+          </a:xfrm>
+          <a:prstGeom prst="rect">
+            <a:avLst/>
+          </a:prstGeom>
+        </p:spPr>
+      </p:pic>
+      <p:pic>
+        <p:nvPicPr>
+          <p:cNvPr id="7" name="Elemento grafico 6">
+            <a:extLst>
+              <a:ext uri="{FF2B5EF4-FFF2-40B4-BE49-F238E27FC236}">
+                <a16:creationId xmlns:a16="http://schemas.microsoft.com/office/drawing/2014/main" id="{A12181A5-5754-43E7-872E-332B6BAF2847}"/>
+              </a:ext>
+            </a:extLst>
+          </p:cNvPr>
+          <p:cNvPicPr>
+            <a:picLocks noChangeAspect="1"/>
+          </p:cNvPicPr>
+          <p:nvPr/>
+        </p:nvPicPr>
+        <p:blipFill>
+          <a:blip r:embed="rId4">
+            <a:extLst>
+              <a:ext uri="{28A0092B-C50C-407E-A947-70E740481C1C}">
+                <a14:useLocalDpi xmlns:a14="http://schemas.microsoft.com/office/drawing/2010/main" val="0"/>
+              </a:ext>
+              <a:ext uri="{96DAC541-7B7A-43D3-8B79-37D633B846F1}">
+                <asvg:svgBlip xmlns:asvg="http://schemas.microsoft.com/office/drawing/2016/SVG/main" r:embed="rId5"/>
+              </a:ext>
+            </a:extLst>
+          </a:blip>
+          <a:stretch>
+            <a:fillRect/>
+          </a:stretch>
+        </p:blipFill>
+        <p:spPr>
+          <a:xfrm>
+            <a:off x="7223549" y="1874597"/>
+            <a:ext cx="1417928" cy="283585"/>
+          </a:xfrm>
+          <a:prstGeom prst="rect">
+            <a:avLst/>
+          </a:prstGeom>
+        </p:spPr>
+      </p:pic>
+      <p:pic>
+        <p:nvPicPr>
+          <p:cNvPr id="9" name="Elemento grafico 8">
+            <a:extLst>
+              <a:ext uri="{FF2B5EF4-FFF2-40B4-BE49-F238E27FC236}">
+                <a16:creationId xmlns:a16="http://schemas.microsoft.com/office/drawing/2014/main" id="{020A5AA4-DE12-45FA-834A-861AE9BB95A0}"/>
+              </a:ext>
+            </a:extLst>
+          </p:cNvPr>
+          <p:cNvPicPr>
+            <a:picLocks noChangeAspect="1"/>
+          </p:cNvPicPr>
+          <p:nvPr/>
+        </p:nvPicPr>
+        <p:blipFill>
+          <a:blip r:embed="rId6">
+            <a:extLst>
+              <a:ext uri="{28A0092B-C50C-407E-A947-70E740481C1C}">
+                <a14:useLocalDpi xmlns:a14="http://schemas.microsoft.com/office/drawing/2010/main" val="0"/>
+              </a:ext>
+              <a:ext uri="{96DAC541-7B7A-43D3-8B79-37D633B846F1}">
+                <asvg:svgBlip xmlns:asvg="http://schemas.microsoft.com/office/drawing/2016/SVG/main" r:embed="rId7"/>
+              </a:ext>
+            </a:extLst>
+          </a:blip>
+          <a:stretch>
+            <a:fillRect/>
+          </a:stretch>
+        </p:blipFill>
+        <p:spPr>
+          <a:xfrm>
+            <a:off x="7434470" y="2268839"/>
+            <a:ext cx="1058717" cy="264679"/>
+          </a:xfrm>
+          <a:prstGeom prst="rect">
+            <a:avLst/>
+          </a:prstGeom>
+        </p:spPr>
+      </p:pic>
+      <p:pic>
+        <p:nvPicPr>
+          <p:cNvPr id="13" name="Immagine 12">
+            <a:extLst>
+              <a:ext uri="{FF2B5EF4-FFF2-40B4-BE49-F238E27FC236}">
+                <a16:creationId xmlns:a16="http://schemas.microsoft.com/office/drawing/2014/main" id="{2EBB8AC5-D7B2-44A4-8374-331194118EA7}"/>
+              </a:ext>
+            </a:extLst>
+          </p:cNvPr>
+          <p:cNvPicPr>
+            <a:picLocks noChangeAspect="1"/>
+          </p:cNvPicPr>
+          <p:nvPr/>
+        </p:nvPicPr>
+        <p:blipFill>
+          <a:blip r:embed="rId8">
+            <a:extLst>
+              <a:ext uri="{28A0092B-C50C-407E-A947-70E740481C1C}">
+                <a14:useLocalDpi xmlns:a14="http://schemas.microsoft.com/office/drawing/2010/main" val="0"/>
+              </a:ext>
+            </a:extLst>
+          </a:blip>
+          <a:stretch>
+            <a:fillRect/>
+          </a:stretch>
+        </p:blipFill>
+        <p:spPr>
+          <a:xfrm>
+            <a:off x="1891677" y="2839001"/>
+            <a:ext cx="5331872" cy="4018999"/>
+          </a:xfrm>
+          <a:prstGeom prst="rect">
+            <a:avLst/>
+          </a:prstGeom>
+        </p:spPr>
+      </p:pic>
+    </p:spTree>
+    <p:extLst>
+      <p:ext uri="{BB962C8B-B14F-4D97-AF65-F5344CB8AC3E}">
+        <p14:creationId xmlns:p14="http://schemas.microsoft.com/office/powerpoint/2010/main" val="718551281"/>
+      </p:ext>
+    </p:extLst>
+  </p:cSld>
+  <p:clrMapOvr>
+    <a:masterClrMapping/>
+  </p:clrMapOvr>
+</p:sld>
+</file>
+
+<file path=ppt/slides/slide42.xml><?xml version="1.0" encoding="utf-8"?>
+<p:sld xmlns:a="http://schemas.openxmlformats.org/drawingml/2006/main" xmlns:r="http://schemas.openxmlformats.org/officeDocument/2006/relationships" xmlns:p="http://schemas.openxmlformats.org/presentationml/2006/main">
+  <p:cSld>
+    <p:spTree>
+      <p:nvGrpSpPr>
+        <p:cNvPr id="1" name=""/>
+        <p:cNvGrpSpPr/>
+        <p:nvPr/>
+      </p:nvGrpSpPr>
+      <p:grpSpPr>
+        <a:xfrm>
+          <a:off x="0" y="0"/>
+          <a:ext cx="0" cy="0"/>
+          <a:chOff x="0" y="0"/>
+          <a:chExt cx="0" cy="0"/>
+        </a:xfrm>
+      </p:grpSpPr>
+      <p:sp>
+        <p:nvSpPr>
+          <p:cNvPr id="2" name="Titolo 1">
+            <a:extLst>
+              <a:ext uri="{FF2B5EF4-FFF2-40B4-BE49-F238E27FC236}">
+                <a16:creationId xmlns:a16="http://schemas.microsoft.com/office/drawing/2014/main" id="{7C43FB8F-2DEC-4BD0-8FEC-2D666F9EE00F}"/>
+              </a:ext>
+            </a:extLst>
+          </p:cNvPr>
+          <p:cNvSpPr>
+            <a:spLocks noGrp="1"/>
+          </p:cNvSpPr>
+          <p:nvPr>
+            <p:ph type="title"/>
+          </p:nvPr>
+        </p:nvSpPr>
+        <p:spPr/>
+        <p:txBody>
+          <a:bodyPr/>
+          <a:lstStyle/>
+          <a:p>
+            <a:pPr algn="ctr"/>
+            <a:r>
+              <a:rPr lang="it-IT" dirty="0">
+                <a:latin typeface="Times New Roman" panose="02020603050405020304" pitchFamily="18" charset="0"/>
+                <a:cs typeface="Times New Roman" panose="02020603050405020304" pitchFamily="18" charset="0"/>
+              </a:rPr>
+              <a:t>Funzione di </a:t>
+            </a:r>
+            <a:r>
+              <a:rPr lang="it-IT" dirty="0" err="1">
+                <a:latin typeface="Times New Roman" panose="02020603050405020304" pitchFamily="18" charset="0"/>
+                <a:cs typeface="Times New Roman" panose="02020603050405020304" pitchFamily="18" charset="0"/>
+              </a:rPr>
+              <a:t>Kursawe</a:t>
+            </a:r>
+            <a:r>
+              <a:rPr lang="it-IT" dirty="0">
+                <a:latin typeface="Times New Roman" panose="02020603050405020304" pitchFamily="18" charset="0"/>
+                <a:cs typeface="Times New Roman" panose="02020603050405020304" pitchFamily="18" charset="0"/>
+              </a:rPr>
+              <a:t> (2)</a:t>
+            </a:r>
+          </a:p>
+        </p:txBody>
+      </p:sp>
+      <p:pic>
+        <p:nvPicPr>
+          <p:cNvPr id="5" name="Elemento grafico 4">
+            <a:extLst>
+              <a:ext uri="{FF2B5EF4-FFF2-40B4-BE49-F238E27FC236}">
+                <a16:creationId xmlns:a16="http://schemas.microsoft.com/office/drawing/2014/main" id="{145D54B4-5A54-4C5C-B905-F101D822B831}"/>
+              </a:ext>
+            </a:extLst>
+          </p:cNvPr>
+          <p:cNvPicPr>
+            <a:picLocks noChangeAspect="1"/>
+          </p:cNvPicPr>
+          <p:nvPr/>
+        </p:nvPicPr>
+        <p:blipFill>
+          <a:blip r:embed="rId2">
+            <a:extLst>
+              <a:ext uri="{28A0092B-C50C-407E-A947-70E740481C1C}">
+                <a14:useLocalDpi xmlns:a14="http://schemas.microsoft.com/office/drawing/2010/main" val="0"/>
+              </a:ext>
+              <a:ext uri="{96DAC541-7B7A-43D3-8B79-37D633B846F1}">
+                <asvg:svgBlip xmlns:asvg="http://schemas.microsoft.com/office/drawing/2016/SVG/main" r:embed="rId3"/>
+              </a:ext>
+            </a:extLst>
+          </a:blip>
+          <a:stretch>
+            <a:fillRect/>
+          </a:stretch>
+        </p:blipFill>
+        <p:spPr>
+          <a:xfrm>
+            <a:off x="502523" y="1648545"/>
+            <a:ext cx="5806660" cy="1139479"/>
+          </a:xfrm>
+          <a:prstGeom prst="rect">
+            <a:avLst/>
+          </a:prstGeom>
+        </p:spPr>
+      </p:pic>
+      <p:pic>
+        <p:nvPicPr>
+          <p:cNvPr id="7" name="Elemento grafico 6">
+            <a:extLst>
+              <a:ext uri="{FF2B5EF4-FFF2-40B4-BE49-F238E27FC236}">
+                <a16:creationId xmlns:a16="http://schemas.microsoft.com/office/drawing/2014/main" id="{A12181A5-5754-43E7-872E-332B6BAF2847}"/>
+              </a:ext>
+            </a:extLst>
+          </p:cNvPr>
+          <p:cNvPicPr>
+            <a:picLocks noChangeAspect="1"/>
+          </p:cNvPicPr>
+          <p:nvPr/>
+        </p:nvPicPr>
+        <p:blipFill>
+          <a:blip r:embed="rId4">
+            <a:extLst>
+              <a:ext uri="{28A0092B-C50C-407E-A947-70E740481C1C}">
+                <a14:useLocalDpi xmlns:a14="http://schemas.microsoft.com/office/drawing/2010/main" val="0"/>
+              </a:ext>
+              <a:ext uri="{96DAC541-7B7A-43D3-8B79-37D633B846F1}">
+                <asvg:svgBlip xmlns:asvg="http://schemas.microsoft.com/office/drawing/2016/SVG/main" r:embed="rId5"/>
+              </a:ext>
+            </a:extLst>
+          </a:blip>
+          <a:stretch>
+            <a:fillRect/>
+          </a:stretch>
+        </p:blipFill>
+        <p:spPr>
+          <a:xfrm>
+            <a:off x="7223549" y="1874597"/>
+            <a:ext cx="1417928" cy="283585"/>
+          </a:xfrm>
+          <a:prstGeom prst="rect">
+            <a:avLst/>
+          </a:prstGeom>
+        </p:spPr>
+      </p:pic>
+      <p:pic>
+        <p:nvPicPr>
+          <p:cNvPr id="9" name="Elemento grafico 8">
+            <a:extLst>
+              <a:ext uri="{FF2B5EF4-FFF2-40B4-BE49-F238E27FC236}">
+                <a16:creationId xmlns:a16="http://schemas.microsoft.com/office/drawing/2014/main" id="{020A5AA4-DE12-45FA-834A-861AE9BB95A0}"/>
+              </a:ext>
+            </a:extLst>
+          </p:cNvPr>
+          <p:cNvPicPr>
+            <a:picLocks noChangeAspect="1"/>
+          </p:cNvPicPr>
+          <p:nvPr/>
+        </p:nvPicPr>
+        <p:blipFill>
+          <a:blip r:embed="rId6">
+            <a:extLst>
+              <a:ext uri="{28A0092B-C50C-407E-A947-70E740481C1C}">
+                <a14:useLocalDpi xmlns:a14="http://schemas.microsoft.com/office/drawing/2010/main" val="0"/>
+              </a:ext>
+              <a:ext uri="{96DAC541-7B7A-43D3-8B79-37D633B846F1}">
+                <asvg:svgBlip xmlns:asvg="http://schemas.microsoft.com/office/drawing/2016/SVG/main" r:embed="rId7"/>
+              </a:ext>
+            </a:extLst>
+          </a:blip>
+          <a:stretch>
+            <a:fillRect/>
+          </a:stretch>
+        </p:blipFill>
+        <p:spPr>
+          <a:xfrm>
+            <a:off x="7434470" y="2268839"/>
+            <a:ext cx="1058717" cy="264679"/>
+          </a:xfrm>
+          <a:prstGeom prst="rect">
+            <a:avLst/>
+          </a:prstGeom>
+        </p:spPr>
+      </p:pic>
+      <p:pic>
+        <p:nvPicPr>
+          <p:cNvPr id="13" name="Immagine 12">
+            <a:extLst>
+              <a:ext uri="{FF2B5EF4-FFF2-40B4-BE49-F238E27FC236}">
+                <a16:creationId xmlns:a16="http://schemas.microsoft.com/office/drawing/2014/main" id="{2EBB8AC5-D7B2-44A4-8374-331194118EA7}"/>
+              </a:ext>
+            </a:extLst>
+          </p:cNvPr>
+          <p:cNvPicPr>
+            <a:picLocks noChangeAspect="1"/>
+          </p:cNvPicPr>
+          <p:nvPr/>
+        </p:nvPicPr>
+        <p:blipFill>
+          <a:blip r:embed="rId8">
+            <a:extLst>
+              <a:ext uri="{28A0092B-C50C-407E-A947-70E740481C1C}">
+                <a14:useLocalDpi xmlns:a14="http://schemas.microsoft.com/office/drawing/2010/main" val="0"/>
+              </a:ext>
+            </a:extLst>
+          </a:blip>
+          <a:stretch>
+            <a:fillRect/>
+          </a:stretch>
+        </p:blipFill>
+        <p:spPr>
+          <a:xfrm>
+            <a:off x="1891677" y="2839001"/>
+            <a:ext cx="5331872" cy="4018999"/>
+          </a:xfrm>
+          <a:prstGeom prst="rect">
+            <a:avLst/>
+          </a:prstGeom>
+        </p:spPr>
+      </p:pic>
+    </p:spTree>
+    <p:extLst>
+      <p:ext uri="{BB962C8B-B14F-4D97-AF65-F5344CB8AC3E}">
+        <p14:creationId xmlns:p14="http://schemas.microsoft.com/office/powerpoint/2010/main" val="4056175780"/>
       </p:ext>
     </p:extLst>
   </p:cSld>

--- a/Presentation/Presentazione.pptx
+++ b/Presentation/Presentazione.pptx
@@ -5,7 +5,7 @@
     <p:sldMasterId id="2147483701" r:id="rId1"/>
   </p:sldMasterIdLst>
   <p:notesMasterIdLst>
-    <p:notesMasterId r:id="rId44"/>
+    <p:notesMasterId r:id="rId46"/>
   </p:notesMasterIdLst>
   <p:sldIdLst>
     <p:sldId id="256" r:id="rId2"/>
@@ -50,6 +50,8 @@
     <p:sldId id="295" r:id="rId41"/>
     <p:sldId id="296" r:id="rId42"/>
     <p:sldId id="297" r:id="rId43"/>
+    <p:sldId id="298" r:id="rId44"/>
+    <p:sldId id="299" r:id="rId45"/>
   </p:sldIdLst>
   <p:sldSz cx="9144000" cy="6858000" type="screen4x3"/>
   <p:notesSz cx="6858000" cy="9144000"/>
@@ -7088,7 +7090,7 @@
                 <a:latin typeface="Times New Roman" panose="02020603050405020304" pitchFamily="18" charset="0"/>
                 <a:cs typeface="Times New Roman" panose="02020603050405020304" pitchFamily="18" charset="0"/>
               </a:rPr>
-              <a:t>, la popolazione della generazione successiva. Aumenta t di 1 vai al passo 2. </a:t>
+              <a:t>, la popolazione della generazione successiva. Aumenta t di 1 vai al passo 2.1. </a:t>
             </a:r>
           </a:p>
           <a:p>
@@ -13275,10 +13277,10 @@
       </p:pic>
       <p:pic>
         <p:nvPicPr>
-          <p:cNvPr id="13" name="Immagine 12">
-            <a:extLst>
-              <a:ext uri="{FF2B5EF4-FFF2-40B4-BE49-F238E27FC236}">
-                <a16:creationId xmlns:a16="http://schemas.microsoft.com/office/drawing/2014/main" id="{2EBB8AC5-D7B2-44A4-8374-331194118EA7}"/>
+          <p:cNvPr id="4" name="Immagine 3">
+            <a:extLst>
+              <a:ext uri="{FF2B5EF4-FFF2-40B4-BE49-F238E27FC236}">
+                <a16:creationId xmlns:a16="http://schemas.microsoft.com/office/drawing/2014/main" id="{5C1CE92F-3E1F-4493-AF5A-720EEDAFFCDA}"/>
               </a:ext>
             </a:extLst>
           </p:cNvPr>
@@ -13301,8 +13303,8 @@
         </p:blipFill>
         <p:spPr>
           <a:xfrm>
-            <a:off x="1891677" y="2839001"/>
-            <a:ext cx="5331872" cy="4018999"/>
+            <a:off x="1886784" y="2835312"/>
+            <a:ext cx="5336765" cy="4022688"/>
           </a:xfrm>
           <a:prstGeom prst="rect">
             <a:avLst/>
@@ -13313,6 +13315,809 @@
     <p:extLst>
       <p:ext uri="{BB962C8B-B14F-4D97-AF65-F5344CB8AC3E}">
         <p14:creationId xmlns:p14="http://schemas.microsoft.com/office/powerpoint/2010/main" val="4056175780"/>
+      </p:ext>
+    </p:extLst>
+  </p:cSld>
+  <p:clrMapOvr>
+    <a:masterClrMapping/>
+  </p:clrMapOvr>
+</p:sld>
+</file>
+
+<file path=ppt/slides/slide43.xml><?xml version="1.0" encoding="utf-8"?>
+<p:sld xmlns:a="http://schemas.openxmlformats.org/drawingml/2006/main" xmlns:r="http://schemas.openxmlformats.org/officeDocument/2006/relationships" xmlns:p="http://schemas.openxmlformats.org/presentationml/2006/main">
+  <p:cSld>
+    <p:spTree>
+      <p:nvGrpSpPr>
+        <p:cNvPr id="1" name=""/>
+        <p:cNvGrpSpPr/>
+        <p:nvPr/>
+      </p:nvGrpSpPr>
+      <p:grpSpPr>
+        <a:xfrm>
+          <a:off x="0" y="0"/>
+          <a:ext cx="0" cy="0"/>
+          <a:chOff x="0" y="0"/>
+          <a:chExt cx="0" cy="0"/>
+        </a:xfrm>
+      </p:grpSpPr>
+      <p:sp>
+        <p:nvSpPr>
+          <p:cNvPr id="2" name="Titolo 1">
+            <a:extLst>
+              <a:ext uri="{FF2B5EF4-FFF2-40B4-BE49-F238E27FC236}">
+                <a16:creationId xmlns:a16="http://schemas.microsoft.com/office/drawing/2014/main" id="{570FAB19-B32F-40EA-AC09-959C3F4ABA7A}"/>
+              </a:ext>
+            </a:extLst>
+          </p:cNvPr>
+          <p:cNvSpPr>
+            <a:spLocks noGrp="1"/>
+          </p:cNvSpPr>
+          <p:nvPr>
+            <p:ph type="title"/>
+          </p:nvPr>
+        </p:nvSpPr>
+        <p:spPr/>
+        <p:txBody>
+          <a:bodyPr/>
+          <a:lstStyle/>
+          <a:p>
+            <a:pPr algn="ctr"/>
+            <a:r>
+              <a:rPr lang="it-IT" dirty="0">
+                <a:latin typeface="Times New Roman" panose="02020603050405020304" pitchFamily="18" charset="0"/>
+                <a:cs typeface="Times New Roman" panose="02020603050405020304" pitchFamily="18" charset="0"/>
+              </a:rPr>
+              <a:t>Un (brevissimo) caso di studio</a:t>
+            </a:r>
+          </a:p>
+        </p:txBody>
+      </p:sp>
+      <p:sp>
+        <p:nvSpPr>
+          <p:cNvPr id="3" name="Segnaposto contenuto 2">
+            <a:extLst>
+              <a:ext uri="{FF2B5EF4-FFF2-40B4-BE49-F238E27FC236}">
+                <a16:creationId xmlns:a16="http://schemas.microsoft.com/office/drawing/2014/main" id="{2229ECF6-F612-451B-8F21-E2A4C62C8915}"/>
+              </a:ext>
+            </a:extLst>
+          </p:cNvPr>
+          <p:cNvSpPr>
+            <a:spLocks noGrp="1"/>
+          </p:cNvSpPr>
+          <p:nvPr>
+            <p:ph idx="1"/>
+          </p:nvPr>
+        </p:nvSpPr>
+        <p:spPr/>
+        <p:txBody>
+          <a:bodyPr>
+            <a:normAutofit fontScale="92500"/>
+          </a:bodyPr>
+          <a:lstStyle/>
+          <a:p>
+            <a:pPr marL="0" indent="0">
+              <a:buNone/>
+            </a:pPr>
+            <a:r>
+              <a:rPr lang="it-IT" u="sng" dirty="0">
+                <a:latin typeface="Times New Roman" panose="02020603050405020304" pitchFamily="18" charset="0"/>
+                <a:cs typeface="Times New Roman" panose="02020603050405020304" pitchFamily="18" charset="0"/>
+              </a:rPr>
+              <a:t>Problema</a:t>
+            </a:r>
+            <a:r>
+              <a:rPr lang="it-IT" dirty="0">
+                <a:latin typeface="Times New Roman" panose="02020603050405020304" pitchFamily="18" charset="0"/>
+                <a:cs typeface="Times New Roman" panose="02020603050405020304" pitchFamily="18" charset="0"/>
+              </a:rPr>
+              <a:t>: si ha una facciata rettangolare di un edificio, di date dimensioni      </a:t>
+            </a:r>
+            <a:r>
+              <a:rPr lang="it-IT" dirty="0" err="1">
+                <a:latin typeface="Times New Roman" panose="02020603050405020304" pitchFamily="18" charset="0"/>
+                <a:cs typeface="Times New Roman" panose="02020603050405020304" pitchFamily="18" charset="0"/>
+              </a:rPr>
+              <a:t>b</a:t>
+            </a:r>
+            <a:r>
+              <a:rPr lang="it-IT" baseline="-25000" dirty="0" err="1">
+                <a:latin typeface="Times New Roman" panose="02020603050405020304" pitchFamily="18" charset="0"/>
+                <a:cs typeface="Times New Roman" panose="02020603050405020304" pitchFamily="18" charset="0"/>
+              </a:rPr>
+              <a:t>w</a:t>
+            </a:r>
+            <a:r>
+              <a:rPr lang="it-IT" dirty="0">
+                <a:latin typeface="Times New Roman" panose="02020603050405020304" pitchFamily="18" charset="0"/>
+                <a:cs typeface="Times New Roman" panose="02020603050405020304" pitchFamily="18" charset="0"/>
+              </a:rPr>
+              <a:t> × </a:t>
+            </a:r>
+            <a:r>
+              <a:rPr lang="it-IT" dirty="0" err="1">
+                <a:latin typeface="Times New Roman" panose="02020603050405020304" pitchFamily="18" charset="0"/>
+                <a:cs typeface="Times New Roman" panose="02020603050405020304" pitchFamily="18" charset="0"/>
+              </a:rPr>
+              <a:t>b</a:t>
+            </a:r>
+            <a:r>
+              <a:rPr lang="it-IT" baseline="-25000" dirty="0" err="1">
+                <a:latin typeface="Times New Roman" panose="02020603050405020304" pitchFamily="18" charset="0"/>
+                <a:cs typeface="Times New Roman" panose="02020603050405020304" pitchFamily="18" charset="0"/>
+              </a:rPr>
+              <a:t>h</a:t>
+            </a:r>
+            <a:r>
+              <a:rPr lang="it-IT" dirty="0">
+                <a:latin typeface="Times New Roman" panose="02020603050405020304" pitchFamily="18" charset="0"/>
+                <a:cs typeface="Times New Roman" panose="02020603050405020304" pitchFamily="18" charset="0"/>
+              </a:rPr>
+              <a:t>. Si vogliono disporre finestre quadrate (di dimensioni </a:t>
+            </a:r>
+            <a:r>
+              <a:rPr lang="it-IT" dirty="0" err="1">
+                <a:latin typeface="Times New Roman" panose="02020603050405020304" pitchFamily="18" charset="0"/>
+                <a:cs typeface="Times New Roman" panose="02020603050405020304" pitchFamily="18" charset="0"/>
+              </a:rPr>
+              <a:t>w</a:t>
+            </a:r>
+            <a:r>
+              <a:rPr lang="it-IT" baseline="-25000" dirty="0" err="1">
+                <a:latin typeface="Times New Roman" panose="02020603050405020304" pitchFamily="18" charset="0"/>
+                <a:cs typeface="Times New Roman" panose="02020603050405020304" pitchFamily="18" charset="0"/>
+              </a:rPr>
+              <a:t>size</a:t>
+            </a:r>
+            <a:r>
+              <a:rPr lang="it-IT" dirty="0">
+                <a:latin typeface="Times New Roman" panose="02020603050405020304" pitchFamily="18" charset="0"/>
+                <a:cs typeface="Times New Roman" panose="02020603050405020304" pitchFamily="18" charset="0"/>
+              </a:rPr>
+              <a:t> × </a:t>
+            </a:r>
+            <a:r>
+              <a:rPr lang="it-IT" dirty="0" err="1">
+                <a:latin typeface="Times New Roman" panose="02020603050405020304" pitchFamily="18" charset="0"/>
+                <a:cs typeface="Times New Roman" panose="02020603050405020304" pitchFamily="18" charset="0"/>
+              </a:rPr>
+              <a:t>w</a:t>
+            </a:r>
+            <a:r>
+              <a:rPr lang="it-IT" baseline="-25000" dirty="0" err="1">
+                <a:latin typeface="Times New Roman" panose="02020603050405020304" pitchFamily="18" charset="0"/>
+                <a:cs typeface="Times New Roman" panose="02020603050405020304" pitchFamily="18" charset="0"/>
+              </a:rPr>
+              <a:t>size</a:t>
+            </a:r>
+            <a:r>
+              <a:rPr lang="it-IT" dirty="0">
+                <a:latin typeface="Times New Roman" panose="02020603050405020304" pitchFamily="18" charset="0"/>
+                <a:cs typeface="Times New Roman" panose="02020603050405020304" pitchFamily="18" charset="0"/>
+              </a:rPr>
+              <a:t>), secondo un semplice schema a griglia, volendo: </a:t>
+            </a:r>
+          </a:p>
+          <a:p>
+            <a:pPr marL="0" indent="0">
+              <a:buNone/>
+            </a:pPr>
+            <a:r>
+              <a:rPr lang="it-IT" dirty="0">
+                <a:latin typeface="Times New Roman" panose="02020603050405020304" pitchFamily="18" charset="0"/>
+                <a:cs typeface="Times New Roman" panose="02020603050405020304" pitchFamily="18" charset="0"/>
+              </a:rPr>
+              <a:t>• massimizzare l’area coperta dalla griglia di finestre; </a:t>
+            </a:r>
+          </a:p>
+          <a:p>
+            <a:pPr marL="0" indent="0">
+              <a:buNone/>
+            </a:pPr>
+            <a:r>
+              <a:rPr lang="it-IT" dirty="0">
+                <a:latin typeface="Times New Roman" panose="02020603050405020304" pitchFamily="18" charset="0"/>
+                <a:cs typeface="Times New Roman" panose="02020603050405020304" pitchFamily="18" charset="0"/>
+              </a:rPr>
+              <a:t>• massimizzare il numero di finestre, rispetto allo spazio vuoto.</a:t>
+            </a:r>
+          </a:p>
+          <a:p>
+            <a:pPr marL="0" indent="0">
+              <a:buNone/>
+            </a:pPr>
+            <a:r>
+              <a:rPr lang="it-IT" dirty="0">
+                <a:latin typeface="Times New Roman" panose="02020603050405020304" pitchFamily="18" charset="0"/>
+                <a:cs typeface="Times New Roman" panose="02020603050405020304" pitchFamily="18" charset="0"/>
+              </a:rPr>
+              <a:t>La disposizione è soggetta ai seguenti vincoli: </a:t>
+            </a:r>
+          </a:p>
+          <a:p>
+            <a:pPr marL="0" indent="0">
+              <a:buNone/>
+            </a:pPr>
+            <a:r>
+              <a:rPr lang="it-IT" dirty="0">
+                <a:latin typeface="Times New Roman" panose="02020603050405020304" pitchFamily="18" charset="0"/>
+                <a:cs typeface="Times New Roman" panose="02020603050405020304" pitchFamily="18" charset="0"/>
+              </a:rPr>
+              <a:t>• il layout deve rientrare nelle dimensioni della facciata: sia </a:t>
+            </a:r>
+            <a:r>
+              <a:rPr lang="it-IT" dirty="0" err="1">
+                <a:latin typeface="Times New Roman" panose="02020603050405020304" pitchFamily="18" charset="0"/>
+                <a:cs typeface="Times New Roman" panose="02020603050405020304" pitchFamily="18" charset="0"/>
+              </a:rPr>
+              <a:t>n</a:t>
+            </a:r>
+            <a:r>
+              <a:rPr lang="it-IT" baseline="-25000" dirty="0" err="1">
+                <a:latin typeface="Times New Roman" panose="02020603050405020304" pitchFamily="18" charset="0"/>
+                <a:cs typeface="Times New Roman" panose="02020603050405020304" pitchFamily="18" charset="0"/>
+              </a:rPr>
+              <a:t>w</a:t>
+            </a:r>
+            <a:r>
+              <a:rPr lang="it-IT" dirty="0">
+                <a:latin typeface="Times New Roman" panose="02020603050405020304" pitchFamily="18" charset="0"/>
+                <a:cs typeface="Times New Roman" panose="02020603050405020304" pitchFamily="18" charset="0"/>
+              </a:rPr>
+              <a:t> il numero di finestre lungo un piano dell’edificio (cioè il numero di colonne della griglia), e sia </a:t>
+            </a:r>
+            <a:r>
+              <a:rPr lang="it-IT" dirty="0" err="1">
+                <a:latin typeface="Times New Roman" panose="02020603050405020304" pitchFamily="18" charset="0"/>
+                <a:cs typeface="Times New Roman" panose="02020603050405020304" pitchFamily="18" charset="0"/>
+              </a:rPr>
+              <a:t>s</a:t>
+            </a:r>
+            <a:r>
+              <a:rPr lang="it-IT" baseline="-25000" dirty="0" err="1">
+                <a:latin typeface="Times New Roman" panose="02020603050405020304" pitchFamily="18" charset="0"/>
+                <a:cs typeface="Times New Roman" panose="02020603050405020304" pitchFamily="18" charset="0"/>
+              </a:rPr>
+              <a:t>w</a:t>
+            </a:r>
+            <a:r>
+              <a:rPr lang="it-IT" dirty="0">
+                <a:latin typeface="Times New Roman" panose="02020603050405020304" pitchFamily="18" charset="0"/>
+                <a:cs typeface="Times New Roman" panose="02020603050405020304" pitchFamily="18" charset="0"/>
+              </a:rPr>
+              <a:t> lo spazio tra due finestre consecutive. Allora deve valere                          </a:t>
+            </a:r>
+            <a:r>
+              <a:rPr lang="it-IT" dirty="0" err="1">
+                <a:latin typeface="Times New Roman" panose="02020603050405020304" pitchFamily="18" charset="0"/>
+                <a:cs typeface="Times New Roman" panose="02020603050405020304" pitchFamily="18" charset="0"/>
+              </a:rPr>
+              <a:t>n</a:t>
+            </a:r>
+            <a:r>
+              <a:rPr lang="it-IT" baseline="-25000" dirty="0" err="1">
+                <a:latin typeface="Times New Roman" panose="02020603050405020304" pitchFamily="18" charset="0"/>
+                <a:cs typeface="Times New Roman" panose="02020603050405020304" pitchFamily="18" charset="0"/>
+              </a:rPr>
+              <a:t>w</a:t>
+            </a:r>
+            <a:r>
+              <a:rPr lang="it-IT" dirty="0">
+                <a:latin typeface="Times New Roman" panose="02020603050405020304" pitchFamily="18" charset="0"/>
+                <a:cs typeface="Times New Roman" panose="02020603050405020304" pitchFamily="18" charset="0"/>
+              </a:rPr>
+              <a:t> × </a:t>
+            </a:r>
+            <a:r>
+              <a:rPr lang="it-IT" dirty="0" err="1">
+                <a:latin typeface="Times New Roman" panose="02020603050405020304" pitchFamily="18" charset="0"/>
+                <a:cs typeface="Times New Roman" panose="02020603050405020304" pitchFamily="18" charset="0"/>
+              </a:rPr>
+              <a:t>w</a:t>
+            </a:r>
+            <a:r>
+              <a:rPr lang="it-IT" baseline="-25000" dirty="0" err="1">
+                <a:latin typeface="Times New Roman" panose="02020603050405020304" pitchFamily="18" charset="0"/>
+                <a:cs typeface="Times New Roman" panose="02020603050405020304" pitchFamily="18" charset="0"/>
+              </a:rPr>
+              <a:t>size</a:t>
+            </a:r>
+            <a:r>
+              <a:rPr lang="it-IT" dirty="0">
+                <a:latin typeface="Times New Roman" panose="02020603050405020304" pitchFamily="18" charset="0"/>
+                <a:cs typeface="Times New Roman" panose="02020603050405020304" pitchFamily="18" charset="0"/>
+              </a:rPr>
+              <a:t> + (</a:t>
+            </a:r>
+            <a:r>
+              <a:rPr lang="it-IT" dirty="0" err="1">
+                <a:latin typeface="Times New Roman" panose="02020603050405020304" pitchFamily="18" charset="0"/>
+                <a:cs typeface="Times New Roman" panose="02020603050405020304" pitchFamily="18" charset="0"/>
+              </a:rPr>
+              <a:t>n</a:t>
+            </a:r>
+            <a:r>
+              <a:rPr lang="it-IT" baseline="-25000" dirty="0" err="1">
+                <a:latin typeface="Times New Roman" panose="02020603050405020304" pitchFamily="18" charset="0"/>
+                <a:cs typeface="Times New Roman" panose="02020603050405020304" pitchFamily="18" charset="0"/>
+              </a:rPr>
+              <a:t>w</a:t>
+            </a:r>
+            <a:r>
+              <a:rPr lang="it-IT" dirty="0">
+                <a:latin typeface="Times New Roman" panose="02020603050405020304" pitchFamily="18" charset="0"/>
+                <a:cs typeface="Times New Roman" panose="02020603050405020304" pitchFamily="18" charset="0"/>
+              </a:rPr>
+              <a:t> − 1) × </a:t>
+            </a:r>
+            <a:r>
+              <a:rPr lang="it-IT" dirty="0" err="1">
+                <a:latin typeface="Times New Roman" panose="02020603050405020304" pitchFamily="18" charset="0"/>
+                <a:cs typeface="Times New Roman" panose="02020603050405020304" pitchFamily="18" charset="0"/>
+              </a:rPr>
+              <a:t>s</a:t>
+            </a:r>
+            <a:r>
+              <a:rPr lang="it-IT" baseline="-25000" dirty="0" err="1">
+                <a:latin typeface="Times New Roman" panose="02020603050405020304" pitchFamily="18" charset="0"/>
+                <a:cs typeface="Times New Roman" panose="02020603050405020304" pitchFamily="18" charset="0"/>
+              </a:rPr>
+              <a:t>w</a:t>
+            </a:r>
+            <a:r>
+              <a:rPr lang="it-IT" dirty="0">
+                <a:latin typeface="Times New Roman" panose="02020603050405020304" pitchFamily="18" charset="0"/>
+                <a:cs typeface="Times New Roman" panose="02020603050405020304" pitchFamily="18" charset="0"/>
+              </a:rPr>
+              <a:t> ≤ </a:t>
+            </a:r>
+            <a:r>
+              <a:rPr lang="it-IT" dirty="0" err="1">
+                <a:latin typeface="Times New Roman" panose="02020603050405020304" pitchFamily="18" charset="0"/>
+                <a:cs typeface="Times New Roman" panose="02020603050405020304" pitchFamily="18" charset="0"/>
+              </a:rPr>
+              <a:t>b</a:t>
+            </a:r>
+            <a:r>
+              <a:rPr lang="it-IT" baseline="-25000" dirty="0" err="1">
+                <a:latin typeface="Times New Roman" panose="02020603050405020304" pitchFamily="18" charset="0"/>
+                <a:cs typeface="Times New Roman" panose="02020603050405020304" pitchFamily="18" charset="0"/>
+              </a:rPr>
+              <a:t>w</a:t>
+            </a:r>
+            <a:r>
+              <a:rPr lang="it-IT" dirty="0">
+                <a:latin typeface="Times New Roman" panose="02020603050405020304" pitchFamily="18" charset="0"/>
+                <a:cs typeface="Times New Roman" panose="02020603050405020304" pitchFamily="18" charset="0"/>
+              </a:rPr>
+              <a:t> − k, dove k è un valore (fisso o in percentuale su </a:t>
+            </a:r>
+            <a:r>
+              <a:rPr lang="it-IT" dirty="0" err="1">
+                <a:latin typeface="Times New Roman" panose="02020603050405020304" pitchFamily="18" charset="0"/>
+                <a:cs typeface="Times New Roman" panose="02020603050405020304" pitchFamily="18" charset="0"/>
+              </a:rPr>
+              <a:t>b</a:t>
+            </a:r>
+            <a:r>
+              <a:rPr lang="it-IT" baseline="-25000" dirty="0" err="1">
+                <a:latin typeface="Times New Roman" panose="02020603050405020304" pitchFamily="18" charset="0"/>
+                <a:cs typeface="Times New Roman" panose="02020603050405020304" pitchFamily="18" charset="0"/>
+              </a:rPr>
+              <a:t>w</a:t>
+            </a:r>
+            <a:r>
+              <a:rPr lang="it-IT" dirty="0">
+                <a:latin typeface="Times New Roman" panose="02020603050405020304" pitchFamily="18" charset="0"/>
+                <a:cs typeface="Times New Roman" panose="02020603050405020304" pitchFamily="18" charset="0"/>
+              </a:rPr>
+              <a:t>) che permette di avere spazio tra le prime e ultime finestre e i bordi della facciata. Analogo discorso vale verticalmente. </a:t>
+            </a:r>
+          </a:p>
+          <a:p>
+            <a:pPr marL="0" indent="0">
+              <a:buNone/>
+            </a:pPr>
+            <a:r>
+              <a:rPr lang="it-IT" dirty="0">
+                <a:latin typeface="Times New Roman" panose="02020603050405020304" pitchFamily="18" charset="0"/>
+                <a:cs typeface="Times New Roman" panose="02020603050405020304" pitchFamily="18" charset="0"/>
+              </a:rPr>
+              <a:t>• la distanza tra due finestre non deve essere inferiore a un dato valore minimo.</a:t>
+            </a:r>
+          </a:p>
+        </p:txBody>
+      </p:sp>
+    </p:spTree>
+    <p:extLst>
+      <p:ext uri="{BB962C8B-B14F-4D97-AF65-F5344CB8AC3E}">
+        <p14:creationId xmlns:p14="http://schemas.microsoft.com/office/powerpoint/2010/main" val="3392245607"/>
+      </p:ext>
+    </p:extLst>
+  </p:cSld>
+  <p:clrMapOvr>
+    <a:masterClrMapping/>
+  </p:clrMapOvr>
+</p:sld>
+</file>
+
+<file path=ppt/slides/slide44.xml><?xml version="1.0" encoding="utf-8"?>
+<p:sld xmlns:a="http://schemas.openxmlformats.org/drawingml/2006/main" xmlns:r="http://schemas.openxmlformats.org/officeDocument/2006/relationships" xmlns:p="http://schemas.openxmlformats.org/presentationml/2006/main">
+  <p:cSld>
+    <p:spTree>
+      <p:nvGrpSpPr>
+        <p:cNvPr id="1" name=""/>
+        <p:cNvGrpSpPr/>
+        <p:nvPr/>
+      </p:nvGrpSpPr>
+      <p:grpSpPr>
+        <a:xfrm>
+          <a:off x="0" y="0"/>
+          <a:ext cx="0" cy="0"/>
+          <a:chOff x="0" y="0"/>
+          <a:chExt cx="0" cy="0"/>
+        </a:xfrm>
+      </p:grpSpPr>
+      <p:sp>
+        <p:nvSpPr>
+          <p:cNvPr id="2" name="Titolo 1">
+            <a:extLst>
+              <a:ext uri="{FF2B5EF4-FFF2-40B4-BE49-F238E27FC236}">
+                <a16:creationId xmlns:a16="http://schemas.microsoft.com/office/drawing/2014/main" id="{7EFF2728-87A8-4645-835F-EE6551A97C78}"/>
+              </a:ext>
+            </a:extLst>
+          </p:cNvPr>
+          <p:cNvSpPr>
+            <a:spLocks noGrp="1"/>
+          </p:cNvSpPr>
+          <p:nvPr>
+            <p:ph type="title"/>
+          </p:nvPr>
+        </p:nvSpPr>
+        <p:spPr/>
+        <p:txBody>
+          <a:bodyPr/>
+          <a:lstStyle/>
+          <a:p>
+            <a:pPr algn="ctr"/>
+            <a:r>
+              <a:rPr lang="it-IT" dirty="0"/>
+              <a:t>Approccio 1: modellazione come MIQCLP</a:t>
+            </a:r>
+          </a:p>
+        </p:txBody>
+      </p:sp>
+      <p:sp>
+        <p:nvSpPr>
+          <p:cNvPr id="3" name="Segnaposto contenuto 2">
+            <a:extLst>
+              <a:ext uri="{FF2B5EF4-FFF2-40B4-BE49-F238E27FC236}">
+                <a16:creationId xmlns:a16="http://schemas.microsoft.com/office/drawing/2014/main" id="{A54CECDD-AF95-478E-91D4-F1B626B224EE}"/>
+              </a:ext>
+            </a:extLst>
+          </p:cNvPr>
+          <p:cNvSpPr>
+            <a:spLocks noGrp="1"/>
+          </p:cNvSpPr>
+          <p:nvPr>
+            <p:ph idx="1"/>
+          </p:nvPr>
+        </p:nvSpPr>
+        <p:spPr/>
+        <p:txBody>
+          <a:bodyPr/>
+          <a:lstStyle/>
+          <a:p>
+            <a:pPr marL="0" indent="0">
+              <a:buNone/>
+            </a:pPr>
+            <a:r>
+              <a:rPr lang="it-IT" dirty="0">
+                <a:latin typeface="Times New Roman" panose="02020603050405020304" pitchFamily="18" charset="0"/>
+                <a:cs typeface="Times New Roman" panose="02020603050405020304" pitchFamily="18" charset="0"/>
+              </a:rPr>
+              <a:t>Si propone una modellazione come problema lineare (la funzione obiettivo è una combinazione lineare dei parametri di ottimizzazione), misto-intero (lo spazio tra le finestre è un reale, il numero di finestre un intero), con vincoli quadratici (a causa del primo vincolo).</a:t>
+            </a:r>
+          </a:p>
+          <a:p>
+            <a:pPr marL="0" indent="0">
+              <a:buNone/>
+            </a:pPr>
+            <a:endParaRPr lang="it-IT" dirty="0">
+              <a:latin typeface="Times New Roman" panose="02020603050405020304" pitchFamily="18" charset="0"/>
+              <a:cs typeface="Times New Roman" panose="02020603050405020304" pitchFamily="18" charset="0"/>
+            </a:endParaRPr>
+          </a:p>
+          <a:p>
+            <a:pPr marL="0" indent="0">
+              <a:buNone/>
+            </a:pPr>
+            <a:r>
+              <a:rPr lang="it-IT" dirty="0">
+                <a:latin typeface="Times New Roman" panose="02020603050405020304" pitchFamily="18" charset="0"/>
+                <a:cs typeface="Times New Roman" panose="02020603050405020304" pitchFamily="18" charset="0"/>
+              </a:rPr>
+              <a:t>I parametri ricercati sono </a:t>
+            </a:r>
+            <a:r>
+              <a:rPr lang="it-IT" dirty="0" err="1">
+                <a:latin typeface="Times New Roman" panose="02020603050405020304" pitchFamily="18" charset="0"/>
+                <a:cs typeface="Times New Roman" panose="02020603050405020304" pitchFamily="18" charset="0"/>
+              </a:rPr>
+              <a:t>n</a:t>
+            </a:r>
+            <a:r>
+              <a:rPr lang="it-IT" baseline="-25000" dirty="0" err="1">
+                <a:latin typeface="Times New Roman" panose="02020603050405020304" pitchFamily="18" charset="0"/>
+                <a:cs typeface="Times New Roman" panose="02020603050405020304" pitchFamily="18" charset="0"/>
+              </a:rPr>
+              <a:t>w</a:t>
+            </a:r>
+            <a:r>
+              <a:rPr lang="it-IT" dirty="0">
+                <a:latin typeface="Times New Roman" panose="02020603050405020304" pitchFamily="18" charset="0"/>
+                <a:cs typeface="Times New Roman" panose="02020603050405020304" pitchFamily="18" charset="0"/>
+              </a:rPr>
+              <a:t> e </a:t>
+            </a:r>
+            <a:r>
+              <a:rPr lang="it-IT" dirty="0" err="1">
+                <a:latin typeface="Times New Roman" panose="02020603050405020304" pitchFamily="18" charset="0"/>
+                <a:cs typeface="Times New Roman" panose="02020603050405020304" pitchFamily="18" charset="0"/>
+              </a:rPr>
+              <a:t>s</a:t>
+            </a:r>
+            <a:r>
+              <a:rPr lang="it-IT" baseline="-25000" dirty="0" err="1">
+                <a:latin typeface="Times New Roman" panose="02020603050405020304" pitchFamily="18" charset="0"/>
+                <a:cs typeface="Times New Roman" panose="02020603050405020304" pitchFamily="18" charset="0"/>
+              </a:rPr>
+              <a:t>w</a:t>
+            </a:r>
+            <a:r>
+              <a:rPr lang="it-IT" dirty="0">
+                <a:latin typeface="Times New Roman" panose="02020603050405020304" pitchFamily="18" charset="0"/>
+                <a:cs typeface="Times New Roman" panose="02020603050405020304" pitchFamily="18" charset="0"/>
+              </a:rPr>
+              <a:t>, la funzione obiettivo, da massimizzare, è: </a:t>
+            </a:r>
+          </a:p>
+          <a:p>
+            <a:pPr marL="0" indent="0" algn="ctr">
+              <a:buNone/>
+            </a:pPr>
+            <a:r>
+              <a:rPr lang="it-IT" dirty="0">
+                <a:latin typeface="CMU Serif" panose="02000603000000000000" pitchFamily="2" charset="0"/>
+                <a:ea typeface="CMU Serif" panose="02000603000000000000" pitchFamily="2" charset="0"/>
+                <a:cs typeface="CMU Serif" panose="02000603000000000000" pitchFamily="2" charset="0"/>
+              </a:rPr>
+              <a:t>f(</a:t>
+            </a:r>
+            <a:r>
+              <a:rPr lang="it-IT" dirty="0" err="1">
+                <a:latin typeface="CMU Serif" panose="02000603000000000000" pitchFamily="2" charset="0"/>
+                <a:ea typeface="CMU Serif" panose="02000603000000000000" pitchFamily="2" charset="0"/>
+                <a:cs typeface="CMU Serif" panose="02000603000000000000" pitchFamily="2" charset="0"/>
+              </a:rPr>
+              <a:t>n</a:t>
+            </a:r>
+            <a:r>
+              <a:rPr lang="it-IT" baseline="-25000" dirty="0" err="1">
+                <a:latin typeface="CMU Serif" panose="02000603000000000000" pitchFamily="2" charset="0"/>
+                <a:ea typeface="CMU Serif" panose="02000603000000000000" pitchFamily="2" charset="0"/>
+                <a:cs typeface="CMU Serif" panose="02000603000000000000" pitchFamily="2" charset="0"/>
+              </a:rPr>
+              <a:t>w</a:t>
+            </a:r>
+            <a:r>
+              <a:rPr lang="it-IT" dirty="0">
+                <a:latin typeface="CMU Serif" panose="02000603000000000000" pitchFamily="2" charset="0"/>
+                <a:ea typeface="CMU Serif" panose="02000603000000000000" pitchFamily="2" charset="0"/>
+                <a:cs typeface="CMU Serif" panose="02000603000000000000" pitchFamily="2" charset="0"/>
+              </a:rPr>
+              <a:t>, </a:t>
+            </a:r>
+            <a:r>
+              <a:rPr lang="it-IT" dirty="0" err="1">
+                <a:latin typeface="CMU Serif" panose="02000603000000000000" pitchFamily="2" charset="0"/>
+                <a:ea typeface="CMU Serif" panose="02000603000000000000" pitchFamily="2" charset="0"/>
+                <a:cs typeface="CMU Serif" panose="02000603000000000000" pitchFamily="2" charset="0"/>
+              </a:rPr>
+              <a:t>s</a:t>
+            </a:r>
+            <a:r>
+              <a:rPr lang="it-IT" baseline="-25000" dirty="0" err="1">
+                <a:latin typeface="CMU Serif" panose="02000603000000000000" pitchFamily="2" charset="0"/>
+                <a:ea typeface="CMU Serif" panose="02000603000000000000" pitchFamily="2" charset="0"/>
+                <a:cs typeface="CMU Serif" panose="02000603000000000000" pitchFamily="2" charset="0"/>
+              </a:rPr>
+              <a:t>w</a:t>
+            </a:r>
+            <a:r>
+              <a:rPr lang="it-IT" dirty="0">
+                <a:latin typeface="CMU Serif" panose="02000603000000000000" pitchFamily="2" charset="0"/>
+                <a:ea typeface="CMU Serif" panose="02000603000000000000" pitchFamily="2" charset="0"/>
+                <a:cs typeface="CMU Serif" panose="02000603000000000000" pitchFamily="2" charset="0"/>
+              </a:rPr>
+              <a:t>) = </a:t>
+            </a:r>
+            <a:r>
+              <a:rPr lang="it-IT" dirty="0" err="1">
+                <a:latin typeface="CMU Serif" panose="02000603000000000000" pitchFamily="2" charset="0"/>
+                <a:ea typeface="CMU Serif" panose="02000603000000000000" pitchFamily="2" charset="0"/>
+                <a:cs typeface="CMU Serif" panose="02000603000000000000" pitchFamily="2" charset="0"/>
+              </a:rPr>
+              <a:t>n</a:t>
+            </a:r>
+            <a:r>
+              <a:rPr lang="it-IT" baseline="-25000" dirty="0" err="1">
+                <a:latin typeface="CMU Serif" panose="02000603000000000000" pitchFamily="2" charset="0"/>
+                <a:ea typeface="CMU Serif" panose="02000603000000000000" pitchFamily="2" charset="0"/>
+                <a:cs typeface="CMU Serif" panose="02000603000000000000" pitchFamily="2" charset="0"/>
+              </a:rPr>
+              <a:t>w</a:t>
+            </a:r>
+            <a:r>
+              <a:rPr lang="it-IT" dirty="0">
+                <a:latin typeface="CMU Serif" panose="02000603000000000000" pitchFamily="2" charset="0"/>
+                <a:ea typeface="CMU Serif" panose="02000603000000000000" pitchFamily="2" charset="0"/>
+                <a:cs typeface="CMU Serif" panose="02000603000000000000" pitchFamily="2" charset="0"/>
+              </a:rPr>
+              <a:t>× M + </a:t>
+            </a:r>
+            <a:r>
+              <a:rPr lang="it-IT" dirty="0" err="1">
+                <a:latin typeface="CMU Serif" panose="02000603000000000000" pitchFamily="2" charset="0"/>
+                <a:ea typeface="CMU Serif" panose="02000603000000000000" pitchFamily="2" charset="0"/>
+                <a:cs typeface="CMU Serif" panose="02000603000000000000" pitchFamily="2" charset="0"/>
+              </a:rPr>
+              <a:t>s</a:t>
+            </a:r>
+            <a:r>
+              <a:rPr lang="it-IT" baseline="-25000" dirty="0" err="1">
+                <a:latin typeface="CMU Serif" panose="02000603000000000000" pitchFamily="2" charset="0"/>
+                <a:ea typeface="CMU Serif" panose="02000603000000000000" pitchFamily="2" charset="0"/>
+                <a:cs typeface="CMU Serif" panose="02000603000000000000" pitchFamily="2" charset="0"/>
+              </a:rPr>
+              <a:t>w</a:t>
+            </a:r>
+            <a:r>
+              <a:rPr lang="it-IT" dirty="0">
+                <a:latin typeface="CMU Serif" panose="02000603000000000000" pitchFamily="2" charset="0"/>
+                <a:ea typeface="CMU Serif" panose="02000603000000000000" pitchFamily="2" charset="0"/>
+                <a:cs typeface="CMU Serif" panose="02000603000000000000" pitchFamily="2" charset="0"/>
+              </a:rPr>
+              <a:t>, </a:t>
+            </a:r>
+          </a:p>
+          <a:p>
+            <a:pPr marL="0" indent="0">
+              <a:buNone/>
+            </a:pPr>
+            <a:r>
+              <a:rPr lang="it-IT" dirty="0">
+                <a:latin typeface="Times New Roman" panose="02020603050405020304" pitchFamily="18" charset="0"/>
+                <a:cs typeface="Times New Roman" panose="02020603050405020304" pitchFamily="18" charset="0"/>
+              </a:rPr>
+              <a:t>dove M è un valore usato per far sì che </a:t>
+            </a:r>
+            <a:r>
+              <a:rPr lang="it-IT" dirty="0" err="1">
+                <a:latin typeface="Times New Roman" panose="02020603050405020304" pitchFamily="18" charset="0"/>
+                <a:cs typeface="Times New Roman" panose="02020603050405020304" pitchFamily="18" charset="0"/>
+              </a:rPr>
+              <a:t>n</a:t>
+            </a:r>
+            <a:r>
+              <a:rPr lang="it-IT" baseline="-25000" dirty="0" err="1">
+                <a:latin typeface="Times New Roman" panose="02020603050405020304" pitchFamily="18" charset="0"/>
+                <a:cs typeface="Times New Roman" panose="02020603050405020304" pitchFamily="18" charset="0"/>
+              </a:rPr>
+              <a:t>w</a:t>
+            </a:r>
+            <a:r>
+              <a:rPr lang="it-IT" dirty="0">
+                <a:latin typeface="Times New Roman" panose="02020603050405020304" pitchFamily="18" charset="0"/>
+                <a:cs typeface="Times New Roman" panose="02020603050405020304" pitchFamily="18" charset="0"/>
+              </a:rPr>
+              <a:t> abbia priorità su </a:t>
+            </a:r>
+            <a:r>
+              <a:rPr lang="it-IT" dirty="0" err="1">
+                <a:latin typeface="Times New Roman" panose="02020603050405020304" pitchFamily="18" charset="0"/>
+                <a:cs typeface="Times New Roman" panose="02020603050405020304" pitchFamily="18" charset="0"/>
+              </a:rPr>
+              <a:t>s</a:t>
+            </a:r>
+            <a:r>
+              <a:rPr lang="it-IT" baseline="-25000" dirty="0" err="1">
+                <a:latin typeface="Times New Roman" panose="02020603050405020304" pitchFamily="18" charset="0"/>
+                <a:cs typeface="Times New Roman" panose="02020603050405020304" pitchFamily="18" charset="0"/>
+              </a:rPr>
+              <a:t>w</a:t>
+            </a:r>
+            <a:r>
+              <a:rPr lang="it-IT" dirty="0">
+                <a:latin typeface="Times New Roman" panose="02020603050405020304" pitchFamily="18" charset="0"/>
+                <a:cs typeface="Times New Roman" panose="02020603050405020304" pitchFamily="18" charset="0"/>
+              </a:rPr>
+              <a:t> (ad esempio </a:t>
+            </a:r>
+            <a:r>
+              <a:rPr lang="it-IT" dirty="0" err="1">
+                <a:latin typeface="Times New Roman" panose="02020603050405020304" pitchFamily="18" charset="0"/>
+                <a:cs typeface="Times New Roman" panose="02020603050405020304" pitchFamily="18" charset="0"/>
+              </a:rPr>
+              <a:t>b</a:t>
+            </a:r>
+            <a:r>
+              <a:rPr lang="it-IT" baseline="-25000" dirty="0" err="1">
+                <a:latin typeface="Times New Roman" panose="02020603050405020304" pitchFamily="18" charset="0"/>
+                <a:cs typeface="Times New Roman" panose="02020603050405020304" pitchFamily="18" charset="0"/>
+              </a:rPr>
+              <a:t>w</a:t>
+            </a:r>
+            <a:r>
+              <a:rPr lang="it-IT" dirty="0">
+                <a:latin typeface="Times New Roman" panose="02020603050405020304" pitchFamily="18" charset="0"/>
+                <a:cs typeface="Times New Roman" panose="02020603050405020304" pitchFamily="18" charset="0"/>
+              </a:rPr>
+              <a:t>).</a:t>
+            </a:r>
+          </a:p>
+          <a:p>
+            <a:pPr marL="0" indent="0">
+              <a:buNone/>
+            </a:pPr>
+            <a:endParaRPr lang="it-IT" baseline="-25000" dirty="0">
+              <a:latin typeface="Times New Roman" panose="02020603050405020304" pitchFamily="18" charset="0"/>
+              <a:cs typeface="Times New Roman" panose="02020603050405020304" pitchFamily="18" charset="0"/>
+            </a:endParaRPr>
+          </a:p>
+          <a:p>
+            <a:pPr marL="0" indent="0">
+              <a:buNone/>
+            </a:pPr>
+            <a:r>
+              <a:rPr lang="it-IT" dirty="0">
+                <a:latin typeface="Times New Roman" panose="02020603050405020304" pitchFamily="18" charset="0"/>
+                <a:cs typeface="Times New Roman" panose="02020603050405020304" pitchFamily="18" charset="0"/>
+              </a:rPr>
+              <a:t>Risolutori commerciali (</a:t>
+            </a:r>
+            <a:r>
+              <a:rPr lang="it-IT" dirty="0" err="1">
+                <a:latin typeface="Times New Roman" panose="02020603050405020304" pitchFamily="18" charset="0"/>
+                <a:cs typeface="Times New Roman" panose="02020603050405020304" pitchFamily="18" charset="0"/>
+              </a:rPr>
+              <a:t>Gurobi</a:t>
+            </a:r>
+            <a:r>
+              <a:rPr lang="it-IT" dirty="0">
+                <a:latin typeface="Times New Roman" panose="02020603050405020304" pitchFamily="18" charset="0"/>
+                <a:cs typeface="Times New Roman" panose="02020603050405020304" pitchFamily="18" charset="0"/>
+              </a:rPr>
+              <a:t> per le prove effettuate) possono avere difficoltà con la modellazione ‘‘diretta’’ </a:t>
+            </a:r>
+            <a:r>
+              <a:rPr lang="it-IT">
+                <a:latin typeface="Times New Roman" panose="02020603050405020304" pitchFamily="18" charset="0"/>
+                <a:cs typeface="Times New Roman" panose="02020603050405020304" pitchFamily="18" charset="0"/>
+              </a:rPr>
+              <a:t>del problema.</a:t>
+            </a:r>
+            <a:endParaRPr lang="it-IT" dirty="0">
+              <a:latin typeface="Times New Roman" panose="02020603050405020304" pitchFamily="18" charset="0"/>
+              <a:cs typeface="Times New Roman" panose="02020603050405020304" pitchFamily="18" charset="0"/>
+            </a:endParaRPr>
+          </a:p>
+        </p:txBody>
+      </p:sp>
+    </p:spTree>
+    <p:extLst>
+      <p:ext uri="{BB962C8B-B14F-4D97-AF65-F5344CB8AC3E}">
+        <p14:creationId xmlns:p14="http://schemas.microsoft.com/office/powerpoint/2010/main" val="3320817597"/>
       </p:ext>
     </p:extLst>
   </p:cSld>
